--- a/documents/Презентация_Шаповал.pptx
+++ b/documents/Презентация_Шаповал.pptx
@@ -12,17 +12,17 @@
   </p:handoutMasterIdLst>
   <p:sldIdLst>
     <p:sldId id="276" r:id="rId2"/>
-    <p:sldId id="264" r:id="rId3"/>
-    <p:sldId id="301" r:id="rId4"/>
-    <p:sldId id="302" r:id="rId5"/>
-    <p:sldId id="303" r:id="rId6"/>
-    <p:sldId id="304" r:id="rId7"/>
-    <p:sldId id="305" r:id="rId8"/>
-    <p:sldId id="306" r:id="rId9"/>
-    <p:sldId id="307" r:id="rId10"/>
-    <p:sldId id="308" r:id="rId11"/>
-    <p:sldId id="309" r:id="rId12"/>
-    <p:sldId id="312" r:id="rId13"/>
+    <p:sldId id="317" r:id="rId3"/>
+    <p:sldId id="318" r:id="rId4"/>
+    <p:sldId id="319" r:id="rId5"/>
+    <p:sldId id="320" r:id="rId6"/>
+    <p:sldId id="303" r:id="rId7"/>
+    <p:sldId id="304" r:id="rId8"/>
+    <p:sldId id="305" r:id="rId9"/>
+    <p:sldId id="306" r:id="rId10"/>
+    <p:sldId id="307" r:id="rId11"/>
+    <p:sldId id="308" r:id="rId12"/>
+    <p:sldId id="309" r:id="rId13"/>
     <p:sldId id="310" r:id="rId14"/>
     <p:sldId id="311" r:id="rId15"/>
     <p:sldId id="313" r:id="rId16"/>
@@ -229,7 +229,7 @@
           <a:p>
             <a:fld id="{6435D36F-7752-4980-8C58-7DDD05C15CCF}" type="datetimeFigureOut">
               <a:rPr lang="ru-RU" smtClean="0"/>
-              <a:t>31.05.2024</a:t>
+              <a:t>11.06.2024</a:t>
             </a:fld>
             <a:endParaRPr lang="ru-RU"/>
           </a:p>
@@ -394,7 +394,7 @@
           <a:p>
             <a:fld id="{29FC257E-AE27-484B-BB33-4D633B818D2A}" type="datetimeFigureOut">
               <a:rPr lang="ru-RU" smtClean="0"/>
-              <a:t>31.05.2024</a:t>
+              <a:t>11.06.2024</a:t>
             </a:fld>
             <a:endParaRPr lang="ru-RU"/>
           </a:p>
@@ -808,7 +808,7 @@
           <a:p>
             <a:fld id="{B4C71EC6-210F-42DE-9C53-41977AD35B3D}" type="datetimeFigureOut">
               <a:rPr lang="ru-RU" smtClean="0"/>
-              <a:t>31.05.2024</a:t>
+              <a:t>11.06.2024</a:t>
             </a:fld>
             <a:endParaRPr lang="ru-RU"/>
           </a:p>
@@ -1006,7 +1006,7 @@
           <a:p>
             <a:fld id="{B4C71EC6-210F-42DE-9C53-41977AD35B3D}" type="datetimeFigureOut">
               <a:rPr lang="ru-RU" smtClean="0"/>
-              <a:t>31.05.2024</a:t>
+              <a:t>11.06.2024</a:t>
             </a:fld>
             <a:endParaRPr lang="ru-RU"/>
           </a:p>
@@ -1214,7 +1214,7 @@
           <a:p>
             <a:fld id="{B4C71EC6-210F-42DE-9C53-41977AD35B3D}" type="datetimeFigureOut">
               <a:rPr lang="ru-RU" smtClean="0"/>
-              <a:t>31.05.2024</a:t>
+              <a:t>11.06.2024</a:t>
             </a:fld>
             <a:endParaRPr lang="ru-RU"/>
           </a:p>
@@ -1412,7 +1412,7 @@
           <a:p>
             <a:fld id="{B4C71EC6-210F-42DE-9C53-41977AD35B3D}" type="datetimeFigureOut">
               <a:rPr lang="ru-RU" smtClean="0"/>
-              <a:t>31.05.2024</a:t>
+              <a:t>11.06.2024</a:t>
             </a:fld>
             <a:endParaRPr lang="ru-RU"/>
           </a:p>
@@ -1687,7 +1687,7 @@
           <a:p>
             <a:fld id="{B4C71EC6-210F-42DE-9C53-41977AD35B3D}" type="datetimeFigureOut">
               <a:rPr lang="ru-RU" smtClean="0"/>
-              <a:t>31.05.2024</a:t>
+              <a:t>11.06.2024</a:t>
             </a:fld>
             <a:endParaRPr lang="ru-RU"/>
           </a:p>
@@ -1952,7 +1952,7 @@
           <a:p>
             <a:fld id="{B4C71EC6-210F-42DE-9C53-41977AD35B3D}" type="datetimeFigureOut">
               <a:rPr lang="ru-RU" smtClean="0"/>
-              <a:t>31.05.2024</a:t>
+              <a:t>11.06.2024</a:t>
             </a:fld>
             <a:endParaRPr lang="ru-RU"/>
           </a:p>
@@ -2364,7 +2364,7 @@
           <a:p>
             <a:fld id="{B4C71EC6-210F-42DE-9C53-41977AD35B3D}" type="datetimeFigureOut">
               <a:rPr lang="ru-RU" smtClean="0"/>
-              <a:t>31.05.2024</a:t>
+              <a:t>11.06.2024</a:t>
             </a:fld>
             <a:endParaRPr lang="ru-RU"/>
           </a:p>
@@ -2505,7 +2505,7 @@
           <a:p>
             <a:fld id="{B4C71EC6-210F-42DE-9C53-41977AD35B3D}" type="datetimeFigureOut">
               <a:rPr lang="ru-RU" smtClean="0"/>
-              <a:t>31.05.2024</a:t>
+              <a:t>11.06.2024</a:t>
             </a:fld>
             <a:endParaRPr lang="ru-RU"/>
           </a:p>
@@ -2618,7 +2618,7 @@
           <a:p>
             <a:fld id="{B4C71EC6-210F-42DE-9C53-41977AD35B3D}" type="datetimeFigureOut">
               <a:rPr lang="ru-RU" smtClean="0"/>
-              <a:t>31.05.2024</a:t>
+              <a:t>11.06.2024</a:t>
             </a:fld>
             <a:endParaRPr lang="ru-RU"/>
           </a:p>
@@ -2929,7 +2929,7 @@
           <a:p>
             <a:fld id="{B4C71EC6-210F-42DE-9C53-41977AD35B3D}" type="datetimeFigureOut">
               <a:rPr lang="ru-RU" smtClean="0"/>
-              <a:t>31.05.2024</a:t>
+              <a:t>11.06.2024</a:t>
             </a:fld>
             <a:endParaRPr lang="ru-RU"/>
           </a:p>
@@ -3217,7 +3217,7 @@
           <a:p>
             <a:fld id="{B4C71EC6-210F-42DE-9C53-41977AD35B3D}" type="datetimeFigureOut">
               <a:rPr lang="ru-RU" smtClean="0"/>
-              <a:t>31.05.2024</a:t>
+              <a:t>11.06.2024</a:t>
             </a:fld>
             <a:endParaRPr lang="ru-RU"/>
           </a:p>
@@ -3458,7 +3458,7 @@
           <a:p>
             <a:fld id="{B4C71EC6-210F-42DE-9C53-41977AD35B3D}" type="datetimeFigureOut">
               <a:rPr lang="ru-RU" smtClean="0"/>
-              <a:t>31.05.2024</a:t>
+              <a:t>11.06.2024</a:t>
             </a:fld>
             <a:endParaRPr lang="ru-RU"/>
           </a:p>
@@ -4408,92 +4408,36 @@
           <a:chExt cx="0" cy="0"/>
         </a:xfrm>
       </p:grpSpPr>
-      <p:sp>
-        <p:nvSpPr>
-          <p:cNvPr id="2" name="Заголовок 1">
-            <a:extLst>
-              <a:ext uri="{FF2B5EF4-FFF2-40B4-BE49-F238E27FC236}">
-                <a16:creationId xmlns:a16="http://schemas.microsoft.com/office/drawing/2014/main" id="{2A325DB2-AEDE-DC87-3322-FE15A4224D6D}"/>
-              </a:ext>
-            </a:extLst>
-          </p:cNvPr>
-          <p:cNvSpPr>
-            <a:spLocks noGrp="1"/>
-          </p:cNvSpPr>
-          <p:nvPr>
-            <p:ph type="title"/>
-          </p:nvPr>
-        </p:nvSpPr>
-        <p:spPr/>
-        <p:txBody>
-          <a:bodyPr/>
-          <a:lstStyle/>
-          <a:p>
-            <a:r>
-              <a:rPr lang="en-US" sz="1800" dirty="0" err="1">
-                <a:effectLst/>
-                <a:latin typeface="Times New Roman" panose="02020603050405020304" pitchFamily="18" charset="0"/>
-                <a:ea typeface="Calibri" panose="020F0502020204030204" pitchFamily="34" charset="0"/>
-              </a:rPr>
-              <a:t>gRPC</a:t>
-            </a:r>
-            <a:r>
-              <a:rPr lang="ru-RU" sz="1800" dirty="0">
-                <a:effectLst/>
-                <a:latin typeface="Times New Roman" panose="02020603050405020304" pitchFamily="18" charset="0"/>
-                <a:ea typeface="Calibri" panose="020F0502020204030204" pitchFamily="34" charset="0"/>
-              </a:rPr>
-              <a:t> </a:t>
-            </a:r>
-            <a:endParaRPr lang="ru-RU" dirty="0"/>
-          </a:p>
-        </p:txBody>
-      </p:sp>
       <p:pic>
         <p:nvPicPr>
-          <p:cNvPr id="1028" name="Picture 4" descr="&lt;i&gt;Унарный (Unary)&lt;/i&gt;">
-            <a:extLst>
-              <a:ext uri="{FF2B5EF4-FFF2-40B4-BE49-F238E27FC236}">
-                <a16:creationId xmlns:a16="http://schemas.microsoft.com/office/drawing/2014/main" id="{3A78E371-9F2E-2FE9-913F-B0A3C44D946C}"/>
+          <p:cNvPr id="4" name="Объект 3">
+            <a:extLst>
+              <a:ext uri="{FF2B5EF4-FFF2-40B4-BE49-F238E27FC236}">
+                <a16:creationId xmlns:a16="http://schemas.microsoft.com/office/drawing/2014/main" id="{F4B1B340-6F2B-95EE-9727-A03FCA15F9AC}"/>
               </a:ext>
             </a:extLst>
           </p:cNvPr>
           <p:cNvPicPr>
-            <a:picLocks noChangeAspect="1" noChangeArrowheads="1"/>
+            <a:picLocks noGrp="1" noChangeAspect="1"/>
           </p:cNvPicPr>
-          <p:nvPr/>
+          <p:nvPr>
+            <p:ph idx="1"/>
+          </p:nvPr>
         </p:nvPicPr>
         <p:blipFill>
-          <a:blip r:embed="rId2">
-            <a:extLst>
-              <a:ext uri="{28A0092B-C50C-407E-A947-70E740481C1C}">
-                <a14:useLocalDpi xmlns:a14="http://schemas.microsoft.com/office/drawing/2010/main" val="0"/>
-              </a:ext>
-            </a:extLst>
-          </a:blip>
-          <a:srcRect/>
+          <a:blip r:embed="rId2"/>
           <a:stretch>
             <a:fillRect/>
           </a:stretch>
         </p:blipFill>
-        <p:spPr bwMode="auto">
+        <p:spPr>
           <a:xfrm>
-            <a:off x="323528" y="1203598"/>
-            <a:ext cx="3611116" cy="2114588"/>
+            <a:off x="623477" y="1275606"/>
+            <a:ext cx="3946673" cy="845324"/>
           </a:xfrm>
           <a:prstGeom prst="rect">
             <a:avLst/>
           </a:prstGeom>
-          <a:noFill/>
-          <a:extLst>
-            <a:ext uri="{909E8E84-426E-40DD-AFC4-6F175D3DCCD1}">
-              <a14:hiddenFill xmlns:a14="http://schemas.microsoft.com/office/drawing/2010/main">
-                <a:solidFill>
-                  <a:srgbClr val="FFFFFF"/>
-                </a:solidFill>
-              </a14:hiddenFill>
-            </a:ext>
-          </a:extLst>
         </p:spPr>
       </p:pic>
       <p:pic>
@@ -4501,7 +4445,7 @@
           <p:cNvPr id="5" name="Рисунок 4">
             <a:extLst>
               <a:ext uri="{FF2B5EF4-FFF2-40B4-BE49-F238E27FC236}">
-                <a16:creationId xmlns:a16="http://schemas.microsoft.com/office/drawing/2014/main" id="{E9A23AC9-3A43-5546-D716-A95B25E9CA3A}"/>
+                <a16:creationId xmlns:a16="http://schemas.microsoft.com/office/drawing/2014/main" id="{5DE8338C-306F-8161-4C73-22F41133F103}"/>
               </a:ext>
             </a:extLst>
           </p:cNvPr>
@@ -4518,8 +4462,8 @@
         </p:blipFill>
         <p:spPr>
           <a:xfrm>
-            <a:off x="4921899" y="1131590"/>
-            <a:ext cx="3718777" cy="2386412"/>
+            <a:off x="5318282" y="1277753"/>
+            <a:ext cx="2927019" cy="2016224"/>
           </a:xfrm>
           <a:prstGeom prst="rect">
             <a:avLst/>
@@ -4531,7 +4475,7 @@
           <p:cNvPr id="6" name="Объект 2">
             <a:extLst>
               <a:ext uri="{FF2B5EF4-FFF2-40B4-BE49-F238E27FC236}">
-                <a16:creationId xmlns:a16="http://schemas.microsoft.com/office/drawing/2014/main" id="{90271392-1DC2-0FF7-709B-AD33733F4640}"/>
+                <a16:creationId xmlns:a16="http://schemas.microsoft.com/office/drawing/2014/main" id="{5D645037-2ED0-39F2-F97F-37824EC8B180}"/>
               </a:ext>
             </a:extLst>
           </p:cNvPr>
@@ -4732,15 +4676,149 @@
             </a:r>
             <a:r>
               <a:rPr lang="ru-RU" sz="1400" dirty="0"/>
-              <a:t>19</a:t>
-            </a:r>
+              <a:t>20</a:t>
+            </a:r>
+          </a:p>
+        </p:txBody>
+      </p:sp>
+      <p:sp>
+        <p:nvSpPr>
+          <p:cNvPr id="3" name="TextBox 2">
+            <a:extLst>
+              <a:ext uri="{FF2B5EF4-FFF2-40B4-BE49-F238E27FC236}">
+                <a16:creationId xmlns:a16="http://schemas.microsoft.com/office/drawing/2014/main" id="{AE4D5044-E0AB-2144-FA91-EF9B29DA2C40}"/>
+              </a:ext>
+            </a:extLst>
+          </p:cNvPr>
+          <p:cNvSpPr txBox="1"/>
+          <p:nvPr/>
+        </p:nvSpPr>
+        <p:spPr>
+          <a:xfrm>
+            <a:off x="5479389" y="3291830"/>
+            <a:ext cx="3163180" cy="523220"/>
+          </a:xfrm>
+          <a:prstGeom prst="rect">
+            <a:avLst/>
+          </a:prstGeom>
+          <a:noFill/>
+        </p:spPr>
+        <p:txBody>
+          <a:bodyPr wrap="square" rtlCol="0">
+            <a:spAutoFit/>
+          </a:bodyPr>
+          <a:lstStyle/>
+          <a:p>
+            <a:r>
+              <a:rPr lang="ru-RU" sz="1400" dirty="0">
+                <a:latin typeface="Times New Roman" panose="02020603050405020304" pitchFamily="18" charset="0"/>
+                <a:cs typeface="Times New Roman" panose="02020603050405020304" pitchFamily="18" charset="0"/>
+              </a:rPr>
+              <a:t>Рисунок 7 – </a:t>
+            </a:r>
+            <a:r>
+              <a:rPr lang="ru-RU" sz="1400" dirty="0">
+                <a:effectLst/>
+                <a:latin typeface="Times New Roman" panose="02020603050405020304" pitchFamily="18" charset="0"/>
+                <a:ea typeface="Calibri" panose="020F0502020204030204" pitchFamily="34" charset="0"/>
+                <a:cs typeface="Times New Roman" panose="02020603050405020304" pitchFamily="18" charset="0"/>
+              </a:rPr>
+              <a:t>Схема взаимодействия клиентских сокетов.</a:t>
+            </a:r>
+            <a:r>
+              <a:rPr lang="ru-RU" sz="1400" dirty="0">
+                <a:effectLst/>
+                <a:latin typeface="Times New Roman" panose="02020603050405020304" pitchFamily="18" charset="0"/>
+                <a:cs typeface="Times New Roman" panose="02020603050405020304" pitchFamily="18" charset="0"/>
+              </a:rPr>
+              <a:t> </a:t>
+            </a:r>
+            <a:r>
+              <a:rPr lang="ru-RU" sz="1400" dirty="0">
+                <a:latin typeface="Times New Roman" panose="02020603050405020304" pitchFamily="18" charset="0"/>
+                <a:cs typeface="Times New Roman" panose="02020603050405020304" pitchFamily="18" charset="0"/>
+              </a:rPr>
+              <a:t> </a:t>
+            </a:r>
+          </a:p>
+        </p:txBody>
+      </p:sp>
+      <p:sp>
+        <p:nvSpPr>
+          <p:cNvPr id="7" name="TextBox 6">
+            <a:extLst>
+              <a:ext uri="{FF2B5EF4-FFF2-40B4-BE49-F238E27FC236}">
+                <a16:creationId xmlns:a16="http://schemas.microsoft.com/office/drawing/2014/main" id="{2916DC1B-1EA9-CDD2-C8F4-DC75710E5423}"/>
+              </a:ext>
+            </a:extLst>
+          </p:cNvPr>
+          <p:cNvSpPr txBox="1"/>
+          <p:nvPr/>
+        </p:nvSpPr>
+        <p:spPr>
+          <a:xfrm>
+            <a:off x="628650" y="2139702"/>
+            <a:ext cx="3163180" cy="523220"/>
+          </a:xfrm>
+          <a:prstGeom prst="rect">
+            <a:avLst/>
+          </a:prstGeom>
+          <a:noFill/>
+        </p:spPr>
+        <p:txBody>
+          <a:bodyPr wrap="square" rtlCol="0">
+            <a:spAutoFit/>
+          </a:bodyPr>
+          <a:lstStyle/>
+          <a:p>
+            <a:r>
+              <a:rPr lang="ru-RU" sz="1400" dirty="0">
+                <a:latin typeface="Times New Roman" panose="02020603050405020304" pitchFamily="18" charset="0"/>
+                <a:cs typeface="Times New Roman" panose="02020603050405020304" pitchFamily="18" charset="0"/>
+              </a:rPr>
+              <a:t>Рисунок 6 – Запись байтов в сокет и чтение байтов из сокета </a:t>
+            </a:r>
+          </a:p>
+        </p:txBody>
+      </p:sp>
+      <p:sp>
+        <p:nvSpPr>
+          <p:cNvPr id="11" name="Заголовок 10">
+            <a:extLst>
+              <a:ext uri="{FF2B5EF4-FFF2-40B4-BE49-F238E27FC236}">
+                <a16:creationId xmlns:a16="http://schemas.microsoft.com/office/drawing/2014/main" id="{49E76B8F-F143-4442-C9E6-E52339FA8EE3}"/>
+              </a:ext>
+            </a:extLst>
+          </p:cNvPr>
+          <p:cNvSpPr>
+            <a:spLocks noGrp="1"/>
+          </p:cNvSpPr>
+          <p:nvPr>
+            <p:ph type="title"/>
+          </p:nvPr>
+        </p:nvSpPr>
+        <p:spPr/>
+        <p:txBody>
+          <a:bodyPr>
+            <a:normAutofit/>
+          </a:bodyPr>
+          <a:lstStyle/>
+          <a:p>
+            <a:r>
+              <a:rPr lang="ru-RU" sz="3200" dirty="0">
+                <a:latin typeface="Times New Roman" panose="02020603050405020304" pitchFamily="18" charset="0"/>
+                <a:cs typeface="Times New Roman" panose="02020603050405020304" pitchFamily="18" charset="0"/>
+              </a:rPr>
+              <a:t>Сокеты</a:t>
+            </a:r>
+            <a:endParaRPr lang="ru-RU" sz="3200" dirty="0"/>
           </a:p>
         </p:txBody>
       </p:sp>
     </p:spTree>
     <p:extLst>
       <p:ext uri="{BB962C8B-B14F-4D97-AF65-F5344CB8AC3E}">
-        <p14:creationId xmlns:p14="http://schemas.microsoft.com/office/powerpoint/2010/main" val="1657707723"/>
+        <p14:creationId xmlns:p14="http://schemas.microsoft.com/office/powerpoint/2010/main" val="268411687"/>
       </p:ext>
     </p:extLst>
   </p:cSld>
@@ -4767,67 +4845,51 @@
           <a:chExt cx="0" cy="0"/>
         </a:xfrm>
       </p:grpSpPr>
-      <p:sp>
-        <p:nvSpPr>
-          <p:cNvPr id="2" name="Заголовок 1">
-            <a:extLst>
-              <a:ext uri="{FF2B5EF4-FFF2-40B4-BE49-F238E27FC236}">
-                <a16:creationId xmlns:a16="http://schemas.microsoft.com/office/drawing/2014/main" id="{A87607F0-7391-60CF-DCEA-6315A172A12C}"/>
-              </a:ext>
-            </a:extLst>
-          </p:cNvPr>
-          <p:cNvSpPr>
-            <a:spLocks noGrp="1"/>
-          </p:cNvSpPr>
-          <p:nvPr>
-            <p:ph type="title"/>
-          </p:nvPr>
-        </p:nvSpPr>
-        <p:spPr/>
-        <p:txBody>
-          <a:bodyPr/>
-          <a:lstStyle/>
-          <a:p>
-            <a:r>
-              <a:rPr lang="en-US" sz="3600" dirty="0" err="1">
-                <a:effectLst/>
-                <a:latin typeface="Times New Roman" panose="02020603050405020304" pitchFamily="18" charset="0"/>
-                <a:ea typeface="Calibri" panose="020F0502020204030204" pitchFamily="34" charset="0"/>
-              </a:rPr>
-              <a:t>gRPC</a:t>
-            </a:r>
-            <a:endParaRPr lang="ru-RU" dirty="0"/>
-          </a:p>
-        </p:txBody>
-      </p:sp>
       <p:pic>
         <p:nvPicPr>
-          <p:cNvPr id="4" name="Рисунок 3">
-            <a:extLst>
-              <a:ext uri="{FF2B5EF4-FFF2-40B4-BE49-F238E27FC236}">
-                <a16:creationId xmlns:a16="http://schemas.microsoft.com/office/drawing/2014/main" id="{321B7CC7-CFEF-B284-9ADC-193D8D6A7647}"/>
+          <p:cNvPr id="1028" name="Picture 4" descr="&lt;i&gt;Унарный (Unary)&lt;/i&gt;">
+            <a:extLst>
+              <a:ext uri="{FF2B5EF4-FFF2-40B4-BE49-F238E27FC236}">
+                <a16:creationId xmlns:a16="http://schemas.microsoft.com/office/drawing/2014/main" id="{3A78E371-9F2E-2FE9-913F-B0A3C44D946C}"/>
               </a:ext>
             </a:extLst>
           </p:cNvPr>
           <p:cNvPicPr>
-            <a:picLocks noChangeAspect="1"/>
+            <a:picLocks noChangeAspect="1" noChangeArrowheads="1"/>
           </p:cNvPicPr>
           <p:nvPr/>
         </p:nvPicPr>
         <p:blipFill>
-          <a:blip r:embed="rId2"/>
+          <a:blip r:embed="rId2">
+            <a:extLst>
+              <a:ext uri="{28A0092B-C50C-407E-A947-70E740481C1C}">
+                <a14:useLocalDpi xmlns:a14="http://schemas.microsoft.com/office/drawing/2010/main" val="0"/>
+              </a:ext>
+            </a:extLst>
+          </a:blip>
+          <a:srcRect/>
           <a:stretch>
             <a:fillRect/>
           </a:stretch>
         </p:blipFill>
-        <p:spPr>
+        <p:spPr bwMode="auto">
           <a:xfrm>
-            <a:off x="467544" y="1347614"/>
-            <a:ext cx="3454152" cy="2122300"/>
+            <a:off x="604360" y="1519120"/>
+            <a:ext cx="3611116" cy="2114588"/>
           </a:xfrm>
           <a:prstGeom prst="rect">
             <a:avLst/>
           </a:prstGeom>
+          <a:noFill/>
+          <a:extLst>
+            <a:ext uri="{909E8E84-426E-40DD-AFC4-6F175D3DCCD1}">
+              <a14:hiddenFill xmlns:a14="http://schemas.microsoft.com/office/drawing/2010/main">
+                <a:solidFill>
+                  <a:srgbClr val="FFFFFF"/>
+                </a:solidFill>
+              </a14:hiddenFill>
+            </a:ext>
+          </a:extLst>
         </p:spPr>
       </p:pic>
       <p:pic>
@@ -4835,7 +4897,7 @@
           <p:cNvPr id="5" name="Рисунок 4">
             <a:extLst>
               <a:ext uri="{FF2B5EF4-FFF2-40B4-BE49-F238E27FC236}">
-                <a16:creationId xmlns:a16="http://schemas.microsoft.com/office/drawing/2014/main" id="{436A456A-3755-2F7E-6A21-E7BD0FA5159C}"/>
+                <a16:creationId xmlns:a16="http://schemas.microsoft.com/office/drawing/2014/main" id="{E9A23AC9-3A43-5546-D716-A95B25E9CA3A}"/>
               </a:ext>
             </a:extLst>
           </p:cNvPr>
@@ -4852,8 +4914,8 @@
         </p:blipFill>
         <p:spPr>
           <a:xfrm>
-            <a:off x="4860032" y="1391995"/>
-            <a:ext cx="3439294" cy="2142249"/>
+            <a:off x="4928525" y="1485232"/>
+            <a:ext cx="3718777" cy="2386412"/>
           </a:xfrm>
           <a:prstGeom prst="rect">
             <a:avLst/>
@@ -4865,7 +4927,7 @@
           <p:cNvPr id="6" name="Объект 2">
             <a:extLst>
               <a:ext uri="{FF2B5EF4-FFF2-40B4-BE49-F238E27FC236}">
-                <a16:creationId xmlns:a16="http://schemas.microsoft.com/office/drawing/2014/main" id="{66736A9B-6F33-F6C8-0D4C-D869DCB56610}"/>
+                <a16:creationId xmlns:a16="http://schemas.microsoft.com/office/drawing/2014/main" id="{90271392-1DC2-0FF7-709B-AD33733F4640}"/>
               </a:ext>
             </a:extLst>
           </p:cNvPr>
@@ -5066,15 +5128,126 @@
             </a:r>
             <a:r>
               <a:rPr lang="ru-RU" sz="1400" dirty="0"/>
-              <a:t>19</a:t>
-            </a:r>
+              <a:t>20</a:t>
+            </a:r>
+          </a:p>
+        </p:txBody>
+      </p:sp>
+      <p:sp>
+        <p:nvSpPr>
+          <p:cNvPr id="4" name="TextBox 3">
+            <a:extLst>
+              <a:ext uri="{FF2B5EF4-FFF2-40B4-BE49-F238E27FC236}">
+                <a16:creationId xmlns:a16="http://schemas.microsoft.com/office/drawing/2014/main" id="{FFB2973C-5BAD-63B2-8551-78B02D28DA7B}"/>
+              </a:ext>
+            </a:extLst>
+          </p:cNvPr>
+          <p:cNvSpPr txBox="1"/>
+          <p:nvPr/>
+        </p:nvSpPr>
+        <p:spPr>
+          <a:xfrm>
+            <a:off x="909482" y="3695024"/>
+            <a:ext cx="3163180" cy="523220"/>
+          </a:xfrm>
+          <a:prstGeom prst="rect">
+            <a:avLst/>
+          </a:prstGeom>
+          <a:noFill/>
+        </p:spPr>
+        <p:txBody>
+          <a:bodyPr wrap="square" rtlCol="0">
+            <a:spAutoFit/>
+          </a:bodyPr>
+          <a:lstStyle/>
+          <a:p>
+            <a:r>
+              <a:rPr lang="ru-RU" sz="1400" dirty="0">
+                <a:latin typeface="Times New Roman" panose="02020603050405020304" pitchFamily="18" charset="0"/>
+                <a:cs typeface="Times New Roman" panose="02020603050405020304" pitchFamily="18" charset="0"/>
+              </a:rPr>
+              <a:t>Рисунок 8 – Схема унарной передачи данных </a:t>
+            </a:r>
+          </a:p>
+        </p:txBody>
+      </p:sp>
+      <p:sp>
+        <p:nvSpPr>
+          <p:cNvPr id="7" name="TextBox 6">
+            <a:extLst>
+              <a:ext uri="{FF2B5EF4-FFF2-40B4-BE49-F238E27FC236}">
+                <a16:creationId xmlns:a16="http://schemas.microsoft.com/office/drawing/2014/main" id="{F25C2DB8-C92F-7356-AF34-F76C26BCC288}"/>
+              </a:ext>
+            </a:extLst>
+          </p:cNvPr>
+          <p:cNvSpPr txBox="1"/>
+          <p:nvPr/>
+        </p:nvSpPr>
+        <p:spPr>
+          <a:xfrm>
+            <a:off x="4928525" y="3704714"/>
+            <a:ext cx="3163180" cy="523220"/>
+          </a:xfrm>
+          <a:prstGeom prst="rect">
+            <a:avLst/>
+          </a:prstGeom>
+          <a:noFill/>
+        </p:spPr>
+        <p:txBody>
+          <a:bodyPr wrap="square" rtlCol="0">
+            <a:spAutoFit/>
+          </a:bodyPr>
+          <a:lstStyle/>
+          <a:p>
+            <a:r>
+              <a:rPr lang="ru-RU" sz="1400" dirty="0">
+                <a:latin typeface="Times New Roman" panose="02020603050405020304" pitchFamily="18" charset="0"/>
+                <a:cs typeface="Times New Roman" panose="02020603050405020304" pitchFamily="18" charset="0"/>
+              </a:rPr>
+              <a:t>Рисунок 9 – Схема потоковой передачи данных от сервера </a:t>
+            </a:r>
+          </a:p>
+        </p:txBody>
+      </p:sp>
+      <p:sp>
+        <p:nvSpPr>
+          <p:cNvPr id="10" name="Заголовок 9">
+            <a:extLst>
+              <a:ext uri="{FF2B5EF4-FFF2-40B4-BE49-F238E27FC236}">
+                <a16:creationId xmlns:a16="http://schemas.microsoft.com/office/drawing/2014/main" id="{D74EED33-2114-793E-2CEB-398A7FB3D130}"/>
+              </a:ext>
+            </a:extLst>
+          </p:cNvPr>
+          <p:cNvSpPr>
+            <a:spLocks noGrp="1"/>
+          </p:cNvSpPr>
+          <p:nvPr>
+            <p:ph type="title"/>
+          </p:nvPr>
+        </p:nvSpPr>
+        <p:spPr/>
+        <p:txBody>
+          <a:bodyPr>
+            <a:normAutofit/>
+          </a:bodyPr>
+          <a:lstStyle/>
+          <a:p>
+            <a:r>
+              <a:rPr lang="en-US" sz="3200" dirty="0" err="1">
+                <a:effectLst/>
+                <a:latin typeface="Times New Roman" panose="02020603050405020304" pitchFamily="18" charset="0"/>
+                <a:ea typeface="Calibri" panose="020F0502020204030204" pitchFamily="34" charset="0"/>
+              </a:rPr>
+              <a:t>gRPC</a:t>
+            </a:r>
+            <a:endParaRPr lang="ru-RU" sz="3200" dirty="0"/>
           </a:p>
         </p:txBody>
       </p:sp>
     </p:spTree>
     <p:extLst>
       <p:ext uri="{BB962C8B-B14F-4D97-AF65-F5344CB8AC3E}">
-        <p14:creationId xmlns:p14="http://schemas.microsoft.com/office/powerpoint/2010/main" val="770492113"/>
+        <p14:creationId xmlns:p14="http://schemas.microsoft.com/office/powerpoint/2010/main" val="1657707723"/>
       </p:ext>
     </p:extLst>
   </p:cSld>
@@ -5101,73 +5274,72 @@
           <a:chExt cx="0" cy="0"/>
         </a:xfrm>
       </p:grpSpPr>
-      <p:sp>
-        <p:nvSpPr>
-          <p:cNvPr id="2" name="Заголовок 1">
-            <a:extLst>
-              <a:ext uri="{FF2B5EF4-FFF2-40B4-BE49-F238E27FC236}">
-                <a16:creationId xmlns:a16="http://schemas.microsoft.com/office/drawing/2014/main" id="{E97A4EC1-12A3-8588-F123-E098A29DCDC0}"/>
-              </a:ext>
-            </a:extLst>
-          </p:cNvPr>
-          <p:cNvSpPr>
-            <a:spLocks noGrp="1"/>
-          </p:cNvSpPr>
-          <p:nvPr>
-            <p:ph type="title"/>
-          </p:nvPr>
-        </p:nvSpPr>
-        <p:spPr/>
-        <p:txBody>
-          <a:bodyPr/>
-          <a:lstStyle/>
-          <a:p>
-            <a:r>
-              <a:rPr lang="en-US" dirty="0" err="1"/>
-              <a:t>gRPC</a:t>
-            </a:r>
-            <a:r>
-              <a:rPr lang="en-US" dirty="0"/>
-              <a:t> - </a:t>
-            </a:r>
-            <a:r>
-              <a:rPr lang="ru-RU" dirty="0"/>
-              <a:t>Реализация</a:t>
-            </a:r>
-          </a:p>
-        </p:txBody>
-      </p:sp>
-      <p:sp>
-        <p:nvSpPr>
-          <p:cNvPr id="3" name="Объект 2">
-            <a:extLst>
-              <a:ext uri="{FF2B5EF4-FFF2-40B4-BE49-F238E27FC236}">
-                <a16:creationId xmlns:a16="http://schemas.microsoft.com/office/drawing/2014/main" id="{EAD73CF9-0B81-07A4-E672-84C7C6C073E6}"/>
-              </a:ext>
-            </a:extLst>
-          </p:cNvPr>
-          <p:cNvSpPr>
-            <a:spLocks noGrp="1"/>
-          </p:cNvSpPr>
-          <p:nvPr>
-            <p:ph idx="1"/>
-          </p:nvPr>
-        </p:nvSpPr>
-        <p:spPr/>
-        <p:txBody>
-          <a:bodyPr/>
-          <a:lstStyle/>
-          <a:p>
-            <a:endParaRPr lang="ru-RU" dirty="0"/>
-          </a:p>
-        </p:txBody>
-      </p:sp>
-      <p:sp>
-        <p:nvSpPr>
-          <p:cNvPr id="4" name="Объект 2">
-            <a:extLst>
-              <a:ext uri="{FF2B5EF4-FFF2-40B4-BE49-F238E27FC236}">
-                <a16:creationId xmlns:a16="http://schemas.microsoft.com/office/drawing/2014/main" id="{96CEAE1B-38B8-55EE-2EE5-7962B3BB6E9C}"/>
+      <p:pic>
+        <p:nvPicPr>
+          <p:cNvPr id="4" name="Рисунок 3">
+            <a:extLst>
+              <a:ext uri="{FF2B5EF4-FFF2-40B4-BE49-F238E27FC236}">
+                <a16:creationId xmlns:a16="http://schemas.microsoft.com/office/drawing/2014/main" id="{321B7CC7-CFEF-B284-9ADC-193D8D6A7647}"/>
+              </a:ext>
+            </a:extLst>
+          </p:cNvPr>
+          <p:cNvPicPr>
+            <a:picLocks noChangeAspect="1"/>
+          </p:cNvPicPr>
+          <p:nvPr/>
+        </p:nvPicPr>
+        <p:blipFill>
+          <a:blip r:embed="rId2"/>
+          <a:stretch>
+            <a:fillRect/>
+          </a:stretch>
+        </p:blipFill>
+        <p:spPr>
+          <a:xfrm>
+            <a:off x="621212" y="1357588"/>
+            <a:ext cx="3454152" cy="2122300"/>
+          </a:xfrm>
+          <a:prstGeom prst="rect">
+            <a:avLst/>
+          </a:prstGeom>
+        </p:spPr>
+      </p:pic>
+      <p:pic>
+        <p:nvPicPr>
+          <p:cNvPr id="5" name="Рисунок 4">
+            <a:extLst>
+              <a:ext uri="{FF2B5EF4-FFF2-40B4-BE49-F238E27FC236}">
+                <a16:creationId xmlns:a16="http://schemas.microsoft.com/office/drawing/2014/main" id="{436A456A-3755-2F7E-6A21-E7BD0FA5159C}"/>
+              </a:ext>
+            </a:extLst>
+          </p:cNvPr>
+          <p:cNvPicPr>
+            <a:picLocks noChangeAspect="1"/>
+          </p:cNvPicPr>
+          <p:nvPr/>
+        </p:nvPicPr>
+        <p:blipFill>
+          <a:blip r:embed="rId3"/>
+          <a:stretch>
+            <a:fillRect/>
+          </a:stretch>
+        </p:blipFill>
+        <p:spPr>
+          <a:xfrm>
+            <a:off x="4937212" y="1347614"/>
+            <a:ext cx="3439294" cy="2142249"/>
+          </a:xfrm>
+          <a:prstGeom prst="rect">
+            <a:avLst/>
+          </a:prstGeom>
+        </p:spPr>
+      </p:pic>
+      <p:sp>
+        <p:nvSpPr>
+          <p:cNvPr id="6" name="Объект 2">
+            <a:extLst>
+              <a:ext uri="{FF2B5EF4-FFF2-40B4-BE49-F238E27FC236}">
+                <a16:creationId xmlns:a16="http://schemas.microsoft.com/office/drawing/2014/main" id="{66736A9B-6F33-F6C8-0D4C-D869DCB56610}"/>
               </a:ext>
             </a:extLst>
           </p:cNvPr>
@@ -5368,15 +5540,126 @@
             </a:r>
             <a:r>
               <a:rPr lang="ru-RU" sz="1400" dirty="0"/>
-              <a:t>19</a:t>
-            </a:r>
+              <a:t>20</a:t>
+            </a:r>
+          </a:p>
+        </p:txBody>
+      </p:sp>
+      <p:sp>
+        <p:nvSpPr>
+          <p:cNvPr id="8" name="TextBox 7">
+            <a:extLst>
+              <a:ext uri="{FF2B5EF4-FFF2-40B4-BE49-F238E27FC236}">
+                <a16:creationId xmlns:a16="http://schemas.microsoft.com/office/drawing/2014/main" id="{5B30EC98-47EE-4AF6-65E2-5F54DF0145DC}"/>
+              </a:ext>
+            </a:extLst>
+          </p:cNvPr>
+          <p:cNvSpPr txBox="1"/>
+          <p:nvPr/>
+        </p:nvSpPr>
+        <p:spPr>
+          <a:xfrm>
+            <a:off x="766698" y="3489862"/>
+            <a:ext cx="3163180" cy="523220"/>
+          </a:xfrm>
+          <a:prstGeom prst="rect">
+            <a:avLst/>
+          </a:prstGeom>
+          <a:noFill/>
+        </p:spPr>
+        <p:txBody>
+          <a:bodyPr wrap="square" rtlCol="0">
+            <a:spAutoFit/>
+          </a:bodyPr>
+          <a:lstStyle/>
+          <a:p>
+            <a:r>
+              <a:rPr lang="ru-RU" sz="1400" dirty="0">
+                <a:latin typeface="Times New Roman" panose="02020603050405020304" pitchFamily="18" charset="0"/>
+                <a:cs typeface="Times New Roman" panose="02020603050405020304" pitchFamily="18" charset="0"/>
+              </a:rPr>
+              <a:t>Рисунок 10 – Схема потоковой передачи данных от клиента </a:t>
+            </a:r>
+          </a:p>
+        </p:txBody>
+      </p:sp>
+      <p:sp>
+        <p:nvSpPr>
+          <p:cNvPr id="9" name="TextBox 8">
+            <a:extLst>
+              <a:ext uri="{FF2B5EF4-FFF2-40B4-BE49-F238E27FC236}">
+                <a16:creationId xmlns:a16="http://schemas.microsoft.com/office/drawing/2014/main" id="{B4663856-6DF9-ABA6-4835-89CECC96CA0C}"/>
+              </a:ext>
+            </a:extLst>
+          </p:cNvPr>
+          <p:cNvSpPr txBox="1"/>
+          <p:nvPr/>
+        </p:nvSpPr>
+        <p:spPr>
+          <a:xfrm>
+            <a:off x="4937212" y="3479888"/>
+            <a:ext cx="3163180" cy="523220"/>
+          </a:xfrm>
+          <a:prstGeom prst="rect">
+            <a:avLst/>
+          </a:prstGeom>
+          <a:noFill/>
+        </p:spPr>
+        <p:txBody>
+          <a:bodyPr wrap="square" rtlCol="0">
+            <a:spAutoFit/>
+          </a:bodyPr>
+          <a:lstStyle/>
+          <a:p>
+            <a:r>
+              <a:rPr lang="ru-RU" sz="1400" dirty="0">
+                <a:latin typeface="Times New Roman" panose="02020603050405020304" pitchFamily="18" charset="0"/>
+                <a:cs typeface="Times New Roman" panose="02020603050405020304" pitchFamily="18" charset="0"/>
+              </a:rPr>
+              <a:t>Рисунок 11 – Схема двунаправленной потоковой передачи данных</a:t>
+            </a:r>
+          </a:p>
+        </p:txBody>
+      </p:sp>
+      <p:sp>
+        <p:nvSpPr>
+          <p:cNvPr id="11" name="Заголовок 10">
+            <a:extLst>
+              <a:ext uri="{FF2B5EF4-FFF2-40B4-BE49-F238E27FC236}">
+                <a16:creationId xmlns:a16="http://schemas.microsoft.com/office/drawing/2014/main" id="{A1A5F8EA-9507-5791-B475-850776FB3421}"/>
+              </a:ext>
+            </a:extLst>
+          </p:cNvPr>
+          <p:cNvSpPr>
+            <a:spLocks noGrp="1"/>
+          </p:cNvSpPr>
+          <p:nvPr>
+            <p:ph type="title"/>
+          </p:nvPr>
+        </p:nvSpPr>
+        <p:spPr/>
+        <p:txBody>
+          <a:bodyPr>
+            <a:normAutofit/>
+          </a:bodyPr>
+          <a:lstStyle/>
+          <a:p>
+            <a:r>
+              <a:rPr lang="en-US" sz="3200" dirty="0" err="1">
+                <a:effectLst/>
+                <a:latin typeface="Times New Roman" panose="02020603050405020304" pitchFamily="18" charset="0"/>
+                <a:ea typeface="Calibri" panose="020F0502020204030204" pitchFamily="34" charset="0"/>
+              </a:rPr>
+              <a:t>gRPC</a:t>
+            </a:r>
+            <a:endParaRPr lang="ru-RU" sz="3200" dirty="0"/>
           </a:p>
         </p:txBody>
       </p:sp>
     </p:spTree>
     <p:extLst>
       <p:ext uri="{BB962C8B-B14F-4D97-AF65-F5344CB8AC3E}">
-        <p14:creationId xmlns:p14="http://schemas.microsoft.com/office/powerpoint/2010/main" val="122784845"/>
+        <p14:creationId xmlns:p14="http://schemas.microsoft.com/office/powerpoint/2010/main" val="770492113"/>
       </p:ext>
     </p:extLst>
   </p:cSld>
@@ -5421,26 +5704,28 @@
         </p:nvSpPr>
         <p:spPr/>
         <p:txBody>
-          <a:bodyPr/>
+          <a:bodyPr>
+            <a:normAutofit/>
+          </a:bodyPr>
           <a:lstStyle/>
           <a:p>
             <a:r>
-              <a:rPr lang="ru-RU" sz="1800" dirty="0">
+              <a:rPr lang="ru-RU" sz="3200" dirty="0">
                 <a:effectLst/>
                 <a:latin typeface="Times New Roman" panose="02020603050405020304" pitchFamily="18" charset="0"/>
                 <a:ea typeface="Calibri" panose="020F0502020204030204" pitchFamily="34" charset="0"/>
               </a:rPr>
-              <a:t>Реализация передачи данных по НТТР 1.1 и </a:t>
-            </a:r>
-            <a:r>
-              <a:rPr lang="en-US" sz="1800" dirty="0">
+              <a:t>Результаты передачи данных по НТТР 1.1 и </a:t>
+            </a:r>
+            <a:r>
+              <a:rPr lang="en-US" sz="3200" dirty="0">
                 <a:effectLst/>
                 <a:latin typeface="Times New Roman" panose="02020603050405020304" pitchFamily="18" charset="0"/>
                 <a:ea typeface="Calibri" panose="020F0502020204030204" pitchFamily="34" charset="0"/>
               </a:rPr>
               <a:t>HTTP 2.0</a:t>
             </a:r>
-            <a:endParaRPr lang="ru-RU" dirty="0"/>
+            <a:endParaRPr lang="ru-RU" sz="3200" dirty="0"/>
           </a:p>
         </p:txBody>
       </p:sp>
@@ -5466,476 +5751,33 @@
           <a:lstStyle/>
           <a:p>
             <a:r>
-              <a:rPr lang="ru-RU" dirty="0"/>
+              <a:rPr lang="ru-RU" dirty="0">
+                <a:latin typeface="Times New Roman" panose="02020603050405020304" pitchFamily="18" charset="0"/>
+                <a:cs typeface="Times New Roman" panose="02020603050405020304" pitchFamily="18" charset="0"/>
+              </a:rPr>
               <a:t>Синхронная </a:t>
             </a:r>
           </a:p>
           <a:p>
             <a:r>
-              <a:rPr lang="ru-RU" dirty="0"/>
+              <a:rPr lang="ru-RU" dirty="0">
+                <a:latin typeface="Times New Roman" panose="02020603050405020304" pitchFamily="18" charset="0"/>
+                <a:cs typeface="Times New Roman" panose="02020603050405020304" pitchFamily="18" charset="0"/>
+              </a:rPr>
               <a:t>Асинхронная</a:t>
             </a:r>
           </a:p>
           <a:p>
             <a:r>
-              <a:rPr lang="ru-RU" dirty="0"/>
+              <a:rPr lang="ru-RU" dirty="0">
+                <a:latin typeface="Times New Roman" panose="02020603050405020304" pitchFamily="18" charset="0"/>
+                <a:cs typeface="Times New Roman" panose="02020603050405020304" pitchFamily="18" charset="0"/>
+              </a:rPr>
               <a:t>Многопоточность</a:t>
             </a:r>
           </a:p>
         </p:txBody>
       </p:sp>
-      <p:graphicFrame>
-        <p:nvGraphicFramePr>
-          <p:cNvPr id="4" name="Таблица 3">
-            <a:extLst>
-              <a:ext uri="{FF2B5EF4-FFF2-40B4-BE49-F238E27FC236}">
-                <a16:creationId xmlns:a16="http://schemas.microsoft.com/office/drawing/2014/main" id="{95704F8E-D46F-F822-F991-133DE78CFACC}"/>
-              </a:ext>
-            </a:extLst>
-          </p:cNvPr>
-          <p:cNvGraphicFramePr>
-            <a:graphicFrameLocks noGrp="1"/>
-          </p:cNvGraphicFramePr>
-          <p:nvPr>
-            <p:extLst>
-              <p:ext uri="{D42A27DB-BD31-4B8C-83A1-F6EECF244321}">
-                <p14:modId xmlns:p14="http://schemas.microsoft.com/office/powerpoint/2010/main" val="4262188633"/>
-              </p:ext>
-            </p:extLst>
-          </p:nvPr>
-        </p:nvGraphicFramePr>
-        <p:xfrm>
-          <a:off x="944140" y="2859782"/>
-          <a:ext cx="7255720" cy="1160208"/>
-        </p:xfrm>
-        <a:graphic>
-          <a:graphicData uri="http://schemas.openxmlformats.org/drawingml/2006/table">
-            <a:tbl>
-              <a:tblPr firstRow="1" firstCol="1" bandRow="1">
-                <a:tableStyleId>{5C22544A-7EE6-4342-B048-85BDC9FD1C3A}</a:tableStyleId>
-              </a:tblPr>
-              <a:tblGrid>
-                <a:gridCol w="1813930">
-                  <a:extLst>
-                    <a:ext uri="{9D8B030D-6E8A-4147-A177-3AD203B41FA5}">
-                      <a16:colId xmlns:a16="http://schemas.microsoft.com/office/drawing/2014/main" val="3281165174"/>
-                    </a:ext>
-                  </a:extLst>
-                </a:gridCol>
-                <a:gridCol w="1813930">
-                  <a:extLst>
-                    <a:ext uri="{9D8B030D-6E8A-4147-A177-3AD203B41FA5}">
-                      <a16:colId xmlns:a16="http://schemas.microsoft.com/office/drawing/2014/main" val="461071112"/>
-                    </a:ext>
-                  </a:extLst>
-                </a:gridCol>
-                <a:gridCol w="1813930">
-                  <a:extLst>
-                    <a:ext uri="{9D8B030D-6E8A-4147-A177-3AD203B41FA5}">
-                      <a16:colId xmlns:a16="http://schemas.microsoft.com/office/drawing/2014/main" val="1138227242"/>
-                    </a:ext>
-                  </a:extLst>
-                </a:gridCol>
-                <a:gridCol w="1813930">
-                  <a:extLst>
-                    <a:ext uri="{9D8B030D-6E8A-4147-A177-3AD203B41FA5}">
-                      <a16:colId xmlns:a16="http://schemas.microsoft.com/office/drawing/2014/main" val="4144938417"/>
-                    </a:ext>
-                  </a:extLst>
-                </a:gridCol>
-              </a:tblGrid>
-              <a:tr h="596966">
-                <a:tc>
-                  <a:txBody>
-                    <a:bodyPr/>
-                    <a:lstStyle/>
-                    <a:p>
-                      <a:pPr indent="540385" algn="l">
-                        <a:lnSpc>
-                          <a:spcPct val="150000"/>
-                        </a:lnSpc>
-                      </a:pPr>
-                      <a:r>
-                        <a:rPr lang="ru-RU" sz="1200" kern="100" dirty="0">
-                          <a:effectLst/>
-                          <a:latin typeface="Times New Roman" panose="02020603050405020304" pitchFamily="18" charset="0"/>
-                          <a:ea typeface="Calibri" panose="020F0502020204030204" pitchFamily="34" charset="0"/>
-                          <a:cs typeface="Times New Roman" panose="02020603050405020304" pitchFamily="18" charset="0"/>
-                        </a:rPr>
-                        <a:t>Протокол</a:t>
-                      </a:r>
-                    </a:p>
-                  </a:txBody>
-                  <a:tcPr marL="68580" marR="68580" marT="0" marB="0" anchor="ctr"/>
-                </a:tc>
-                <a:tc>
-                  <a:txBody>
-                    <a:bodyPr/>
-                    <a:lstStyle/>
-                    <a:p>
-                      <a:pPr indent="540385" algn="l">
-                        <a:lnSpc>
-                          <a:spcPct val="150000"/>
-                        </a:lnSpc>
-                      </a:pPr>
-                      <a:r>
-                        <a:rPr lang="ru-RU" sz="1200" kern="100" dirty="0">
-                          <a:effectLst/>
-                        </a:rPr>
-                        <a:t>Синхронная передача данных</a:t>
-                      </a:r>
-                      <a:endParaRPr lang="ru-RU" sz="1200" kern="100" dirty="0">
-                        <a:effectLst/>
-                        <a:latin typeface="Times New Roman" panose="02020603050405020304" pitchFamily="18" charset="0"/>
-                        <a:ea typeface="Calibri" panose="020F0502020204030204" pitchFamily="34" charset="0"/>
-                        <a:cs typeface="Times New Roman" panose="02020603050405020304" pitchFamily="18" charset="0"/>
-                      </a:endParaRPr>
-                    </a:p>
-                  </a:txBody>
-                  <a:tcPr marL="68580" marR="68580" marT="0" marB="0" anchor="ctr"/>
-                </a:tc>
-                <a:tc>
-                  <a:txBody>
-                    <a:bodyPr/>
-                    <a:lstStyle/>
-                    <a:p>
-                      <a:pPr indent="540385" algn="l">
-                        <a:lnSpc>
-                          <a:spcPct val="150000"/>
-                        </a:lnSpc>
-                      </a:pPr>
-                      <a:r>
-                        <a:rPr lang="ru-RU" sz="1200" kern="100">
-                          <a:effectLst/>
-                        </a:rPr>
-                        <a:t>Асинхронная передача данных</a:t>
-                      </a:r>
-                      <a:endParaRPr lang="ru-RU" sz="1200" kern="100">
-                        <a:effectLst/>
-                        <a:latin typeface="Times New Roman" panose="02020603050405020304" pitchFamily="18" charset="0"/>
-                        <a:ea typeface="Calibri" panose="020F0502020204030204" pitchFamily="34" charset="0"/>
-                        <a:cs typeface="Times New Roman" panose="02020603050405020304" pitchFamily="18" charset="0"/>
-                      </a:endParaRPr>
-                    </a:p>
-                  </a:txBody>
-                  <a:tcPr marL="68580" marR="68580" marT="0" marB="0" anchor="ctr"/>
-                </a:tc>
-                <a:tc>
-                  <a:txBody>
-                    <a:bodyPr/>
-                    <a:lstStyle/>
-                    <a:p>
-                      <a:pPr indent="540385" algn="l">
-                        <a:lnSpc>
-                          <a:spcPct val="150000"/>
-                        </a:lnSpc>
-                      </a:pPr>
-                      <a:r>
-                        <a:rPr lang="ru-RU" sz="1200" kern="100" dirty="0">
-                          <a:effectLst/>
-                        </a:rPr>
-                        <a:t>Многопоточность</a:t>
-                      </a:r>
-                      <a:endParaRPr lang="ru-RU" sz="1200" kern="100" dirty="0">
-                        <a:effectLst/>
-                        <a:latin typeface="Times New Roman" panose="02020603050405020304" pitchFamily="18" charset="0"/>
-                        <a:ea typeface="Calibri" panose="020F0502020204030204" pitchFamily="34" charset="0"/>
-                        <a:cs typeface="Times New Roman" panose="02020603050405020304" pitchFamily="18" charset="0"/>
-                      </a:endParaRPr>
-                    </a:p>
-                  </a:txBody>
-                  <a:tcPr marL="68580" marR="68580" marT="0" marB="0" anchor="ctr"/>
-                </a:tc>
-                <a:extLst>
-                  <a:ext uri="{0D108BD9-81ED-4DB2-BD59-A6C34878D82A}">
-                    <a16:rowId xmlns:a16="http://schemas.microsoft.com/office/drawing/2014/main" val="783821983"/>
-                  </a:ext>
-                </a:extLst>
-              </a:tr>
-              <a:tr h="281621">
-                <a:tc>
-                  <a:txBody>
-                    <a:bodyPr/>
-                    <a:lstStyle/>
-                    <a:p>
-                      <a:pPr indent="540385" algn="l">
-                        <a:lnSpc>
-                          <a:spcPct val="150000"/>
-                        </a:lnSpc>
-                      </a:pPr>
-                      <a:r>
-                        <a:rPr lang="ru-RU" sz="1200" dirty="0">
-                          <a:effectLst/>
-                          <a:latin typeface="Times New Roman" panose="02020603050405020304" pitchFamily="18" charset="0"/>
-                          <a:ea typeface="Calibri" panose="020F0502020204030204" pitchFamily="34" charset="0"/>
-                        </a:rPr>
-                        <a:t>НТТР 1.1 </a:t>
-                      </a:r>
-                      <a:endParaRPr lang="ru-RU" sz="1200" kern="100" dirty="0">
-                        <a:effectLst/>
-                        <a:latin typeface="Times New Roman" panose="02020603050405020304" pitchFamily="18" charset="0"/>
-                        <a:ea typeface="Calibri" panose="020F0502020204030204" pitchFamily="34" charset="0"/>
-                        <a:cs typeface="Times New Roman" panose="02020603050405020304" pitchFamily="18" charset="0"/>
-                      </a:endParaRPr>
-                    </a:p>
-                  </a:txBody>
-                  <a:tcPr marL="68580" marR="68580" marT="0" marB="0" anchor="ctr"/>
-                </a:tc>
-                <a:tc>
-                  <a:txBody>
-                    <a:bodyPr/>
-                    <a:lstStyle/>
-                    <a:p>
-                      <a:pPr indent="540385" algn="l">
-                        <a:lnSpc>
-                          <a:spcPct val="150000"/>
-                        </a:lnSpc>
-                      </a:pPr>
-                      <a:r>
-                        <a:rPr lang="ru-RU" sz="1200" kern="100" dirty="0">
-                          <a:effectLst/>
-                          <a:highlight>
-                            <a:srgbClr val="A9A9A9"/>
-                          </a:highlight>
-                        </a:rPr>
-                        <a:t>___</a:t>
-                      </a:r>
-                      <a:r>
-                        <a:rPr lang="ru-RU" sz="1200" kern="100" dirty="0">
-                          <a:effectLst/>
-                        </a:rPr>
-                        <a:t> секунд</a:t>
-                      </a:r>
-                      <a:endParaRPr lang="ru-RU" sz="1200" kern="100" dirty="0">
-                        <a:effectLst/>
-                        <a:latin typeface="Times New Roman" panose="02020603050405020304" pitchFamily="18" charset="0"/>
-                        <a:ea typeface="Calibri" panose="020F0502020204030204" pitchFamily="34" charset="0"/>
-                        <a:cs typeface="Times New Roman" panose="02020603050405020304" pitchFamily="18" charset="0"/>
-                      </a:endParaRPr>
-                    </a:p>
-                  </a:txBody>
-                  <a:tcPr marL="68580" marR="68580" marT="0" marB="0" anchor="ctr"/>
-                </a:tc>
-                <a:tc>
-                  <a:txBody>
-                    <a:bodyPr/>
-                    <a:lstStyle/>
-                    <a:p>
-                      <a:pPr indent="540385" algn="l">
-                        <a:lnSpc>
-                          <a:spcPct val="150000"/>
-                        </a:lnSpc>
-                      </a:pPr>
-                      <a:r>
-                        <a:rPr lang="ru-RU" sz="1200" kern="100" dirty="0">
-                          <a:effectLst/>
-                          <a:highlight>
-                            <a:srgbClr val="A9A9A9"/>
-                          </a:highlight>
-                        </a:rPr>
-                        <a:t>___</a:t>
-                      </a:r>
-                      <a:r>
-                        <a:rPr lang="ru-RU" sz="1200" kern="100" dirty="0">
-                          <a:effectLst/>
-                        </a:rPr>
-                        <a:t> секунд</a:t>
-                      </a:r>
-                      <a:endParaRPr lang="ru-RU" sz="1200" kern="100" dirty="0">
-                        <a:effectLst/>
-                        <a:latin typeface="Times New Roman" panose="02020603050405020304" pitchFamily="18" charset="0"/>
-                        <a:ea typeface="Calibri" panose="020F0502020204030204" pitchFamily="34" charset="0"/>
-                        <a:cs typeface="Times New Roman" panose="02020603050405020304" pitchFamily="18" charset="0"/>
-                      </a:endParaRPr>
-                    </a:p>
-                  </a:txBody>
-                  <a:tcPr marL="68580" marR="68580" marT="0" marB="0" anchor="ctr"/>
-                </a:tc>
-                <a:tc>
-                  <a:txBody>
-                    <a:bodyPr/>
-                    <a:lstStyle/>
-                    <a:p>
-                      <a:pPr indent="540385" algn="l">
-                        <a:lnSpc>
-                          <a:spcPct val="150000"/>
-                        </a:lnSpc>
-                      </a:pPr>
-                      <a:r>
-                        <a:rPr lang="ru-RU" sz="1200" kern="100" dirty="0">
-                          <a:effectLst/>
-                          <a:highlight>
-                            <a:srgbClr val="A9A9A9"/>
-                          </a:highlight>
-                        </a:rPr>
-                        <a:t>___ </a:t>
-                      </a:r>
-                      <a:r>
-                        <a:rPr lang="ru-RU" sz="1200" kern="100" dirty="0">
-                          <a:effectLst/>
-                        </a:rPr>
-                        <a:t>секунд</a:t>
-                      </a:r>
-                      <a:endParaRPr lang="ru-RU" sz="1200" kern="100" dirty="0">
-                        <a:effectLst/>
-                        <a:latin typeface="Times New Roman" panose="02020603050405020304" pitchFamily="18" charset="0"/>
-                        <a:ea typeface="Calibri" panose="020F0502020204030204" pitchFamily="34" charset="0"/>
-                        <a:cs typeface="Times New Roman" panose="02020603050405020304" pitchFamily="18" charset="0"/>
-                      </a:endParaRPr>
-                    </a:p>
-                  </a:txBody>
-                  <a:tcPr marL="68580" marR="68580" marT="0" marB="0" anchor="ctr"/>
-                </a:tc>
-                <a:extLst>
-                  <a:ext uri="{0D108BD9-81ED-4DB2-BD59-A6C34878D82A}">
-                    <a16:rowId xmlns:a16="http://schemas.microsoft.com/office/drawing/2014/main" val="988942538"/>
-                  </a:ext>
-                </a:extLst>
-              </a:tr>
-              <a:tr h="281621">
-                <a:tc>
-                  <a:txBody>
-                    <a:bodyPr/>
-                    <a:lstStyle/>
-                    <a:p>
-                      <a:pPr indent="540385" algn="l">
-                        <a:lnSpc>
-                          <a:spcPct val="150000"/>
-                        </a:lnSpc>
-                      </a:pPr>
-                      <a:r>
-                        <a:rPr lang="ru-RU" sz="1200" dirty="0">
-                          <a:effectLst/>
-                          <a:latin typeface="Times New Roman" panose="02020603050405020304" pitchFamily="18" charset="0"/>
-                          <a:ea typeface="Calibri" panose="020F0502020204030204" pitchFamily="34" charset="0"/>
-                        </a:rPr>
-                        <a:t>НТТР 2.0 </a:t>
-                      </a:r>
-                      <a:endParaRPr lang="ru-RU" sz="1200" kern="100" dirty="0">
-                        <a:effectLst/>
-                        <a:latin typeface="Times New Roman" panose="02020603050405020304" pitchFamily="18" charset="0"/>
-                        <a:ea typeface="Calibri" panose="020F0502020204030204" pitchFamily="34" charset="0"/>
-                        <a:cs typeface="Times New Roman" panose="02020603050405020304" pitchFamily="18" charset="0"/>
-                      </a:endParaRPr>
-                    </a:p>
-                  </a:txBody>
-                  <a:tcPr marL="68580" marR="68580" marT="0" marB="0" anchor="ctr"/>
-                </a:tc>
-                <a:tc>
-                  <a:txBody>
-                    <a:bodyPr/>
-                    <a:lstStyle/>
-                    <a:p>
-                      <a:pPr indent="540385" algn="l">
-                        <a:lnSpc>
-                          <a:spcPct val="150000"/>
-                        </a:lnSpc>
-                      </a:pPr>
-                      <a:r>
-                        <a:rPr lang="ru-RU" sz="1200" kern="100" dirty="0">
-                          <a:effectLst/>
-                          <a:highlight>
-                            <a:srgbClr val="A9A9A9"/>
-                          </a:highlight>
-                        </a:rPr>
-                        <a:t>40.0234</a:t>
-                      </a:r>
-                      <a:r>
-                        <a:rPr lang="ru-RU" sz="1200" kern="100" dirty="0">
-                          <a:effectLst/>
-                        </a:rPr>
-                        <a:t> секунд</a:t>
-                      </a:r>
-                      <a:endParaRPr lang="ru-RU" sz="1200" kern="100" dirty="0">
-                        <a:effectLst/>
-                        <a:latin typeface="Times New Roman" panose="02020603050405020304" pitchFamily="18" charset="0"/>
-                        <a:ea typeface="Calibri" panose="020F0502020204030204" pitchFamily="34" charset="0"/>
-                        <a:cs typeface="Times New Roman" panose="02020603050405020304" pitchFamily="18" charset="0"/>
-                      </a:endParaRPr>
-                    </a:p>
-                  </a:txBody>
-                  <a:tcPr marL="68580" marR="68580" marT="0" marB="0" anchor="ctr"/>
-                </a:tc>
-                <a:tc>
-                  <a:txBody>
-                    <a:bodyPr/>
-                    <a:lstStyle/>
-                    <a:p>
-                      <a:pPr indent="540385" algn="l">
-                        <a:lnSpc>
-                          <a:spcPct val="150000"/>
-                        </a:lnSpc>
-                      </a:pPr>
-                      <a:r>
-                        <a:rPr lang="ru-RU" sz="1200" kern="100" dirty="0">
-                          <a:effectLst/>
-                          <a:highlight>
-                            <a:srgbClr val="A9A9A9"/>
-                          </a:highlight>
-                        </a:rPr>
-                        <a:t>33.595</a:t>
-                      </a:r>
-                      <a:r>
-                        <a:rPr lang="ru-RU" sz="1200" kern="100" dirty="0">
-                          <a:effectLst/>
-                        </a:rPr>
-                        <a:t> секунд</a:t>
-                      </a:r>
-                      <a:endParaRPr lang="ru-RU" sz="1200" kern="100" dirty="0">
-                        <a:effectLst/>
-                        <a:latin typeface="Times New Roman" panose="02020603050405020304" pitchFamily="18" charset="0"/>
-                        <a:ea typeface="Calibri" panose="020F0502020204030204" pitchFamily="34" charset="0"/>
-                        <a:cs typeface="Times New Roman" panose="02020603050405020304" pitchFamily="18" charset="0"/>
-                      </a:endParaRPr>
-                    </a:p>
-                  </a:txBody>
-                  <a:tcPr marL="68580" marR="68580" marT="0" marB="0" anchor="ctr"/>
-                </a:tc>
-                <a:tc>
-                  <a:txBody>
-                    <a:bodyPr/>
-                    <a:lstStyle/>
-                    <a:p>
-                      <a:pPr indent="540385" algn="l">
-                        <a:lnSpc>
-                          <a:spcPct val="150000"/>
-                        </a:lnSpc>
-                      </a:pPr>
-                      <a:r>
-                        <a:rPr lang="ru-RU" sz="1200" kern="100" dirty="0">
-                          <a:effectLst/>
-                          <a:highlight>
-                            <a:srgbClr val="A9A9A9"/>
-                          </a:highlight>
-                        </a:rPr>
-                        <a:t>38.376 </a:t>
-                      </a:r>
-                      <a:r>
-                        <a:rPr lang="ru-RU" sz="1200" kern="100" dirty="0">
-                          <a:effectLst/>
-                        </a:rPr>
-                        <a:t>секунд</a:t>
-                      </a:r>
-                      <a:endParaRPr lang="ru-RU" sz="1200" kern="100" dirty="0">
-                        <a:effectLst/>
-                        <a:latin typeface="Times New Roman" panose="02020603050405020304" pitchFamily="18" charset="0"/>
-                        <a:ea typeface="Calibri" panose="020F0502020204030204" pitchFamily="34" charset="0"/>
-                        <a:cs typeface="Times New Roman" panose="02020603050405020304" pitchFamily="18" charset="0"/>
-                      </a:endParaRPr>
-                    </a:p>
-                  </a:txBody>
-                  <a:tcPr marL="68580" marR="68580" marT="0" marB="0" anchor="ctr"/>
-                </a:tc>
-                <a:extLst>
-                  <a:ext uri="{0D108BD9-81ED-4DB2-BD59-A6C34878D82A}">
-                    <a16:rowId xmlns:a16="http://schemas.microsoft.com/office/drawing/2014/main" val="4269063716"/>
-                  </a:ext>
-                </a:extLst>
-              </a:tr>
-            </a:tbl>
-          </a:graphicData>
-        </a:graphic>
-      </p:graphicFrame>
       <p:sp>
         <p:nvSpPr>
           <p:cNvPr id="5" name="Объект 2">
@@ -6142,11 +5984,289 @@
             </a:r>
             <a:r>
               <a:rPr lang="ru-RU" sz="1400" dirty="0"/>
-              <a:t>19</a:t>
-            </a:r>
-          </a:p>
-        </p:txBody>
-      </p:sp>
+              <a:t>20</a:t>
+            </a:r>
+          </a:p>
+        </p:txBody>
+      </p:sp>
+      <p:graphicFrame>
+        <p:nvGraphicFramePr>
+          <p:cNvPr id="6" name="Таблица 9">
+            <a:extLst>
+              <a:ext uri="{FF2B5EF4-FFF2-40B4-BE49-F238E27FC236}">
+                <a16:creationId xmlns:a16="http://schemas.microsoft.com/office/drawing/2014/main" id="{2A37DA2D-0017-DAEB-A624-D8461AB21564}"/>
+              </a:ext>
+            </a:extLst>
+          </p:cNvPr>
+          <p:cNvGraphicFramePr>
+            <a:graphicFrameLocks noGrp="1"/>
+          </p:cNvGraphicFramePr>
+          <p:nvPr>
+            <p:extLst>
+              <p:ext uri="{D42A27DB-BD31-4B8C-83A1-F6EECF244321}">
+                <p14:modId xmlns:p14="http://schemas.microsoft.com/office/powerpoint/2010/main" val="3680153985"/>
+              </p:ext>
+            </p:extLst>
+          </p:nvPr>
+        </p:nvGraphicFramePr>
+        <p:xfrm>
+          <a:off x="508000" y="2715766"/>
+          <a:ext cx="8128000" cy="1244600"/>
+        </p:xfrm>
+        <a:graphic>
+          <a:graphicData uri="http://schemas.openxmlformats.org/drawingml/2006/table">
+            <a:tbl>
+              <a:tblPr firstRow="1" bandRow="1">
+                <a:tableStyleId>{5C22544A-7EE6-4342-B048-85BDC9FD1C3A}</a:tableStyleId>
+              </a:tblPr>
+              <a:tblGrid>
+                <a:gridCol w="2032000">
+                  <a:extLst>
+                    <a:ext uri="{9D8B030D-6E8A-4147-A177-3AD203B41FA5}">
+                      <a16:colId xmlns:a16="http://schemas.microsoft.com/office/drawing/2014/main" val="3653478907"/>
+                    </a:ext>
+                  </a:extLst>
+                </a:gridCol>
+                <a:gridCol w="2032000">
+                  <a:extLst>
+                    <a:ext uri="{9D8B030D-6E8A-4147-A177-3AD203B41FA5}">
+                      <a16:colId xmlns:a16="http://schemas.microsoft.com/office/drawing/2014/main" val="1593171363"/>
+                    </a:ext>
+                  </a:extLst>
+                </a:gridCol>
+                <a:gridCol w="2032000">
+                  <a:extLst>
+                    <a:ext uri="{9D8B030D-6E8A-4147-A177-3AD203B41FA5}">
+                      <a16:colId xmlns:a16="http://schemas.microsoft.com/office/drawing/2014/main" val="1265275940"/>
+                    </a:ext>
+                  </a:extLst>
+                </a:gridCol>
+                <a:gridCol w="2032000">
+                  <a:extLst>
+                    <a:ext uri="{9D8B030D-6E8A-4147-A177-3AD203B41FA5}">
+                      <a16:colId xmlns:a16="http://schemas.microsoft.com/office/drawing/2014/main" val="1529042304"/>
+                    </a:ext>
+                  </a:extLst>
+                </a:gridCol>
+              </a:tblGrid>
+              <a:tr h="370840">
+                <a:tc>
+                  <a:txBody>
+                    <a:bodyPr/>
+                    <a:lstStyle/>
+                    <a:p>
+                      <a:r>
+                        <a:rPr lang="ru-RU" dirty="0"/>
+                        <a:t>Протокол</a:t>
+                      </a:r>
+                    </a:p>
+                  </a:txBody>
+                  <a:tcPr/>
+                </a:tc>
+                <a:tc>
+                  <a:txBody>
+                    <a:bodyPr/>
+                    <a:lstStyle/>
+                    <a:p>
+                      <a:r>
+                        <a:rPr lang="ru-RU" dirty="0"/>
+                        <a:t>Синхронная передача данных</a:t>
+                      </a:r>
+                    </a:p>
+                  </a:txBody>
+                  <a:tcPr/>
+                </a:tc>
+                <a:tc>
+                  <a:txBody>
+                    <a:bodyPr/>
+                    <a:lstStyle/>
+                    <a:p>
+                      <a:r>
+                        <a:rPr lang="ru-RU" dirty="0"/>
+                        <a:t>Асинхронная передача данных</a:t>
+                      </a:r>
+                    </a:p>
+                  </a:txBody>
+                  <a:tcPr/>
+                </a:tc>
+                <a:tc>
+                  <a:txBody>
+                    <a:bodyPr/>
+                    <a:lstStyle/>
+                    <a:p>
+                      <a:r>
+                        <a:rPr lang="ru-RU" dirty="0"/>
+                        <a:t>Многопоточность</a:t>
+                      </a:r>
+                    </a:p>
+                  </a:txBody>
+                  <a:tcPr/>
+                </a:tc>
+                <a:extLst>
+                  <a:ext uri="{0D108BD9-81ED-4DB2-BD59-A6C34878D82A}">
+                    <a16:rowId xmlns:a16="http://schemas.microsoft.com/office/drawing/2014/main" val="575227864"/>
+                  </a:ext>
+                </a:extLst>
+              </a:tr>
+              <a:tr h="370840">
+                <a:tc>
+                  <a:txBody>
+                    <a:bodyPr/>
+                    <a:lstStyle/>
+                    <a:p>
+                      <a:r>
+                        <a:rPr lang="ru-RU" dirty="0"/>
+                        <a:t>НТТР 1.1 </a:t>
+                      </a:r>
+                    </a:p>
+                  </a:txBody>
+                  <a:tcPr/>
+                </a:tc>
+                <a:tc>
+                  <a:txBody>
+                    <a:bodyPr/>
+                    <a:lstStyle/>
+                    <a:p>
+                      <a:r>
+                        <a:rPr lang="ru-RU" dirty="0"/>
+                        <a:t>8.0294 секунд</a:t>
+                      </a:r>
+                    </a:p>
+                  </a:txBody>
+                  <a:tcPr/>
+                </a:tc>
+                <a:tc>
+                  <a:txBody>
+                    <a:bodyPr/>
+                    <a:lstStyle/>
+                    <a:p>
+                      <a:r>
+                        <a:rPr lang="ru-RU" dirty="0"/>
+                        <a:t>4.8172 секунд</a:t>
+                      </a:r>
+                    </a:p>
+                  </a:txBody>
+                  <a:tcPr/>
+                </a:tc>
+                <a:tc>
+                  <a:txBody>
+                    <a:bodyPr/>
+                    <a:lstStyle/>
+                    <a:p>
+                      <a:r>
+                        <a:rPr lang="ru-RU" dirty="0"/>
+                        <a:t>6.0617 секунд</a:t>
+                      </a:r>
+                    </a:p>
+                  </a:txBody>
+                  <a:tcPr/>
+                </a:tc>
+                <a:extLst>
+                  <a:ext uri="{0D108BD9-81ED-4DB2-BD59-A6C34878D82A}">
+                    <a16:rowId xmlns:a16="http://schemas.microsoft.com/office/drawing/2014/main" val="4059158580"/>
+                  </a:ext>
+                </a:extLst>
+              </a:tr>
+              <a:tr h="370840">
+                <a:tc>
+                  <a:txBody>
+                    <a:bodyPr/>
+                    <a:lstStyle/>
+                    <a:p>
+                      <a:r>
+                        <a:rPr lang="ru-RU" dirty="0"/>
+                        <a:t>НТТР 2.0 </a:t>
+                      </a:r>
+                    </a:p>
+                  </a:txBody>
+                  <a:tcPr/>
+                </a:tc>
+                <a:tc>
+                  <a:txBody>
+                    <a:bodyPr/>
+                    <a:lstStyle/>
+                    <a:p>
+                      <a:r>
+                        <a:rPr lang="ru-RU" dirty="0"/>
+                        <a:t>40.0234 секунд</a:t>
+                      </a:r>
+                    </a:p>
+                  </a:txBody>
+                  <a:tcPr/>
+                </a:tc>
+                <a:tc>
+                  <a:txBody>
+                    <a:bodyPr/>
+                    <a:lstStyle/>
+                    <a:p>
+                      <a:r>
+                        <a:rPr lang="ru-RU" dirty="0"/>
+                        <a:t>33.595 секунд</a:t>
+                      </a:r>
+                    </a:p>
+                  </a:txBody>
+                  <a:tcPr/>
+                </a:tc>
+                <a:tc>
+                  <a:txBody>
+                    <a:bodyPr/>
+                    <a:lstStyle/>
+                    <a:p>
+                      <a:pPr marL="0" marR="0" lvl="0" indent="0" algn="l" defTabSz="685800" rtl="0" eaLnBrk="1" fontAlgn="auto" latinLnBrk="0" hangingPunct="1">
+                        <a:lnSpc>
+                          <a:spcPct val="100000"/>
+                        </a:lnSpc>
+                        <a:spcBef>
+                          <a:spcPts val="0"/>
+                        </a:spcBef>
+                        <a:spcAft>
+                          <a:spcPts val="0"/>
+                        </a:spcAft>
+                        <a:buClrTx/>
+                        <a:buSzTx/>
+                        <a:buFontTx/>
+                        <a:buNone/>
+                        <a:tabLst/>
+                        <a:defRPr/>
+                      </a:pPr>
+                      <a:r>
+                        <a:rPr lang="ru-RU" sz="1400" kern="100" dirty="0">
+                          <a:effectLst/>
+                        </a:rPr>
+                        <a:t>38</a:t>
+                      </a:r>
+                      <a:r>
+                        <a:rPr lang="en-US" sz="1400" kern="100" dirty="0">
+                          <a:effectLst/>
+                        </a:rPr>
+                        <a:t>.</a:t>
+                      </a:r>
+                      <a:r>
+                        <a:rPr lang="ru-RU" sz="1400" kern="100" dirty="0">
+                          <a:effectLst/>
+                        </a:rPr>
+                        <a:t>376 секунд</a:t>
+                      </a:r>
+                      <a:endParaRPr lang="ru-RU" sz="1400" kern="100" dirty="0">
+                        <a:effectLst/>
+                        <a:latin typeface="Times New Roman" panose="02020603050405020304" pitchFamily="18" charset="0"/>
+                        <a:ea typeface="Calibri" panose="020F0502020204030204" pitchFamily="34" charset="0"/>
+                        <a:cs typeface="Times New Roman" panose="02020603050405020304" pitchFamily="18" charset="0"/>
+                      </a:endParaRPr>
+                    </a:p>
+                  </a:txBody>
+                  <a:tcPr/>
+                </a:tc>
+                <a:extLst>
+                  <a:ext uri="{0D108BD9-81ED-4DB2-BD59-A6C34878D82A}">
+                    <a16:rowId xmlns:a16="http://schemas.microsoft.com/office/drawing/2014/main" val="2418863676"/>
+                  </a:ext>
+                </a:extLst>
+              </a:tr>
+            </a:tbl>
+          </a:graphicData>
+        </a:graphic>
+      </p:graphicFrame>
     </p:spTree>
     <p:extLst>
       <p:ext uri="{BB962C8B-B14F-4D97-AF65-F5344CB8AC3E}">
@@ -6179,47 +6299,6 @@
       </p:grpSpPr>
       <p:sp>
         <p:nvSpPr>
-          <p:cNvPr id="2" name="Заголовок 1">
-            <a:extLst>
-              <a:ext uri="{FF2B5EF4-FFF2-40B4-BE49-F238E27FC236}">
-                <a16:creationId xmlns:a16="http://schemas.microsoft.com/office/drawing/2014/main" id="{278C39AB-0B86-E71D-56E8-3C30BB70D9E6}"/>
-              </a:ext>
-            </a:extLst>
-          </p:cNvPr>
-          <p:cNvSpPr>
-            <a:spLocks noGrp="1"/>
-          </p:cNvSpPr>
-          <p:nvPr>
-            <p:ph type="title"/>
-          </p:nvPr>
-        </p:nvSpPr>
-        <p:spPr/>
-        <p:txBody>
-          <a:bodyPr/>
-          <a:lstStyle/>
-          <a:p>
-            <a:r>
-              <a:rPr lang="ru-RU" sz="1800" dirty="0">
-                <a:effectLst/>
-                <a:latin typeface="Times New Roman" panose="02020603050405020304" pitchFamily="18" charset="0"/>
-                <a:ea typeface="Calibri" panose="020F0502020204030204" pitchFamily="34" charset="0"/>
-              </a:rPr>
-              <a:t>Реализация передачи данных по </a:t>
-            </a:r>
-            <a:r>
-              <a:rPr lang="en-US" sz="1800" dirty="0" err="1">
-                <a:effectLst/>
-                <a:latin typeface="Times New Roman" panose="02020603050405020304" pitchFamily="18" charset="0"/>
-                <a:ea typeface="Calibri" panose="020F0502020204030204" pitchFamily="34" charset="0"/>
-              </a:rPr>
-              <a:t>gRPC</a:t>
-            </a:r>
-            <a:endParaRPr lang="ru-RU" dirty="0"/>
-          </a:p>
-        </p:txBody>
-      </p:sp>
-      <p:sp>
-        <p:nvSpPr>
           <p:cNvPr id="3" name="Объект 2">
             <a:extLst>
               <a:ext uri="{FF2B5EF4-FFF2-40B4-BE49-F238E27FC236}">
@@ -6240,19 +6319,28 @@
           <a:lstStyle/>
           <a:p>
             <a:r>
-              <a:rPr lang="ru-RU" dirty="0"/>
+              <a:rPr lang="ru-RU" sz="2000" dirty="0">
+                <a:latin typeface="Times New Roman" panose="02020603050405020304" pitchFamily="18" charset="0"/>
+                <a:cs typeface="Times New Roman" panose="02020603050405020304" pitchFamily="18" charset="0"/>
+              </a:rPr>
               <a:t>Унарная</a:t>
             </a:r>
           </a:p>
           <a:p>
             <a:r>
-              <a:rPr lang="ru-RU" dirty="0"/>
-              <a:t>От клиента серверу </a:t>
-            </a:r>
-          </a:p>
-          <a:p>
-            <a:r>
-              <a:rPr lang="ru-RU" dirty="0"/>
+              <a:rPr lang="ru-RU" sz="2000" dirty="0">
+                <a:latin typeface="Times New Roman" panose="02020603050405020304" pitchFamily="18" charset="0"/>
+                <a:cs typeface="Times New Roman" panose="02020603050405020304" pitchFamily="18" charset="0"/>
+              </a:rPr>
+              <a:t>От клиента серверу</a:t>
+            </a:r>
+          </a:p>
+          <a:p>
+            <a:r>
+              <a:rPr lang="ru-RU" sz="2000" dirty="0">
+                <a:latin typeface="Times New Roman" panose="02020603050405020304" pitchFamily="18" charset="0"/>
+                <a:cs typeface="Times New Roman" panose="02020603050405020304" pitchFamily="18" charset="0"/>
+              </a:rPr>
               <a:t>Двунаправленная</a:t>
             </a:r>
           </a:p>
@@ -6261,260 +6349,6 @@
           </a:p>
         </p:txBody>
       </p:sp>
-      <p:graphicFrame>
-        <p:nvGraphicFramePr>
-          <p:cNvPr id="6" name="Таблица 5">
-            <a:extLst>
-              <a:ext uri="{FF2B5EF4-FFF2-40B4-BE49-F238E27FC236}">
-                <a16:creationId xmlns:a16="http://schemas.microsoft.com/office/drawing/2014/main" id="{BA35664A-F619-3596-AAA8-8916F79D8A74}"/>
-              </a:ext>
-            </a:extLst>
-          </p:cNvPr>
-          <p:cNvGraphicFramePr>
-            <a:graphicFrameLocks noGrp="1"/>
-          </p:cNvGraphicFramePr>
-          <p:nvPr>
-            <p:extLst>
-              <p:ext uri="{D42A27DB-BD31-4B8C-83A1-F6EECF244321}">
-                <p14:modId xmlns:p14="http://schemas.microsoft.com/office/powerpoint/2010/main" val="3867601059"/>
-              </p:ext>
-            </p:extLst>
-          </p:nvPr>
-        </p:nvGraphicFramePr>
-        <p:xfrm>
-          <a:off x="683568" y="2931790"/>
-          <a:ext cx="5934075" cy="891668"/>
-        </p:xfrm>
-        <a:graphic>
-          <a:graphicData uri="http://schemas.openxmlformats.org/drawingml/2006/table">
-            <a:tbl>
-              <a:tblPr firstRow="1" firstCol="1" bandRow="1">
-                <a:tableStyleId>{5C22544A-7EE6-4342-B048-85BDC9FD1C3A}</a:tableStyleId>
-              </a:tblPr>
-              <a:tblGrid>
-                <a:gridCol w="1978025">
-                  <a:extLst>
-                    <a:ext uri="{9D8B030D-6E8A-4147-A177-3AD203B41FA5}">
-                      <a16:colId xmlns:a16="http://schemas.microsoft.com/office/drawing/2014/main" val="1817046497"/>
-                    </a:ext>
-                  </a:extLst>
-                </a:gridCol>
-                <a:gridCol w="1978025">
-                  <a:extLst>
-                    <a:ext uri="{9D8B030D-6E8A-4147-A177-3AD203B41FA5}">
-                      <a16:colId xmlns:a16="http://schemas.microsoft.com/office/drawing/2014/main" val="3037816585"/>
-                    </a:ext>
-                  </a:extLst>
-                </a:gridCol>
-                <a:gridCol w="1978025">
-                  <a:extLst>
-                    <a:ext uri="{9D8B030D-6E8A-4147-A177-3AD203B41FA5}">
-                      <a16:colId xmlns:a16="http://schemas.microsoft.com/office/drawing/2014/main" val="3558796443"/>
-                    </a:ext>
-                  </a:extLst>
-                </a:gridCol>
-              </a:tblGrid>
-              <a:tr h="0">
-                <a:tc>
-                  <a:txBody>
-                    <a:bodyPr/>
-                    <a:lstStyle/>
-                    <a:p>
-                      <a:pPr indent="540385" algn="ctr">
-                        <a:lnSpc>
-                          <a:spcPct val="150000"/>
-                        </a:lnSpc>
-                      </a:pPr>
-                      <a:r>
-                        <a:rPr lang="ru-RU" sz="1400" kern="100">
-                          <a:effectLst/>
-                        </a:rPr>
-                        <a:t>Унарная передача данных</a:t>
-                      </a:r>
-                      <a:endParaRPr lang="ru-RU" sz="1400" kern="100">
-                        <a:effectLst/>
-                        <a:latin typeface="Times New Roman" panose="02020603050405020304" pitchFamily="18" charset="0"/>
-                        <a:ea typeface="Calibri" panose="020F0502020204030204" pitchFamily="34" charset="0"/>
-                        <a:cs typeface="Times New Roman" panose="02020603050405020304" pitchFamily="18" charset="0"/>
-                      </a:endParaRPr>
-                    </a:p>
-                  </a:txBody>
-                  <a:tcPr marL="68580" marR="68580" marT="0" marB="0"/>
-                </a:tc>
-                <a:tc>
-                  <a:txBody>
-                    <a:bodyPr/>
-                    <a:lstStyle/>
-                    <a:p>
-                      <a:pPr indent="540385" algn="ctr">
-                        <a:lnSpc>
-                          <a:spcPct val="150000"/>
-                        </a:lnSpc>
-                      </a:pPr>
-                      <a:r>
-                        <a:rPr lang="ru-RU" sz="1400" kern="100">
-                          <a:effectLst/>
-                        </a:rPr>
-                        <a:t>Потоковая передача данных</a:t>
-                      </a:r>
-                      <a:endParaRPr lang="ru-RU" sz="1400" kern="100">
-                        <a:effectLst/>
-                        <a:latin typeface="Times New Roman" panose="02020603050405020304" pitchFamily="18" charset="0"/>
-                        <a:ea typeface="Calibri" panose="020F0502020204030204" pitchFamily="34" charset="0"/>
-                        <a:cs typeface="Times New Roman" panose="02020603050405020304" pitchFamily="18" charset="0"/>
-                      </a:endParaRPr>
-                    </a:p>
-                  </a:txBody>
-                  <a:tcPr marL="68580" marR="68580" marT="0" marB="0"/>
-                </a:tc>
-                <a:tc>
-                  <a:txBody>
-                    <a:bodyPr/>
-                    <a:lstStyle/>
-                    <a:p>
-                      <a:pPr indent="540385" algn="just">
-                        <a:lnSpc>
-                          <a:spcPct val="150000"/>
-                        </a:lnSpc>
-                      </a:pPr>
-                      <a:r>
-                        <a:rPr lang="ru-RU" sz="1400" kern="100">
-                          <a:effectLst/>
-                        </a:rPr>
-                        <a:t>Двунаправленная передача данных</a:t>
-                      </a:r>
-                      <a:endParaRPr lang="ru-RU" sz="1400" kern="100">
-                        <a:effectLst/>
-                        <a:latin typeface="Times New Roman" panose="02020603050405020304" pitchFamily="18" charset="0"/>
-                        <a:ea typeface="Calibri" panose="020F0502020204030204" pitchFamily="34" charset="0"/>
-                        <a:cs typeface="Times New Roman" panose="02020603050405020304" pitchFamily="18" charset="0"/>
-                      </a:endParaRPr>
-                    </a:p>
-                  </a:txBody>
-                  <a:tcPr marL="68580" marR="68580" marT="0" marB="0"/>
-                </a:tc>
-                <a:extLst>
-                  <a:ext uri="{0D108BD9-81ED-4DB2-BD59-A6C34878D82A}">
-                    <a16:rowId xmlns:a16="http://schemas.microsoft.com/office/drawing/2014/main" val="2093752345"/>
-                  </a:ext>
-                </a:extLst>
-              </a:tr>
-              <a:tr h="0">
-                <a:tc>
-                  <a:txBody>
-                    <a:bodyPr/>
-                    <a:lstStyle/>
-                    <a:p>
-                      <a:pPr indent="540385" algn="just">
-                        <a:lnSpc>
-                          <a:spcPct val="150000"/>
-                        </a:lnSpc>
-                      </a:pPr>
-                      <a:r>
-                        <a:rPr lang="ru-RU" sz="1400" kern="100">
-                          <a:effectLst/>
-                          <a:highlight>
-                            <a:srgbClr val="A9A9A9"/>
-                          </a:highlight>
-                        </a:rPr>
-                        <a:t>7.72575</a:t>
-                      </a:r>
-                      <a:r>
-                        <a:rPr lang="ru-RU" sz="1400" kern="100">
-                          <a:effectLst/>
-                        </a:rPr>
-                        <a:t> секунд</a:t>
-                      </a:r>
-                      <a:endParaRPr lang="ru-RU" sz="1400" kern="100">
-                        <a:effectLst/>
-                        <a:latin typeface="Times New Roman" panose="02020603050405020304" pitchFamily="18" charset="0"/>
-                        <a:ea typeface="Calibri" panose="020F0502020204030204" pitchFamily="34" charset="0"/>
-                        <a:cs typeface="Times New Roman" panose="02020603050405020304" pitchFamily="18" charset="0"/>
-                      </a:endParaRPr>
-                    </a:p>
-                  </a:txBody>
-                  <a:tcPr marL="68580" marR="68580" marT="0" marB="0"/>
-                </a:tc>
-                <a:tc>
-                  <a:txBody>
-                    <a:bodyPr/>
-                    <a:lstStyle/>
-                    <a:p>
-                      <a:pPr indent="540385" algn="just">
-                        <a:lnSpc>
-                          <a:spcPct val="150000"/>
-                        </a:lnSpc>
-                      </a:pPr>
-                      <a:r>
-                        <a:rPr lang="ru-RU" sz="1400" kern="100">
-                          <a:effectLst/>
-                          <a:highlight>
-                            <a:srgbClr val="A9A9A9"/>
-                          </a:highlight>
-                        </a:rPr>
-                        <a:t>5.30880 </a:t>
-                      </a:r>
-                      <a:r>
-                        <a:rPr lang="ru-RU" sz="1400" kern="100">
-                          <a:effectLst/>
-                        </a:rPr>
-                        <a:t>секунд</a:t>
-                      </a:r>
-                      <a:endParaRPr lang="ru-RU" sz="1400" kern="100">
-                        <a:effectLst/>
-                        <a:latin typeface="Times New Roman" panose="02020603050405020304" pitchFamily="18" charset="0"/>
-                        <a:ea typeface="Calibri" panose="020F0502020204030204" pitchFamily="34" charset="0"/>
-                        <a:cs typeface="Times New Roman" panose="02020603050405020304" pitchFamily="18" charset="0"/>
-                      </a:endParaRPr>
-                    </a:p>
-                  </a:txBody>
-                  <a:tcPr marL="68580" marR="68580" marT="0" marB="0"/>
-                </a:tc>
-                <a:tc>
-                  <a:txBody>
-                    <a:bodyPr/>
-                    <a:lstStyle/>
-                    <a:p>
-                      <a:pPr indent="540385" algn="just">
-                        <a:lnSpc>
-                          <a:spcPct val="150000"/>
-                        </a:lnSpc>
-                      </a:pPr>
-                      <a:r>
-                        <a:rPr lang="ru-RU" sz="1400" kern="100" dirty="0">
-                          <a:effectLst/>
-                          <a:highlight>
-                            <a:srgbClr val="A9A9A9"/>
-                          </a:highlight>
-                        </a:rPr>
-                        <a:t>6.30878</a:t>
-                      </a:r>
-                      <a:r>
-                        <a:rPr lang="ru-RU" sz="1400" kern="100" dirty="0">
-                          <a:effectLst/>
-                        </a:rPr>
-                        <a:t> секунд</a:t>
-                      </a:r>
-                      <a:endParaRPr lang="ru-RU" sz="1400" kern="100" dirty="0">
-                        <a:effectLst/>
-                        <a:latin typeface="Times New Roman" panose="02020603050405020304" pitchFamily="18" charset="0"/>
-                        <a:ea typeface="Calibri" panose="020F0502020204030204" pitchFamily="34" charset="0"/>
-                        <a:cs typeface="Times New Roman" panose="02020603050405020304" pitchFamily="18" charset="0"/>
-                      </a:endParaRPr>
-                    </a:p>
-                  </a:txBody>
-                  <a:tcPr marL="68580" marR="68580" marT="0" marB="0"/>
-                </a:tc>
-                <a:extLst>
-                  <a:ext uri="{0D108BD9-81ED-4DB2-BD59-A6C34878D82A}">
-                    <a16:rowId xmlns:a16="http://schemas.microsoft.com/office/drawing/2014/main" val="4125187989"/>
-                  </a:ext>
-                </a:extLst>
-              </a:tr>
-            </a:tbl>
-          </a:graphicData>
-        </a:graphic>
-      </p:graphicFrame>
       <p:sp>
         <p:nvSpPr>
           <p:cNvPr id="7" name="Объект 2">
@@ -6723,6 +6557,198 @@
               <a:rPr lang="ru-RU" sz="1400" dirty="0"/>
               <a:t>19</a:t>
             </a:r>
+          </a:p>
+        </p:txBody>
+      </p:sp>
+      <p:graphicFrame>
+        <p:nvGraphicFramePr>
+          <p:cNvPr id="4" name="Таблица 9">
+            <a:extLst>
+              <a:ext uri="{FF2B5EF4-FFF2-40B4-BE49-F238E27FC236}">
+                <a16:creationId xmlns:a16="http://schemas.microsoft.com/office/drawing/2014/main" id="{9339D5C1-A639-4BCE-5A15-402F2DAE9773}"/>
+              </a:ext>
+            </a:extLst>
+          </p:cNvPr>
+          <p:cNvGraphicFramePr>
+            <a:graphicFrameLocks noGrp="1"/>
+          </p:cNvGraphicFramePr>
+          <p:nvPr>
+            <p:extLst>
+              <p:ext uri="{D42A27DB-BD31-4B8C-83A1-F6EECF244321}">
+                <p14:modId xmlns:p14="http://schemas.microsoft.com/office/powerpoint/2010/main" val="3117666303"/>
+              </p:ext>
+            </p:extLst>
+          </p:nvPr>
+        </p:nvGraphicFramePr>
+        <p:xfrm>
+          <a:off x="1259632" y="2859782"/>
+          <a:ext cx="6096000" cy="873760"/>
+        </p:xfrm>
+        <a:graphic>
+          <a:graphicData uri="http://schemas.openxmlformats.org/drawingml/2006/table">
+            <a:tbl>
+              <a:tblPr firstRow="1" bandRow="1">
+                <a:tableStyleId>{5C22544A-7EE6-4342-B048-85BDC9FD1C3A}</a:tableStyleId>
+              </a:tblPr>
+              <a:tblGrid>
+                <a:gridCol w="2032000">
+                  <a:extLst>
+                    <a:ext uri="{9D8B030D-6E8A-4147-A177-3AD203B41FA5}">
+                      <a16:colId xmlns:a16="http://schemas.microsoft.com/office/drawing/2014/main" val="3653478907"/>
+                    </a:ext>
+                  </a:extLst>
+                </a:gridCol>
+                <a:gridCol w="2032000">
+                  <a:extLst>
+                    <a:ext uri="{9D8B030D-6E8A-4147-A177-3AD203B41FA5}">
+                      <a16:colId xmlns:a16="http://schemas.microsoft.com/office/drawing/2014/main" val="1593171363"/>
+                    </a:ext>
+                  </a:extLst>
+                </a:gridCol>
+                <a:gridCol w="2032000">
+                  <a:extLst>
+                    <a:ext uri="{9D8B030D-6E8A-4147-A177-3AD203B41FA5}">
+                      <a16:colId xmlns:a16="http://schemas.microsoft.com/office/drawing/2014/main" val="1265275940"/>
+                    </a:ext>
+                  </a:extLst>
+                </a:gridCol>
+              </a:tblGrid>
+              <a:tr h="370840">
+                <a:tc>
+                  <a:txBody>
+                    <a:bodyPr/>
+                    <a:lstStyle/>
+                    <a:p>
+                      <a:r>
+                        <a:rPr lang="ru-RU" dirty="0"/>
+                        <a:t>Унарная передача данных</a:t>
+                      </a:r>
+                    </a:p>
+                  </a:txBody>
+                  <a:tcPr/>
+                </a:tc>
+                <a:tc>
+                  <a:txBody>
+                    <a:bodyPr/>
+                    <a:lstStyle/>
+                    <a:p>
+                      <a:r>
+                        <a:rPr lang="ru-RU" dirty="0"/>
+                        <a:t>Потоковая передача данных</a:t>
+                      </a:r>
+                    </a:p>
+                  </a:txBody>
+                  <a:tcPr/>
+                </a:tc>
+                <a:tc>
+                  <a:txBody>
+                    <a:bodyPr/>
+                    <a:lstStyle/>
+                    <a:p>
+                      <a:r>
+                        <a:rPr lang="ru-RU" dirty="0"/>
+                        <a:t>Двунаправленная передача данных</a:t>
+                      </a:r>
+                    </a:p>
+                  </a:txBody>
+                  <a:tcPr/>
+                </a:tc>
+                <a:extLst>
+                  <a:ext uri="{0D108BD9-81ED-4DB2-BD59-A6C34878D82A}">
+                    <a16:rowId xmlns:a16="http://schemas.microsoft.com/office/drawing/2014/main" val="575227864"/>
+                  </a:ext>
+                </a:extLst>
+              </a:tr>
+              <a:tr h="370840">
+                <a:tc>
+                  <a:txBody>
+                    <a:bodyPr/>
+                    <a:lstStyle/>
+                    <a:p>
+                      <a:r>
+                        <a:rPr lang="ru-RU" dirty="0"/>
+                        <a:t>7.72575 секунд</a:t>
+                      </a:r>
+                    </a:p>
+                  </a:txBody>
+                  <a:tcPr/>
+                </a:tc>
+                <a:tc>
+                  <a:txBody>
+                    <a:bodyPr/>
+                    <a:lstStyle/>
+                    <a:p>
+                      <a:r>
+                        <a:rPr lang="ru-RU" dirty="0"/>
+                        <a:t>5.30880 секунд</a:t>
+                      </a:r>
+                    </a:p>
+                  </a:txBody>
+                  <a:tcPr/>
+                </a:tc>
+                <a:tc>
+                  <a:txBody>
+                    <a:bodyPr/>
+                    <a:lstStyle/>
+                    <a:p>
+                      <a:r>
+                        <a:rPr lang="ru-RU" dirty="0"/>
+                        <a:t>6.30878 секунд</a:t>
+                      </a:r>
+                    </a:p>
+                  </a:txBody>
+                  <a:tcPr/>
+                </a:tc>
+                <a:extLst>
+                  <a:ext uri="{0D108BD9-81ED-4DB2-BD59-A6C34878D82A}">
+                    <a16:rowId xmlns:a16="http://schemas.microsoft.com/office/drawing/2014/main" val="4059158580"/>
+                  </a:ext>
+                </a:extLst>
+              </a:tr>
+            </a:tbl>
+          </a:graphicData>
+        </a:graphic>
+      </p:graphicFrame>
+      <p:sp>
+        <p:nvSpPr>
+          <p:cNvPr id="8" name="Заголовок 7">
+            <a:extLst>
+              <a:ext uri="{FF2B5EF4-FFF2-40B4-BE49-F238E27FC236}">
+                <a16:creationId xmlns:a16="http://schemas.microsoft.com/office/drawing/2014/main" id="{97026776-F6E8-C0BC-B317-082FFF0F23AC}"/>
+              </a:ext>
+            </a:extLst>
+          </p:cNvPr>
+          <p:cNvSpPr>
+            <a:spLocks noGrp="1"/>
+          </p:cNvSpPr>
+          <p:nvPr>
+            <p:ph type="title"/>
+          </p:nvPr>
+        </p:nvSpPr>
+        <p:spPr/>
+        <p:txBody>
+          <a:bodyPr>
+            <a:normAutofit/>
+          </a:bodyPr>
+          <a:lstStyle/>
+          <a:p>
+            <a:r>
+              <a:rPr lang="ru-RU" sz="3200" dirty="0">
+                <a:effectLst/>
+                <a:latin typeface="Times New Roman" panose="02020603050405020304" pitchFamily="18" charset="0"/>
+                <a:ea typeface="Calibri" panose="020F0502020204030204" pitchFamily="34" charset="0"/>
+              </a:rPr>
+              <a:t>Результаты передачи данных по </a:t>
+            </a:r>
+            <a:r>
+              <a:rPr lang="en-US" sz="3200" dirty="0" err="1">
+                <a:effectLst/>
+                <a:latin typeface="Times New Roman" panose="02020603050405020304" pitchFamily="18" charset="0"/>
+                <a:ea typeface="Calibri" panose="020F0502020204030204" pitchFamily="34" charset="0"/>
+              </a:rPr>
+              <a:t>gRPC</a:t>
+            </a:r>
+            <a:endParaRPr lang="ru-RU" sz="3200" dirty="0"/>
           </a:p>
         </p:txBody>
       </p:sp>
@@ -6758,39 +6784,6 @@
       </p:grpSpPr>
       <p:sp>
         <p:nvSpPr>
-          <p:cNvPr id="2" name="Заголовок 1">
-            <a:extLst>
-              <a:ext uri="{FF2B5EF4-FFF2-40B4-BE49-F238E27FC236}">
-                <a16:creationId xmlns:a16="http://schemas.microsoft.com/office/drawing/2014/main" id="{FD49DE86-67E4-F265-B768-34EC5271FABA}"/>
-              </a:ext>
-            </a:extLst>
-          </p:cNvPr>
-          <p:cNvSpPr>
-            <a:spLocks noGrp="1"/>
-          </p:cNvSpPr>
-          <p:nvPr>
-            <p:ph type="title"/>
-          </p:nvPr>
-        </p:nvSpPr>
-        <p:spPr/>
-        <p:txBody>
-          <a:bodyPr/>
-          <a:lstStyle/>
-          <a:p>
-            <a:r>
-              <a:rPr lang="ru-RU" sz="1800" dirty="0">
-                <a:effectLst/>
-                <a:latin typeface="Times New Roman" panose="02020603050405020304" pitchFamily="18" charset="0"/>
-                <a:ea typeface="Calibri" panose="020F0502020204030204" pitchFamily="34" charset="0"/>
-              </a:rPr>
-              <a:t>Сокеты</a:t>
-            </a:r>
-            <a:endParaRPr lang="ru-RU" dirty="0"/>
-          </a:p>
-        </p:txBody>
-      </p:sp>
-      <p:sp>
-        <p:nvSpPr>
           <p:cNvPr id="3" name="Объект 2">
             <a:extLst>
               <a:ext uri="{FF2B5EF4-FFF2-40B4-BE49-F238E27FC236}">
@@ -6807,10 +6800,27 @@
         </p:nvSpPr>
         <p:spPr/>
         <p:txBody>
-          <a:bodyPr/>
+          <a:bodyPr>
+            <a:normAutofit/>
+          </a:bodyPr>
           <a:lstStyle/>
           <a:p>
-            <a:endParaRPr lang="ru-RU" dirty="0"/>
+            <a:r>
+              <a:rPr lang="ru-RU" sz="2000" dirty="0">
+                <a:latin typeface="Times New Roman" panose="02020603050405020304" pitchFamily="18" charset="0"/>
+                <a:cs typeface="Times New Roman" panose="02020603050405020304" pitchFamily="18" charset="0"/>
+              </a:rPr>
+              <a:t>Результаты при использовании динамического размера буфера, равного размеру файла составили 3.8661 секунды.</a:t>
+            </a:r>
+          </a:p>
+          <a:p>
+            <a:r>
+              <a:rPr lang="ru-RU" sz="2000" dirty="0">
+                <a:latin typeface="Times New Roman" panose="02020603050405020304" pitchFamily="18" charset="0"/>
+                <a:cs typeface="Times New Roman" panose="02020603050405020304" pitchFamily="18" charset="0"/>
+              </a:rPr>
+              <a:t>Результаты при альтернативном подходе с использованием статического размера буфера, с оптимально подобранными параметрами составили 3.1 секунды.</a:t>
+            </a:r>
           </a:p>
         </p:txBody>
       </p:sp>
@@ -7022,6 +7032,41 @@
               <a:rPr lang="ru-RU" sz="1400" dirty="0"/>
               <a:t>19</a:t>
             </a:r>
+          </a:p>
+        </p:txBody>
+      </p:sp>
+      <p:sp>
+        <p:nvSpPr>
+          <p:cNvPr id="6" name="Заголовок 5">
+            <a:extLst>
+              <a:ext uri="{FF2B5EF4-FFF2-40B4-BE49-F238E27FC236}">
+                <a16:creationId xmlns:a16="http://schemas.microsoft.com/office/drawing/2014/main" id="{02F60548-3733-7C0D-BBAF-7AF765289F4C}"/>
+              </a:ext>
+            </a:extLst>
+          </p:cNvPr>
+          <p:cNvSpPr>
+            <a:spLocks noGrp="1"/>
+          </p:cNvSpPr>
+          <p:nvPr>
+            <p:ph type="title"/>
+          </p:nvPr>
+        </p:nvSpPr>
+        <p:spPr/>
+        <p:txBody>
+          <a:bodyPr>
+            <a:normAutofit/>
+          </a:bodyPr>
+          <a:lstStyle/>
+          <a:p>
+            <a:r>
+              <a:rPr lang="ru-RU" sz="3200" dirty="0">
+                <a:effectLst/>
+                <a:latin typeface="Times New Roman" panose="02020603050405020304" pitchFamily="18" charset="0"/>
+                <a:ea typeface="Calibri" panose="020F0502020204030204" pitchFamily="34" charset="0"/>
+              </a:rPr>
+              <a:t>Результаты передачи по сокетам</a:t>
+            </a:r>
+            <a:endParaRPr lang="ru-RU" sz="3200" dirty="0"/>
           </a:p>
         </p:txBody>
       </p:sp>
@@ -7055,39 +7100,6 @@
           <a:chExt cx="0" cy="0"/>
         </a:xfrm>
       </p:grpSpPr>
-      <p:sp>
-        <p:nvSpPr>
-          <p:cNvPr id="2" name="Заголовок 1">
-            <a:extLst>
-              <a:ext uri="{FF2B5EF4-FFF2-40B4-BE49-F238E27FC236}">
-                <a16:creationId xmlns:a16="http://schemas.microsoft.com/office/drawing/2014/main" id="{6ED969F3-5391-8E3A-D068-721113FE8BC2}"/>
-              </a:ext>
-            </a:extLst>
-          </p:cNvPr>
-          <p:cNvSpPr>
-            <a:spLocks noGrp="1"/>
-          </p:cNvSpPr>
-          <p:nvPr>
-            <p:ph type="title"/>
-          </p:nvPr>
-        </p:nvSpPr>
-        <p:spPr/>
-        <p:txBody>
-          <a:bodyPr/>
-          <a:lstStyle/>
-          <a:p>
-            <a:r>
-              <a:rPr lang="ru-RU" sz="1800" dirty="0">
-                <a:effectLst/>
-                <a:latin typeface="Times New Roman" panose="02020603050405020304" pitchFamily="18" charset="0"/>
-                <a:ea typeface="Calibri" panose="020F0502020204030204" pitchFamily="34" charset="0"/>
-              </a:rPr>
-              <a:t>Сравнение</a:t>
-            </a:r>
-            <a:endParaRPr lang="ru-RU" dirty="0"/>
-          </a:p>
-        </p:txBody>
-      </p:sp>
       <mc:AlternateContent xmlns:mc="http://schemas.openxmlformats.org/markup-compatibility/2006">
         <mc:Choice xmlns:a14="http://schemas.microsoft.com/office/drawing/2010/main" Requires="a14">
           <p:sp>
@@ -7106,151 +7118,173 @@
                 <p:ph idx="1"/>
               </p:nvPr>
             </p:nvSpPr>
-            <p:spPr/>
+            <p:spPr>
+              <a:xfrm>
+                <a:off x="628650" y="1189203"/>
+                <a:ext cx="7886700" cy="698476"/>
+              </a:xfrm>
+              <a:ln>
+                <a:solidFill>
+                  <a:schemeClr val="tx2"/>
+                </a:solidFill>
+              </a:ln>
+            </p:spPr>
             <p:txBody>
               <a:bodyPr/>
               <a:lstStyle/>
               <a:p>
-                <a:pPr indent="540385" algn="just">
+                <a:pPr indent="0" algn="just">
                   <a:lnSpc>
                     <a:spcPct val="150000"/>
                   </a:lnSpc>
+                  <a:buNone/>
                 </a:pPr>
                 <a14:m>
-                  <m:oMath xmlns:m="http://schemas.openxmlformats.org/officeDocument/2006/math">
-                    <m:f>
-                      <m:fPr>
-                        <m:ctrlPr>
-                          <a:rPr lang="ru-RU" sz="1800" i="1" kern="100" smtClean="0">
-                            <a:effectLst/>
-                            <a:latin typeface="Cambria Math" panose="02040503050406030204" pitchFamily="18" charset="0"/>
-                            <a:ea typeface="Calibri" panose="020F0502020204030204" pitchFamily="34" charset="0"/>
-                            <a:cs typeface="Times New Roman" panose="02020603050405020304" pitchFamily="18" charset="0"/>
-                          </a:rPr>
-                        </m:ctrlPr>
-                      </m:fPr>
-                      <m:num>
-                        <m:r>
-                          <a:rPr lang="ru-RU" sz="1800" i="1" kern="100">
-                            <a:effectLst/>
-                            <a:latin typeface="Cambria Math" panose="02040503050406030204" pitchFamily="18" charset="0"/>
-                            <a:ea typeface="Calibri" panose="020F0502020204030204" pitchFamily="34" charset="0"/>
-                            <a:cs typeface="Times New Roman" panose="02020603050405020304" pitchFamily="18" charset="0"/>
-                          </a:rPr>
-                          <m:t>Время синхронной передачи – время асинхронной передачи</m:t>
-                        </m:r>
-                      </m:num>
-                      <m:den>
-                        <m:r>
-                          <a:rPr lang="ru-RU" sz="1800" i="1" kern="100">
-                            <a:effectLst/>
-                            <a:latin typeface="Cambria Math" panose="02040503050406030204" pitchFamily="18" charset="0"/>
-                            <a:ea typeface="Calibri" panose="020F0502020204030204" pitchFamily="34" charset="0"/>
-                            <a:cs typeface="Times New Roman" panose="02020603050405020304" pitchFamily="18" charset="0"/>
-                          </a:rPr>
-                          <m:t>время синхронной передачи</m:t>
-                        </m:r>
-                      </m:den>
-                    </m:f>
-                    <m:r>
-                      <a:rPr lang="ru-RU" sz="1800" i="1" kern="100">
-                        <a:effectLst/>
-                        <a:latin typeface="Cambria Math" panose="02040503050406030204" pitchFamily="18" charset="0"/>
-                        <a:ea typeface="Calibri" panose="020F0502020204030204" pitchFamily="34" charset="0"/>
-                        <a:cs typeface="Times New Roman" panose="02020603050405020304" pitchFamily="18" charset="0"/>
-                      </a:rPr>
-                      <m:t>×100</m:t>
-                    </m:r>
-                    <m:r>
-                      <a:rPr lang="ru-RU" sz="1800" kern="100">
-                        <a:effectLst/>
-                        <a:latin typeface="Cambria Math" panose="02040503050406030204" pitchFamily="18" charset="0"/>
-                        <a:ea typeface="Calibri" panose="020F0502020204030204" pitchFamily="34" charset="0"/>
-                        <a:cs typeface="Times New Roman" panose="02020603050405020304" pitchFamily="18" charset="0"/>
-                      </a:rPr>
-                      <m:t>%= </m:t>
-                    </m:r>
-                    <m:f>
-                      <m:fPr>
-                        <m:ctrlPr>
-                          <a:rPr lang="ru-RU" sz="1800" i="1" kern="100">
-                            <a:effectLst/>
-                            <a:latin typeface="Cambria Math" panose="02040503050406030204" pitchFamily="18" charset="0"/>
-                            <a:ea typeface="Calibri" panose="020F0502020204030204" pitchFamily="34" charset="0"/>
-                            <a:cs typeface="Times New Roman" panose="02020603050405020304" pitchFamily="18" charset="0"/>
-                          </a:rPr>
-                        </m:ctrlPr>
-                      </m:fPr>
-                      <m:num>
-                        <m:r>
-                          <a:rPr lang="ru-RU" sz="1800" i="1" kern="100">
-                            <a:effectLst/>
-                            <a:latin typeface="Cambria Math" panose="02040503050406030204" pitchFamily="18" charset="0"/>
-                            <a:ea typeface="Calibri" panose="020F0502020204030204" pitchFamily="34" charset="0"/>
-                            <a:cs typeface="Times New Roman" panose="02020603050405020304" pitchFamily="18" charset="0"/>
-                          </a:rPr>
-                          <m:t>8.029−4.817</m:t>
-                        </m:r>
-                      </m:num>
-                      <m:den>
-                        <m:r>
-                          <a:rPr lang="ru-RU" sz="1800" i="1" kern="100">
-                            <a:effectLst/>
-                            <a:latin typeface="Cambria Math" panose="02040503050406030204" pitchFamily="18" charset="0"/>
-                            <a:ea typeface="Calibri" panose="020F0502020204030204" pitchFamily="34" charset="0"/>
-                            <a:cs typeface="Times New Roman" panose="02020603050405020304" pitchFamily="18" charset="0"/>
-                          </a:rPr>
-                          <m:t>8.029</m:t>
-                        </m:r>
-                      </m:den>
-                    </m:f>
-                    <m:r>
-                      <a:rPr lang="ru-RU" sz="1800" i="1" kern="100">
-                        <a:effectLst/>
-                        <a:latin typeface="Cambria Math" panose="02040503050406030204" pitchFamily="18" charset="0"/>
-                        <a:ea typeface="Calibri" panose="020F0502020204030204" pitchFamily="34" charset="0"/>
-                        <a:cs typeface="Times New Roman" panose="02020603050405020304" pitchFamily="18" charset="0"/>
-                      </a:rPr>
-                      <m:t>×100</m:t>
-                    </m:r>
-                    <m:r>
-                      <a:rPr lang="ru-RU" sz="1800" kern="100">
-                        <a:effectLst/>
-                        <a:latin typeface="Cambria Math" panose="02040503050406030204" pitchFamily="18" charset="0"/>
-                        <a:ea typeface="Calibri" panose="020F0502020204030204" pitchFamily="34" charset="0"/>
-                        <a:cs typeface="Times New Roman" panose="02020603050405020304" pitchFamily="18" charset="0"/>
-                      </a:rPr>
-                      <m:t>%</m:t>
-                    </m:r>
-                    <m:r>
-                      <a:rPr lang="ru-RU" sz="1800" i="1" kern="100">
-                        <a:effectLst/>
-                        <a:latin typeface="Cambria Math" panose="02040503050406030204" pitchFamily="18" charset="0"/>
-                        <a:ea typeface="Calibri" panose="020F0502020204030204" pitchFamily="34" charset="0"/>
-                        <a:cs typeface="Times New Roman" panose="02020603050405020304" pitchFamily="18" charset="0"/>
-                      </a:rPr>
-                      <m:t>≈40</m:t>
-                    </m:r>
-                    <m:r>
-                      <a:rPr lang="ru-RU" sz="1800" kern="100">
-                        <a:effectLst/>
-                        <a:latin typeface="Cambria Math" panose="02040503050406030204" pitchFamily="18" charset="0"/>
-                        <a:ea typeface="Calibri" panose="020F0502020204030204" pitchFamily="34" charset="0"/>
-                        <a:cs typeface="Times New Roman" panose="02020603050405020304" pitchFamily="18" charset="0"/>
-                      </a:rPr>
-                      <m:t>%</m:t>
-                    </m:r>
-                  </m:oMath>
+                  <m:oMathPara xmlns:m="http://schemas.openxmlformats.org/officeDocument/2006/math">
+                    <m:oMathParaPr>
+                      <m:jc m:val="centerGroup"/>
+                    </m:oMathParaPr>
+                    <m:oMath xmlns:m="http://schemas.openxmlformats.org/officeDocument/2006/math">
+                      <m:f>
+                        <m:fPr>
+                          <m:ctrlPr>
+                            <a:rPr lang="ru-RU" sz="1200" i="1" kern="100" smtClean="0">
+                              <a:effectLst/>
+                              <a:latin typeface="Cambria Math" panose="02040503050406030204" pitchFamily="18" charset="0"/>
+                              <a:ea typeface="Calibri" panose="020F0502020204030204" pitchFamily="34" charset="0"/>
+                              <a:cs typeface="Times New Roman" panose="02020603050405020304" pitchFamily="18" charset="0"/>
+                            </a:rPr>
+                          </m:ctrlPr>
+                        </m:fPr>
+                        <m:num>
+                          <m:r>
+                            <a:rPr lang="ru-RU" sz="1200" i="1" kern="100">
+                              <a:effectLst/>
+                              <a:latin typeface="Cambria Math" panose="02040503050406030204" pitchFamily="18" charset="0"/>
+                              <a:ea typeface="Calibri" panose="020F0502020204030204" pitchFamily="34" charset="0"/>
+                              <a:cs typeface="Times New Roman" panose="02020603050405020304" pitchFamily="18" charset="0"/>
+                            </a:rPr>
+                            <m:t>Время синхронной передачи – время асинхронной передачи</m:t>
+                          </m:r>
+                        </m:num>
+                        <m:den>
+                          <m:r>
+                            <a:rPr lang="ru-RU" sz="1200" i="1" kern="100">
+                              <a:effectLst/>
+                              <a:latin typeface="Cambria Math" panose="02040503050406030204" pitchFamily="18" charset="0"/>
+                              <a:ea typeface="Calibri" panose="020F0502020204030204" pitchFamily="34" charset="0"/>
+                              <a:cs typeface="Times New Roman" panose="02020603050405020304" pitchFamily="18" charset="0"/>
+                            </a:rPr>
+                            <m:t>время синхронной передачи</m:t>
+                          </m:r>
+                        </m:den>
+                      </m:f>
+                      <m:r>
+                        <a:rPr lang="ru-RU" sz="1200" i="1" kern="100">
+                          <a:effectLst/>
+                          <a:latin typeface="Cambria Math" panose="02040503050406030204" pitchFamily="18" charset="0"/>
+                          <a:ea typeface="Calibri" panose="020F0502020204030204" pitchFamily="34" charset="0"/>
+                          <a:cs typeface="Times New Roman" panose="02020603050405020304" pitchFamily="18" charset="0"/>
+                        </a:rPr>
+                        <m:t>×100</m:t>
+                      </m:r>
+                      <m:r>
+                        <a:rPr lang="ru-RU" sz="1200" kern="100">
+                          <a:effectLst/>
+                          <a:latin typeface="Cambria Math" panose="02040503050406030204" pitchFamily="18" charset="0"/>
+                          <a:ea typeface="Calibri" panose="020F0502020204030204" pitchFamily="34" charset="0"/>
+                          <a:cs typeface="Times New Roman" panose="02020603050405020304" pitchFamily="18" charset="0"/>
+                        </a:rPr>
+                        <m:t>%= </m:t>
+                      </m:r>
+                      <m:f>
+                        <m:fPr>
+                          <m:ctrlPr>
+                            <a:rPr lang="ru-RU" sz="1200" i="1" kern="100">
+                              <a:effectLst/>
+                              <a:latin typeface="Cambria Math" panose="02040503050406030204" pitchFamily="18" charset="0"/>
+                              <a:ea typeface="Calibri" panose="020F0502020204030204" pitchFamily="34" charset="0"/>
+                              <a:cs typeface="Times New Roman" panose="02020603050405020304" pitchFamily="18" charset="0"/>
+                            </a:rPr>
+                          </m:ctrlPr>
+                        </m:fPr>
+                        <m:num>
+                          <m:r>
+                            <a:rPr lang="ru-RU" sz="1200" i="1" kern="100">
+                              <a:effectLst/>
+                              <a:latin typeface="Cambria Math" panose="02040503050406030204" pitchFamily="18" charset="0"/>
+                              <a:ea typeface="Calibri" panose="020F0502020204030204" pitchFamily="34" charset="0"/>
+                              <a:cs typeface="Times New Roman" panose="02020603050405020304" pitchFamily="18" charset="0"/>
+                            </a:rPr>
+                            <m:t>8.029−4.817</m:t>
+                          </m:r>
+                        </m:num>
+                        <m:den>
+                          <m:r>
+                            <a:rPr lang="ru-RU" sz="1200" i="1" kern="100">
+                              <a:effectLst/>
+                              <a:latin typeface="Cambria Math" panose="02040503050406030204" pitchFamily="18" charset="0"/>
+                              <a:ea typeface="Calibri" panose="020F0502020204030204" pitchFamily="34" charset="0"/>
+                              <a:cs typeface="Times New Roman" panose="02020603050405020304" pitchFamily="18" charset="0"/>
+                            </a:rPr>
+                            <m:t>8.029</m:t>
+                          </m:r>
+                        </m:den>
+                      </m:f>
+                      <m:r>
+                        <a:rPr lang="ru-RU" sz="1200" i="1" kern="100" smtClean="0">
+                          <a:effectLst/>
+                          <a:latin typeface="Cambria Math" panose="02040503050406030204" pitchFamily="18" charset="0"/>
+                          <a:ea typeface="Calibri" panose="020F0502020204030204" pitchFamily="34" charset="0"/>
+                          <a:cs typeface="Times New Roman" panose="02020603050405020304" pitchFamily="18" charset="0"/>
+                        </a:rPr>
+                        <m:t>×</m:t>
+                      </m:r>
+                      <m:r>
+                        <a:rPr lang="ru-RU" sz="1200" i="1" kern="100">
+                          <a:effectLst/>
+                          <a:latin typeface="Cambria Math" panose="02040503050406030204" pitchFamily="18" charset="0"/>
+                          <a:ea typeface="Calibri" panose="020F0502020204030204" pitchFamily="34" charset="0"/>
+                          <a:cs typeface="Times New Roman" panose="02020603050405020304" pitchFamily="18" charset="0"/>
+                        </a:rPr>
+                        <m:t>100</m:t>
+                      </m:r>
+                      <m:r>
+                        <a:rPr lang="ru-RU" sz="1200" kern="100">
+                          <a:effectLst/>
+                          <a:latin typeface="Cambria Math" panose="02040503050406030204" pitchFamily="18" charset="0"/>
+                          <a:ea typeface="Calibri" panose="020F0502020204030204" pitchFamily="34" charset="0"/>
+                          <a:cs typeface="Times New Roman" panose="02020603050405020304" pitchFamily="18" charset="0"/>
+                        </a:rPr>
+                        <m:t>%</m:t>
+                      </m:r>
+                      <m:r>
+                        <a:rPr lang="ru-RU" sz="1200" i="1" kern="100">
+                          <a:effectLst/>
+                          <a:latin typeface="Cambria Math" panose="02040503050406030204" pitchFamily="18" charset="0"/>
+                          <a:ea typeface="Calibri" panose="020F0502020204030204" pitchFamily="34" charset="0"/>
+                          <a:cs typeface="Times New Roman" panose="02020603050405020304" pitchFamily="18" charset="0"/>
+                        </a:rPr>
+                        <m:t>≈40</m:t>
+                      </m:r>
+                      <m:r>
+                        <a:rPr lang="ru-RU" sz="1200" kern="100">
+                          <a:effectLst/>
+                          <a:latin typeface="Cambria Math" panose="02040503050406030204" pitchFamily="18" charset="0"/>
+                          <a:ea typeface="Calibri" panose="020F0502020204030204" pitchFamily="34" charset="0"/>
+                          <a:cs typeface="Times New Roman" panose="02020603050405020304" pitchFamily="18" charset="0"/>
+                        </a:rPr>
+                        <m:t>%</m:t>
+                      </m:r>
+                    </m:oMath>
+                  </m:oMathPara>
                 </a14:m>
-                <a:endParaRPr lang="ru-RU" sz="1800" kern="100" dirty="0">
+                <a:endParaRPr lang="ru-RU" sz="1200" kern="100" dirty="0">
                   <a:effectLst/>
                   <a:latin typeface="Times New Roman" panose="02020603050405020304" pitchFamily="18" charset="0"/>
                   <a:ea typeface="Calibri" panose="020F0502020204030204" pitchFamily="34" charset="0"/>
                   <a:cs typeface="Times New Roman" panose="02020603050405020304" pitchFamily="18" charset="0"/>
                 </a:endParaRPr>
-              </a:p>
-              <a:p>
-                <a:endParaRPr lang="ru-RU" dirty="0"/>
               </a:p>
             </p:txBody>
           </p:sp>
@@ -7273,12 +7307,21 @@
               </p:nvPr>
             </p:nvSpPr>
             <p:spPr>
+              <a:xfrm>
+                <a:off x="628650" y="1189203"/>
+                <a:ext cx="7886700" cy="698476"/>
+              </a:xfrm>
               <a:blipFill>
                 <a:blip r:embed="rId2"/>
                 <a:stretch>
                   <a:fillRect/>
                 </a:stretch>
               </a:blipFill>
+              <a:ln>
+                <a:solidFill>
+                  <a:schemeClr val="tx2"/>
+                </a:solidFill>
+              </a:ln>
             </p:spPr>
             <p:txBody>
               <a:bodyPr/>
@@ -7503,6 +7546,389 @@
               <a:rPr lang="ru-RU" sz="1400" dirty="0"/>
               <a:t>19</a:t>
             </a:r>
+          </a:p>
+        </p:txBody>
+      </p:sp>
+      <p:sp>
+        <p:nvSpPr>
+          <p:cNvPr id="5" name="TextBox 4">
+            <a:extLst>
+              <a:ext uri="{FF2B5EF4-FFF2-40B4-BE49-F238E27FC236}">
+                <a16:creationId xmlns:a16="http://schemas.microsoft.com/office/drawing/2014/main" id="{E429CA7E-5E09-B5D0-0A1B-2A782DC31D8B}"/>
+              </a:ext>
+            </a:extLst>
+          </p:cNvPr>
+          <p:cNvSpPr txBox="1"/>
+          <p:nvPr/>
+        </p:nvSpPr>
+        <p:spPr>
+          <a:xfrm>
+            <a:off x="672779" y="2212092"/>
+            <a:ext cx="2531069" cy="1015663"/>
+          </a:xfrm>
+          <a:prstGeom prst="rect">
+            <a:avLst/>
+          </a:prstGeom>
+          <a:noFill/>
+          <a:ln>
+            <a:solidFill>
+              <a:schemeClr val="tx2"/>
+            </a:solidFill>
+          </a:ln>
+        </p:spPr>
+        <p:txBody>
+          <a:bodyPr wrap="square" rtlCol="0">
+            <a:spAutoFit/>
+          </a:bodyPr>
+          <a:lstStyle/>
+          <a:p>
+            <a:r>
+              <a:rPr lang="ru-RU" sz="1200" dirty="0">
+                <a:latin typeface="Times New Roman" panose="02020603050405020304" pitchFamily="18" charset="0"/>
+                <a:cs typeface="Times New Roman" panose="02020603050405020304" pitchFamily="18" charset="0"/>
+              </a:rPr>
+              <a:t>При передаче данных по </a:t>
+            </a:r>
+            <a:r>
+              <a:rPr lang="en-US" sz="1200" dirty="0">
+                <a:latin typeface="Times New Roman" panose="02020603050405020304" pitchFamily="18" charset="0"/>
+                <a:cs typeface="Times New Roman" panose="02020603050405020304" pitchFamily="18" charset="0"/>
+              </a:rPr>
+              <a:t>HTTP 1.1: </a:t>
+            </a:r>
+            <a:r>
+              <a:rPr lang="ru-RU" sz="1200" dirty="0">
+                <a:latin typeface="Times New Roman" panose="02020603050405020304" pitchFamily="18" charset="0"/>
+                <a:cs typeface="Times New Roman" panose="02020603050405020304" pitchFamily="18" charset="0"/>
+              </a:rPr>
+              <a:t>Синхронная </a:t>
+            </a:r>
+            <a:r>
+              <a:rPr lang="en-US" sz="1200" dirty="0">
+                <a:latin typeface="Times New Roman" panose="02020603050405020304" pitchFamily="18" charset="0"/>
+                <a:cs typeface="Times New Roman" panose="02020603050405020304" pitchFamily="18" charset="0"/>
+              </a:rPr>
+              <a:t>&gt; </a:t>
+            </a:r>
+            <a:r>
+              <a:rPr lang="ru-RU" sz="1200" dirty="0">
+                <a:latin typeface="Times New Roman" panose="02020603050405020304" pitchFamily="18" charset="0"/>
+                <a:cs typeface="Times New Roman" panose="02020603050405020304" pitchFamily="18" charset="0"/>
+              </a:rPr>
+              <a:t>Асинхронная на 40%</a:t>
+            </a:r>
+          </a:p>
+          <a:p>
+            <a:r>
+              <a:rPr lang="ru-RU" sz="1200" dirty="0">
+                <a:latin typeface="Times New Roman" panose="02020603050405020304" pitchFamily="18" charset="0"/>
+                <a:cs typeface="Times New Roman" panose="02020603050405020304" pitchFamily="18" charset="0"/>
+              </a:rPr>
+              <a:t>Многопоточность</a:t>
+            </a:r>
+            <a:r>
+              <a:rPr lang="en-US" sz="1200" dirty="0">
+                <a:latin typeface="Times New Roman" panose="02020603050405020304" pitchFamily="18" charset="0"/>
+                <a:cs typeface="Times New Roman" panose="02020603050405020304" pitchFamily="18" charset="0"/>
+              </a:rPr>
+              <a:t> &gt; </a:t>
+            </a:r>
+            <a:r>
+              <a:rPr lang="ru-RU" sz="1200" dirty="0">
+                <a:latin typeface="Times New Roman" panose="02020603050405020304" pitchFamily="18" charset="0"/>
+                <a:cs typeface="Times New Roman" panose="02020603050405020304" pitchFamily="18" charset="0"/>
+              </a:rPr>
+              <a:t>Асинхронная на 20.55% </a:t>
+            </a:r>
+          </a:p>
+          <a:p>
+            <a:r>
+              <a:rPr lang="en-US" sz="1200" dirty="0" err="1">
+                <a:latin typeface="Times New Roman" panose="02020603050405020304" pitchFamily="18" charset="0"/>
+                <a:cs typeface="Times New Roman" panose="02020603050405020304" pitchFamily="18" charset="0"/>
+              </a:rPr>
+              <a:t>UploadFile</a:t>
+            </a:r>
+            <a:r>
+              <a:rPr lang="en-US" sz="1200" dirty="0">
+                <a:latin typeface="Times New Roman" panose="02020603050405020304" pitchFamily="18" charset="0"/>
+                <a:cs typeface="Times New Roman" panose="02020603050405020304" pitchFamily="18" charset="0"/>
+              </a:rPr>
+              <a:t> &gt; </a:t>
+            </a:r>
+            <a:r>
+              <a:rPr lang="ru-RU" sz="1200" dirty="0">
+                <a:latin typeface="Times New Roman" panose="02020603050405020304" pitchFamily="18" charset="0"/>
+                <a:cs typeface="Times New Roman" panose="02020603050405020304" pitchFamily="18" charset="0"/>
+              </a:rPr>
+              <a:t>Синхронная на 297.7%</a:t>
+            </a:r>
+          </a:p>
+        </p:txBody>
+      </p:sp>
+      <p:sp>
+        <p:nvSpPr>
+          <p:cNvPr id="6" name="TextBox 5">
+            <a:extLst>
+              <a:ext uri="{FF2B5EF4-FFF2-40B4-BE49-F238E27FC236}">
+                <a16:creationId xmlns:a16="http://schemas.microsoft.com/office/drawing/2014/main" id="{4CEFB0DE-84DA-547E-B7CF-AC6DF5595A6D}"/>
+              </a:ext>
+            </a:extLst>
+          </p:cNvPr>
+          <p:cNvSpPr txBox="1"/>
+          <p:nvPr/>
+        </p:nvSpPr>
+        <p:spPr>
+          <a:xfrm>
+            <a:off x="3427914" y="2212092"/>
+            <a:ext cx="2512240" cy="1015663"/>
+          </a:xfrm>
+          <a:prstGeom prst="rect">
+            <a:avLst/>
+          </a:prstGeom>
+          <a:noFill/>
+          <a:ln>
+            <a:solidFill>
+              <a:schemeClr val="tx2"/>
+            </a:solidFill>
+          </a:ln>
+        </p:spPr>
+        <p:txBody>
+          <a:bodyPr wrap="square" rtlCol="0">
+            <a:spAutoFit/>
+          </a:bodyPr>
+          <a:lstStyle/>
+          <a:p>
+            <a:r>
+              <a:rPr lang="ru-RU" sz="1200" dirty="0">
+                <a:latin typeface="Times New Roman" panose="02020603050405020304" pitchFamily="18" charset="0"/>
+                <a:cs typeface="Times New Roman" panose="02020603050405020304" pitchFamily="18" charset="0"/>
+              </a:rPr>
+              <a:t>При передаче данных по </a:t>
+            </a:r>
+            <a:r>
+              <a:rPr lang="en-US" sz="1200" dirty="0">
+                <a:latin typeface="Times New Roman" panose="02020603050405020304" pitchFamily="18" charset="0"/>
+                <a:cs typeface="Times New Roman" panose="02020603050405020304" pitchFamily="18" charset="0"/>
+              </a:rPr>
+              <a:t>HTTP </a:t>
+            </a:r>
+            <a:r>
+              <a:rPr lang="ru-RU" sz="1200" dirty="0">
+                <a:latin typeface="Times New Roman" panose="02020603050405020304" pitchFamily="18" charset="0"/>
+                <a:cs typeface="Times New Roman" panose="02020603050405020304" pitchFamily="18" charset="0"/>
+              </a:rPr>
+              <a:t>2</a:t>
+            </a:r>
+            <a:r>
+              <a:rPr lang="en-US" sz="1200" dirty="0">
+                <a:latin typeface="Times New Roman" panose="02020603050405020304" pitchFamily="18" charset="0"/>
+                <a:cs typeface="Times New Roman" panose="02020603050405020304" pitchFamily="18" charset="0"/>
+              </a:rPr>
+              <a:t>.</a:t>
+            </a:r>
+            <a:r>
+              <a:rPr lang="ru-RU" sz="1200" dirty="0">
+                <a:latin typeface="Times New Roman" panose="02020603050405020304" pitchFamily="18" charset="0"/>
+                <a:cs typeface="Times New Roman" panose="02020603050405020304" pitchFamily="18" charset="0"/>
+              </a:rPr>
+              <a:t>0</a:t>
+            </a:r>
+            <a:r>
+              <a:rPr lang="en-US" sz="1200" dirty="0">
+                <a:latin typeface="Times New Roman" panose="02020603050405020304" pitchFamily="18" charset="0"/>
+                <a:cs typeface="Times New Roman" panose="02020603050405020304" pitchFamily="18" charset="0"/>
+              </a:rPr>
+              <a:t>: </a:t>
+            </a:r>
+            <a:r>
+              <a:rPr lang="ru-RU" sz="1200" dirty="0">
+                <a:latin typeface="Times New Roman" panose="02020603050405020304" pitchFamily="18" charset="0"/>
+                <a:cs typeface="Times New Roman" panose="02020603050405020304" pitchFamily="18" charset="0"/>
+              </a:rPr>
+              <a:t>Синхронная </a:t>
+            </a:r>
+            <a:r>
+              <a:rPr lang="en-US" sz="1200" dirty="0">
+                <a:latin typeface="Times New Roman" panose="02020603050405020304" pitchFamily="18" charset="0"/>
+                <a:cs typeface="Times New Roman" panose="02020603050405020304" pitchFamily="18" charset="0"/>
+              </a:rPr>
+              <a:t>&gt; </a:t>
+            </a:r>
+            <a:r>
+              <a:rPr lang="ru-RU" sz="1200" dirty="0">
+                <a:latin typeface="Times New Roman" panose="02020603050405020304" pitchFamily="18" charset="0"/>
+                <a:cs typeface="Times New Roman" panose="02020603050405020304" pitchFamily="18" charset="0"/>
+              </a:rPr>
+              <a:t>Асинхронная на 16.1%</a:t>
+            </a:r>
+          </a:p>
+          <a:p>
+            <a:r>
+              <a:rPr lang="ru-RU" sz="1200" dirty="0">
+                <a:latin typeface="Times New Roman" panose="02020603050405020304" pitchFamily="18" charset="0"/>
+                <a:cs typeface="Times New Roman" panose="02020603050405020304" pitchFamily="18" charset="0"/>
+              </a:rPr>
+              <a:t>Многопоточность</a:t>
+            </a:r>
+            <a:r>
+              <a:rPr lang="en-US" sz="1200" dirty="0">
+                <a:latin typeface="Times New Roman" panose="02020603050405020304" pitchFamily="18" charset="0"/>
+                <a:cs typeface="Times New Roman" panose="02020603050405020304" pitchFamily="18" charset="0"/>
+              </a:rPr>
+              <a:t> &gt; </a:t>
+            </a:r>
+            <a:r>
+              <a:rPr lang="ru-RU" sz="1200" dirty="0">
+                <a:latin typeface="Times New Roman" panose="02020603050405020304" pitchFamily="18" charset="0"/>
+                <a:cs typeface="Times New Roman" panose="02020603050405020304" pitchFamily="18" charset="0"/>
+              </a:rPr>
+              <a:t>Асинхронная на 4.1% </a:t>
+            </a:r>
+            <a:endParaRPr lang="ru-RU" sz="2000" dirty="0">
+              <a:latin typeface="Times New Roman" panose="02020603050405020304" pitchFamily="18" charset="0"/>
+              <a:cs typeface="Times New Roman" panose="02020603050405020304" pitchFamily="18" charset="0"/>
+            </a:endParaRPr>
+          </a:p>
+        </p:txBody>
+      </p:sp>
+      <p:sp>
+        <p:nvSpPr>
+          <p:cNvPr id="8" name="Заголовок 7">
+            <a:extLst>
+              <a:ext uri="{FF2B5EF4-FFF2-40B4-BE49-F238E27FC236}">
+                <a16:creationId xmlns:a16="http://schemas.microsoft.com/office/drawing/2014/main" id="{45B5634D-FA3F-9744-AA69-2C9A59494053}"/>
+              </a:ext>
+            </a:extLst>
+          </p:cNvPr>
+          <p:cNvSpPr>
+            <a:spLocks noGrp="1"/>
+          </p:cNvSpPr>
+          <p:nvPr>
+            <p:ph type="title"/>
+          </p:nvPr>
+        </p:nvSpPr>
+        <p:spPr/>
+        <p:txBody>
+          <a:bodyPr>
+            <a:normAutofit/>
+          </a:bodyPr>
+          <a:lstStyle/>
+          <a:p>
+            <a:r>
+              <a:rPr lang="ru-RU" sz="3200" dirty="0">
+                <a:effectLst/>
+                <a:latin typeface="Times New Roman" panose="02020603050405020304" pitchFamily="18" charset="0"/>
+                <a:ea typeface="Calibri" panose="020F0502020204030204" pitchFamily="34" charset="0"/>
+              </a:rPr>
+              <a:t>Сравнение</a:t>
+            </a:r>
+            <a:endParaRPr lang="ru-RU" sz="3200" dirty="0"/>
+          </a:p>
+        </p:txBody>
+      </p:sp>
+      <p:sp>
+        <p:nvSpPr>
+          <p:cNvPr id="9" name="TextBox 8">
+            <a:extLst>
+              <a:ext uri="{FF2B5EF4-FFF2-40B4-BE49-F238E27FC236}">
+                <a16:creationId xmlns:a16="http://schemas.microsoft.com/office/drawing/2014/main" id="{BB8B83B5-4A4A-1EE7-E32E-DBA8E720B144}"/>
+              </a:ext>
+            </a:extLst>
+          </p:cNvPr>
+          <p:cNvSpPr txBox="1"/>
+          <p:nvPr/>
+        </p:nvSpPr>
+        <p:spPr>
+          <a:xfrm>
+            <a:off x="6161707" y="2212091"/>
+            <a:ext cx="2512240" cy="1015663"/>
+          </a:xfrm>
+          <a:prstGeom prst="rect">
+            <a:avLst/>
+          </a:prstGeom>
+          <a:noFill/>
+          <a:ln>
+            <a:solidFill>
+              <a:schemeClr val="tx2"/>
+            </a:solidFill>
+          </a:ln>
+        </p:spPr>
+        <p:txBody>
+          <a:bodyPr wrap="square" rtlCol="0">
+            <a:spAutoFit/>
+          </a:bodyPr>
+          <a:lstStyle/>
+          <a:p>
+            <a:r>
+              <a:rPr lang="ru-RU" sz="1200" dirty="0">
+                <a:latin typeface="Times New Roman" panose="02020603050405020304" pitchFamily="18" charset="0"/>
+                <a:cs typeface="Times New Roman" panose="02020603050405020304" pitchFamily="18" charset="0"/>
+              </a:rPr>
+              <a:t>При передаче данных по </a:t>
+            </a:r>
+            <a:r>
+              <a:rPr lang="en-US" sz="1200" dirty="0" err="1">
+                <a:latin typeface="Times New Roman" panose="02020603050405020304" pitchFamily="18" charset="0"/>
+                <a:cs typeface="Times New Roman" panose="02020603050405020304" pitchFamily="18" charset="0"/>
+              </a:rPr>
+              <a:t>gRPC</a:t>
+            </a:r>
+            <a:r>
+              <a:rPr lang="en-US" sz="1200" dirty="0">
+                <a:latin typeface="Times New Roman" panose="02020603050405020304" pitchFamily="18" charset="0"/>
+                <a:cs typeface="Times New Roman" panose="02020603050405020304" pitchFamily="18" charset="0"/>
+              </a:rPr>
+              <a:t>: </a:t>
+            </a:r>
+            <a:r>
+              <a:rPr lang="ru-RU" sz="1200" dirty="0">
+                <a:latin typeface="Times New Roman" panose="02020603050405020304" pitchFamily="18" charset="0"/>
+                <a:cs typeface="Times New Roman" panose="02020603050405020304" pitchFamily="18" charset="0"/>
+              </a:rPr>
+              <a:t>Унарная </a:t>
+            </a:r>
+            <a:r>
+              <a:rPr lang="en-US" sz="1200" dirty="0">
+                <a:latin typeface="Times New Roman" panose="02020603050405020304" pitchFamily="18" charset="0"/>
+                <a:cs typeface="Times New Roman" panose="02020603050405020304" pitchFamily="18" charset="0"/>
+              </a:rPr>
+              <a:t>&gt; </a:t>
+            </a:r>
+            <a:r>
+              <a:rPr lang="ru-RU" sz="1200" dirty="0">
+                <a:latin typeface="Times New Roman" panose="02020603050405020304" pitchFamily="18" charset="0"/>
+                <a:cs typeface="Times New Roman" panose="02020603050405020304" pitchFamily="18" charset="0"/>
+              </a:rPr>
+              <a:t>Поток от клиента на 16.1%</a:t>
+            </a:r>
+          </a:p>
+          <a:p>
+            <a:r>
+              <a:rPr lang="ru-RU" sz="1200" dirty="0">
+                <a:latin typeface="Times New Roman" panose="02020603050405020304" pitchFamily="18" charset="0"/>
+                <a:cs typeface="Times New Roman" panose="02020603050405020304" pitchFamily="18" charset="0"/>
+              </a:rPr>
+              <a:t>Двунаправленная</a:t>
+            </a:r>
+            <a:r>
+              <a:rPr lang="en-US" sz="1200" dirty="0">
+                <a:latin typeface="Times New Roman" panose="02020603050405020304" pitchFamily="18" charset="0"/>
+                <a:cs typeface="Times New Roman" panose="02020603050405020304" pitchFamily="18" charset="0"/>
+              </a:rPr>
+              <a:t> &gt; </a:t>
+            </a:r>
+            <a:r>
+              <a:rPr lang="ru-RU" sz="1200" dirty="0">
+                <a:latin typeface="Times New Roman" panose="02020603050405020304" pitchFamily="18" charset="0"/>
+                <a:cs typeface="Times New Roman" panose="02020603050405020304" pitchFamily="18" charset="0"/>
+              </a:rPr>
+              <a:t>Поток от клиента на 4.1% </a:t>
+            </a:r>
+            <a:endParaRPr lang="ru-RU" sz="2000" dirty="0">
+              <a:latin typeface="Times New Roman" panose="02020603050405020304" pitchFamily="18" charset="0"/>
+              <a:cs typeface="Times New Roman" panose="02020603050405020304" pitchFamily="18" charset="0"/>
+            </a:endParaRPr>
           </a:p>
         </p:txBody>
       </p:sp>
@@ -7536,34 +7962,6 @@
           <a:chExt cx="0" cy="0"/>
         </a:xfrm>
       </p:grpSpPr>
-      <p:sp>
-        <p:nvSpPr>
-          <p:cNvPr id="2" name="Заголовок 1">
-            <a:extLst>
-              <a:ext uri="{FF2B5EF4-FFF2-40B4-BE49-F238E27FC236}">
-                <a16:creationId xmlns:a16="http://schemas.microsoft.com/office/drawing/2014/main" id="{B87C03F9-CFD5-F163-8BC3-74FB8EB0C5EF}"/>
-              </a:ext>
-            </a:extLst>
-          </p:cNvPr>
-          <p:cNvSpPr>
-            <a:spLocks noGrp="1"/>
-          </p:cNvSpPr>
-          <p:nvPr>
-            <p:ph type="title"/>
-          </p:nvPr>
-        </p:nvSpPr>
-        <p:spPr/>
-        <p:txBody>
-          <a:bodyPr/>
-          <a:lstStyle/>
-          <a:p>
-            <a:r>
-              <a:rPr lang="ru-RU" dirty="0"/>
-              <a:t>Сравнение</a:t>
-            </a:r>
-          </a:p>
-        </p:txBody>
-      </p:sp>
       <p:pic>
         <p:nvPicPr>
           <p:cNvPr id="4" name="Объект 3">
@@ -7588,38 +7986,8 @@
         </p:blipFill>
         <p:spPr>
           <a:xfrm>
-            <a:off x="683568" y="1584602"/>
-            <a:ext cx="3808002" cy="1462464"/>
-          </a:xfrm>
-          <a:prstGeom prst="rect">
-            <a:avLst/>
-          </a:prstGeom>
-        </p:spPr>
-      </p:pic>
-      <p:pic>
-        <p:nvPicPr>
-          <p:cNvPr id="5" name="Рисунок 4">
-            <a:extLst>
-              <a:ext uri="{FF2B5EF4-FFF2-40B4-BE49-F238E27FC236}">
-                <a16:creationId xmlns:a16="http://schemas.microsoft.com/office/drawing/2014/main" id="{49941EF1-4DF2-54EB-635C-4B61DA30ED9F}"/>
-              </a:ext>
-            </a:extLst>
-          </p:cNvPr>
-          <p:cNvPicPr>
-            <a:picLocks noChangeAspect="1"/>
-          </p:cNvPicPr>
-          <p:nvPr/>
-        </p:nvPicPr>
-        <p:blipFill>
-          <a:blip r:embed="rId3"/>
-          <a:stretch>
-            <a:fillRect/>
-          </a:stretch>
-        </p:blipFill>
-        <p:spPr>
-          <a:xfrm>
-            <a:off x="4652432" y="1549176"/>
-            <a:ext cx="3913942" cy="1493197"/>
+            <a:off x="1292227" y="1516000"/>
+            <a:ext cx="6487537" cy="2491540"/>
           </a:xfrm>
           <a:prstGeom prst="rect">
             <a:avLst/>
@@ -7834,6 +8202,78 @@
               <a:rPr lang="ru-RU" sz="1400" dirty="0"/>
               <a:t>19</a:t>
             </a:r>
+          </a:p>
+        </p:txBody>
+      </p:sp>
+      <p:sp>
+        <p:nvSpPr>
+          <p:cNvPr id="7" name="TextBox 6">
+            <a:extLst>
+              <a:ext uri="{FF2B5EF4-FFF2-40B4-BE49-F238E27FC236}">
+                <a16:creationId xmlns:a16="http://schemas.microsoft.com/office/drawing/2014/main" id="{8418B10D-1461-1456-191B-FDA32F251069}"/>
+              </a:ext>
+            </a:extLst>
+          </p:cNvPr>
+          <p:cNvSpPr txBox="1"/>
+          <p:nvPr/>
+        </p:nvSpPr>
+        <p:spPr>
+          <a:xfrm>
+            <a:off x="2669348" y="4094951"/>
+            <a:ext cx="4134899" cy="276999"/>
+          </a:xfrm>
+          <a:prstGeom prst="rect">
+            <a:avLst/>
+          </a:prstGeom>
+          <a:noFill/>
+        </p:spPr>
+        <p:txBody>
+          <a:bodyPr wrap="square" rtlCol="0">
+            <a:spAutoFit/>
+          </a:bodyPr>
+          <a:lstStyle/>
+          <a:p>
+            <a:r>
+              <a:rPr lang="ru-RU" sz="1200" dirty="0">
+                <a:latin typeface="Times New Roman" panose="02020603050405020304" pitchFamily="18" charset="0"/>
+                <a:cs typeface="Times New Roman" panose="02020603050405020304" pitchFamily="18" charset="0"/>
+              </a:rPr>
+              <a:t>Рисунок 13 – Сравнение лучших полученных результатов</a:t>
+            </a:r>
+          </a:p>
+        </p:txBody>
+      </p:sp>
+      <p:sp>
+        <p:nvSpPr>
+          <p:cNvPr id="10" name="Заголовок 9">
+            <a:extLst>
+              <a:ext uri="{FF2B5EF4-FFF2-40B4-BE49-F238E27FC236}">
+                <a16:creationId xmlns:a16="http://schemas.microsoft.com/office/drawing/2014/main" id="{D8D776A2-9078-5538-6A6D-3D144C81A569}"/>
+              </a:ext>
+            </a:extLst>
+          </p:cNvPr>
+          <p:cNvSpPr>
+            <a:spLocks noGrp="1"/>
+          </p:cNvSpPr>
+          <p:nvPr>
+            <p:ph type="title"/>
+          </p:nvPr>
+        </p:nvSpPr>
+        <p:spPr/>
+        <p:txBody>
+          <a:bodyPr>
+            <a:normAutofit/>
+          </a:bodyPr>
+          <a:lstStyle/>
+          <a:p>
+            <a:r>
+              <a:rPr lang="ru-RU" sz="3200" dirty="0">
+                <a:latin typeface="Times New Roman" panose="02020603050405020304" pitchFamily="18" charset="0"/>
+                <a:cs typeface="Times New Roman" panose="02020603050405020304" pitchFamily="18" charset="0"/>
+              </a:rPr>
+              <a:t>Сравнение</a:t>
+            </a:r>
+            <a:endParaRPr lang="ru-RU" sz="3200" dirty="0"/>
           </a:p>
         </p:txBody>
       </p:sp>
@@ -7869,42 +8309,6 @@
       </p:grpSpPr>
       <p:sp>
         <p:nvSpPr>
-          <p:cNvPr id="2" name="Заголовок 1"/>
-          <p:cNvSpPr>
-            <a:spLocks noGrp="1"/>
-          </p:cNvSpPr>
-          <p:nvPr>
-            <p:ph type="title"/>
-          </p:nvPr>
-        </p:nvSpPr>
-        <p:spPr>
-          <a:xfrm>
-            <a:off x="0" y="0"/>
-            <a:ext cx="8460432" cy="857250"/>
-          </a:xfrm>
-        </p:spPr>
-        <p:txBody>
-          <a:bodyPr>
-            <a:normAutofit/>
-          </a:bodyPr>
-          <a:lstStyle/>
-          <a:p>
-            <a:pPr algn="ctr"/>
-            <a:r>
-              <a:rPr lang="ru-RU" sz="3200" dirty="0">
-                <a:solidFill>
-                  <a:schemeClr val="tx1"/>
-                </a:solidFill>
-                <a:latin typeface="Times New Roman" panose="02020603050405020304" pitchFamily="18" charset="0"/>
-                <a:cs typeface="Times New Roman" panose="02020603050405020304" pitchFamily="18" charset="0"/>
-              </a:rPr>
-              <a:t>Результаты работы</a:t>
-            </a:r>
-          </a:p>
-        </p:txBody>
-      </p:sp>
-      <p:sp>
-        <p:nvSpPr>
           <p:cNvPr id="4" name="Объект 2"/>
           <p:cNvSpPr txBox="1">
             <a:spLocks/>
@@ -8120,8 +8524,8 @@
         </p:nvSpPr>
         <p:spPr>
           <a:xfrm>
-            <a:off x="323528" y="915566"/>
-            <a:ext cx="7992888" cy="1600438"/>
+            <a:off x="575556" y="1259343"/>
+            <a:ext cx="7992888" cy="2339102"/>
           </a:xfrm>
           <a:prstGeom prst="rect">
             <a:avLst/>
@@ -8142,16 +8546,33 @@
               <a:buAutoNum type="arabicPeriod"/>
             </a:pPr>
             <a:r>
-              <a:rPr lang="ru-RU" sz="2600" dirty="0">
+              <a:rPr lang="ru-RU" dirty="0">
                 <a:latin typeface="Times New Roman" panose="02020603050405020304" pitchFamily="18" charset="0"/>
                 <a:cs typeface="Times New Roman" panose="02020603050405020304" pitchFamily="18" charset="0"/>
               </a:rPr>
-              <a:t>Результат 1</a:t>
-            </a:r>
-            <a:endParaRPr lang="en-US" sz="2600" dirty="0">
-              <a:latin typeface="Times New Roman" panose="02020603050405020304" pitchFamily="18" charset="0"/>
-              <a:cs typeface="Times New Roman" panose="02020603050405020304" pitchFamily="18" charset="0"/>
-            </a:endParaRPr>
+              <a:t>Изучены популярные сервисно-ориентированные архитектуры и протоколы </a:t>
+            </a:r>
+            <a:r>
+              <a:rPr lang="en-US" dirty="0">
+                <a:latin typeface="Times New Roman" panose="02020603050405020304" pitchFamily="18" charset="0"/>
+                <a:cs typeface="Times New Roman" panose="02020603050405020304" pitchFamily="18" charset="0"/>
+              </a:rPr>
+              <a:t>HTTP/1.1 </a:t>
+            </a:r>
+            <a:r>
+              <a:rPr lang="ru-RU" dirty="0">
+                <a:latin typeface="Times New Roman" panose="02020603050405020304" pitchFamily="18" charset="0"/>
+                <a:cs typeface="Times New Roman" panose="02020603050405020304" pitchFamily="18" charset="0"/>
+              </a:rPr>
+              <a:t>и </a:t>
+            </a:r>
+            <a:r>
+              <a:rPr lang="en-US" dirty="0">
+                <a:latin typeface="Times New Roman" panose="02020603050405020304" pitchFamily="18" charset="0"/>
+                <a:cs typeface="Times New Roman" panose="02020603050405020304" pitchFamily="18" charset="0"/>
+              </a:rPr>
+              <a:t>HTTP/2.0</a:t>
+            </a:r>
           </a:p>
           <a:p>
             <a:pPr marL="342900" indent="-342900">
@@ -8162,11 +8583,25 @@
               <a:buAutoNum type="arabicPeriod"/>
             </a:pPr>
             <a:r>
-              <a:rPr lang="ru-RU" sz="2600" dirty="0">
+              <a:rPr lang="ru-RU" dirty="0">
                 <a:latin typeface="Times New Roman" panose="02020603050405020304" pitchFamily="18" charset="0"/>
                 <a:cs typeface="Times New Roman" panose="02020603050405020304" pitchFamily="18" charset="0"/>
               </a:rPr>
-              <a:t>Результат 2</a:t>
+              <a:t>Разработана и реализована клиент – серверная система на </a:t>
+            </a:r>
+            <a:r>
+              <a:rPr lang="en-US" dirty="0">
+                <a:latin typeface="Times New Roman" panose="02020603050405020304" pitchFamily="18" charset="0"/>
+                <a:cs typeface="Times New Roman" panose="02020603050405020304" pitchFamily="18" charset="0"/>
+              </a:rPr>
+              <a:t>Python </a:t>
+            </a:r>
+            <a:r>
+              <a:rPr lang="ru-RU" dirty="0">
+                <a:latin typeface="Times New Roman" panose="02020603050405020304" pitchFamily="18" charset="0"/>
+                <a:cs typeface="Times New Roman" panose="02020603050405020304" pitchFamily="18" charset="0"/>
+              </a:rPr>
+              <a:t>для передачи данных большого объема. Система расширена с учетом особенностей различных изученных методов</a:t>
             </a:r>
           </a:p>
           <a:p>
@@ -8178,13 +8613,49 @@
               <a:buAutoNum type="arabicPeriod"/>
             </a:pPr>
             <a:r>
-              <a:rPr lang="ru-RU" sz="2600" dirty="0">
+              <a:rPr lang="ru-RU" dirty="0">
                 <a:latin typeface="Times New Roman" panose="02020603050405020304" pitchFamily="18" charset="0"/>
                 <a:cs typeface="Times New Roman" panose="02020603050405020304" pitchFamily="18" charset="0"/>
               </a:rPr>
-              <a:t>Результат 3</a:t>
-            </a:r>
-            <a:endParaRPr lang="ru-RU" sz="2600" dirty="0"/>
+              <a:t>Проведено сравнение производительности различных методов передачи данных</a:t>
+            </a:r>
+          </a:p>
+        </p:txBody>
+      </p:sp>
+      <p:sp>
+        <p:nvSpPr>
+          <p:cNvPr id="6" name="Заголовок 5">
+            <a:extLst>
+              <a:ext uri="{FF2B5EF4-FFF2-40B4-BE49-F238E27FC236}">
+                <a16:creationId xmlns:a16="http://schemas.microsoft.com/office/drawing/2014/main" id="{9716B27F-B304-F03A-F728-7FB8E6BBAB81}"/>
+              </a:ext>
+            </a:extLst>
+          </p:cNvPr>
+          <p:cNvSpPr>
+            <a:spLocks noGrp="1"/>
+          </p:cNvSpPr>
+          <p:nvPr>
+            <p:ph type="title"/>
+          </p:nvPr>
+        </p:nvSpPr>
+        <p:spPr/>
+        <p:txBody>
+          <a:bodyPr>
+            <a:normAutofit/>
+          </a:bodyPr>
+          <a:lstStyle/>
+          <a:p>
+            <a:r>
+              <a:rPr lang="ru-RU" sz="3200" dirty="0">
+                <a:solidFill>
+                  <a:schemeClr val="tx1"/>
+                </a:solidFill>
+                <a:latin typeface="Times New Roman" panose="02020603050405020304" pitchFamily="18" charset="0"/>
+                <a:cs typeface="Times New Roman" panose="02020603050405020304" pitchFamily="18" charset="0"/>
+              </a:rPr>
+              <a:t>Результаты работы</a:t>
+            </a:r>
+            <a:endParaRPr lang="ru-RU" sz="3200" dirty="0"/>
           </a:p>
         </p:txBody>
       </p:sp>
@@ -8273,7 +8744,7 @@
           <a:bodyPr/>
           <a:lstStyle/>
           <a:p>
-            <a:endParaRPr lang="ru-RU"/>
+            <a:endParaRPr lang="ru-RU" dirty="0"/>
           </a:p>
         </p:txBody>
       </p:sp>
@@ -8520,7 +8991,13 @@
       </p:grpSpPr>
       <p:sp>
         <p:nvSpPr>
-          <p:cNvPr id="2" name="Заголовок 1"/>
+          <p:cNvPr id="2" name="Заголовок 1">
+            <a:extLst>
+              <a:ext uri="{FF2B5EF4-FFF2-40B4-BE49-F238E27FC236}">
+                <a16:creationId xmlns:a16="http://schemas.microsoft.com/office/drawing/2014/main" id="{E3ADBEE4-5EC8-36D1-6B0D-E80BF52881EE}"/>
+              </a:ext>
+            </a:extLst>
+          </p:cNvPr>
           <p:cNvSpPr>
             <a:spLocks noGrp="1"/>
           </p:cNvSpPr>
@@ -8528,19 +9005,11 @@
             <p:ph type="title"/>
           </p:nvPr>
         </p:nvSpPr>
-        <p:spPr>
-          <a:xfrm>
-            <a:off x="0" y="1522"/>
-            <a:ext cx="8460432" cy="857250"/>
-          </a:xfrm>
-        </p:spPr>
-        <p:txBody>
-          <a:bodyPr>
-            <a:normAutofit/>
-          </a:bodyPr>
+        <p:spPr/>
+        <p:txBody>
+          <a:bodyPr/>
           <a:lstStyle/>
           <a:p>
-            <a:pPr algn="ctr"/>
             <a:r>
               <a:rPr lang="ru-RU" sz="3200" dirty="0">
                 <a:solidFill>
@@ -8552,12 +9021,19 @@
               </a:rPr>
               <a:t>Введение</a:t>
             </a:r>
-          </a:p>
-        </p:txBody>
-      </p:sp>
-      <p:sp>
-        <p:nvSpPr>
-          <p:cNvPr id="3" name="Объект 2"/>
+            <a:endParaRPr lang="ru-RU" b="1" dirty="0"/>
+          </a:p>
+        </p:txBody>
+      </p:sp>
+      <p:sp>
+        <p:nvSpPr>
+          <p:cNvPr id="3" name="Объект 2">
+            <a:extLst>
+              <a:ext uri="{FF2B5EF4-FFF2-40B4-BE49-F238E27FC236}">
+                <a16:creationId xmlns:a16="http://schemas.microsoft.com/office/drawing/2014/main" id="{519A1D84-8CEB-FBEF-C5CF-856BE5B51F9D}"/>
+              </a:ext>
+            </a:extLst>
+          </p:cNvPr>
           <p:cNvSpPr>
             <a:spLocks noGrp="1"/>
           </p:cNvSpPr>
@@ -8565,150 +9041,95 @@
             <p:ph idx="1"/>
           </p:nvPr>
         </p:nvSpPr>
-        <p:spPr>
-          <a:xfrm>
-            <a:off x="827584" y="1203597"/>
-            <a:ext cx="7416824" cy="2978059"/>
-          </a:xfrm>
-        </p:spPr>
-        <p:txBody>
-          <a:bodyPr>
-            <a:normAutofit fontScale="62500" lnSpcReduction="20000"/>
-          </a:bodyPr>
+        <p:spPr/>
+        <p:txBody>
+          <a:bodyPr/>
           <a:lstStyle/>
           <a:p>
-            <a:pPr marL="0" indent="0" algn="just">
-              <a:lnSpc>
-                <a:spcPct val="120000"/>
-              </a:lnSpc>
-              <a:buNone/>
-            </a:pPr>
-            <a:r>
-              <a:rPr lang="ru-RU" sz="2600" b="1" dirty="0">
+            <a:r>
+              <a:rPr lang="ru-RU" sz="1800" kern="100" dirty="0">
                 <a:latin typeface="Times New Roman" panose="02020603050405020304" pitchFamily="18" charset="0"/>
+                <a:ea typeface="Calibri" panose="020F0502020204030204" pitchFamily="34" charset="0"/>
                 <a:cs typeface="Times New Roman" panose="02020603050405020304" pitchFamily="18" charset="0"/>
               </a:rPr>
-              <a:t>Цель работы:</a:t>
-            </a:r>
-            <a:r>
-              <a:rPr lang="ru-RU" sz="2600" dirty="0">
+              <a:t>Э</a:t>
+            </a:r>
+            <a:r>
+              <a:rPr lang="ru-RU" sz="1800" kern="100" dirty="0">
+                <a:effectLst/>
                 <a:latin typeface="Times New Roman" panose="02020603050405020304" pitchFamily="18" charset="0"/>
+                <a:ea typeface="Calibri" panose="020F0502020204030204" pitchFamily="34" charset="0"/>
                 <a:cs typeface="Times New Roman" panose="02020603050405020304" pitchFamily="18" charset="0"/>
               </a:rPr>
-              <a:t> разработка алгоритма ретроспективного анализа разновременных изображений и определение параметров, влияющих на качество его работы.</a:t>
-            </a:r>
-          </a:p>
-          <a:p>
-            <a:pPr marL="0" indent="0" algn="just">
-              <a:lnSpc>
-                <a:spcPct val="120000"/>
-              </a:lnSpc>
-              <a:buNone/>
-            </a:pPr>
-            <a:endParaRPr lang="ru-RU" sz="2600" dirty="0">
-              <a:latin typeface="Times New Roman" panose="02020603050405020304" pitchFamily="18" charset="0"/>
-              <a:cs typeface="Times New Roman" panose="02020603050405020304" pitchFamily="18" charset="0"/>
-            </a:endParaRPr>
-          </a:p>
-          <a:p>
-            <a:pPr marL="0" indent="0" algn="just">
-              <a:lnSpc>
-                <a:spcPct val="120000"/>
-              </a:lnSpc>
-              <a:buNone/>
-            </a:pPr>
-            <a:r>
-              <a:rPr lang="ru-RU" sz="2600" dirty="0">
+              <a:t>ффективность и скорость передачи данных критически важными.</a:t>
+            </a:r>
+          </a:p>
+          <a:p>
+            <a:r>
+              <a:rPr lang="ru-RU" sz="1800" kern="100" dirty="0">
+                <a:effectLst/>
                 <a:latin typeface="Times New Roman" panose="02020603050405020304" pitchFamily="18" charset="0"/>
+                <a:ea typeface="Calibri" panose="020F0502020204030204" pitchFamily="34" charset="0"/>
                 <a:cs typeface="Times New Roman" panose="02020603050405020304" pitchFamily="18" charset="0"/>
               </a:rPr>
-              <a:t>Для достижения поставленной цели решались следующие </a:t>
-            </a:r>
-            <a:r>
-              <a:rPr lang="ru-RU" sz="2600" b="1" dirty="0">
+              <a:t>Количество информации, которую необходимо обрабатывать и передавать, увеличивается.</a:t>
+            </a:r>
+          </a:p>
+          <a:p>
+            <a:r>
+              <a:rPr lang="ru-RU" sz="1800" kern="100" dirty="0">
                 <a:latin typeface="Times New Roman" panose="02020603050405020304" pitchFamily="18" charset="0"/>
+                <a:ea typeface="Calibri" panose="020F0502020204030204" pitchFamily="34" charset="0"/>
                 <a:cs typeface="Times New Roman" panose="02020603050405020304" pitchFamily="18" charset="0"/>
               </a:rPr>
-              <a:t>задачи</a:t>
-            </a:r>
-            <a:r>
-              <a:rPr lang="ru-RU" sz="2600" dirty="0">
+              <a:t>П</a:t>
+            </a:r>
+            <a:r>
+              <a:rPr lang="ru-RU" sz="1800" kern="100" dirty="0">
+                <a:effectLst/>
                 <a:latin typeface="Times New Roman" panose="02020603050405020304" pitchFamily="18" charset="0"/>
+                <a:ea typeface="Calibri" panose="020F0502020204030204" pitchFamily="34" charset="0"/>
                 <a:cs typeface="Times New Roman" panose="02020603050405020304" pitchFamily="18" charset="0"/>
               </a:rPr>
-              <a:t>:</a:t>
-            </a:r>
-          </a:p>
-          <a:p>
-            <a:pPr algn="just">
-              <a:lnSpc>
-                <a:spcPct val="120000"/>
-              </a:lnSpc>
-            </a:pPr>
-            <a:r>
-              <a:rPr lang="ru-RU" sz="2600" dirty="0">
+              <a:t>отребность в более эффективных методах передачи данных. </a:t>
+            </a:r>
+          </a:p>
+          <a:p>
+            <a:r>
+              <a:rPr lang="ru-RU" sz="1800" kern="100" dirty="0">
+                <a:effectLst/>
                 <a:latin typeface="Times New Roman" panose="02020603050405020304" pitchFamily="18" charset="0"/>
+                <a:ea typeface="Calibri" panose="020F0502020204030204" pitchFamily="34" charset="0"/>
                 <a:cs typeface="Times New Roman" panose="02020603050405020304" pitchFamily="18" charset="0"/>
               </a:rPr>
-              <a:t>﻿Изучение сервисно-ориентированных архитектур и протоколов НТТР 1 и НТТР 2.</a:t>
-            </a:r>
-          </a:p>
-          <a:p>
-            <a:pPr algn="just">
-              <a:lnSpc>
-                <a:spcPct val="120000"/>
-              </a:lnSpc>
-            </a:pPr>
-            <a:r>
-              <a:rPr lang="ru-RU" sz="2600" dirty="0">
+              <a:t>Особенно важно в контексте сервисно-ориентированных архитектур, где межсервисное взаимодействие является ключевым элементом. Для быстрого обмена данными между сервисами требуется изучить современные методы передачи данных.</a:t>
+            </a:r>
+          </a:p>
+          <a:p>
+            <a:r>
+              <a:rPr lang="ru-RU" sz="1800" kern="100" dirty="0">
+                <a:effectLst/>
                 <a:latin typeface="Times New Roman" panose="02020603050405020304" pitchFamily="18" charset="0"/>
+                <a:ea typeface="Calibri" panose="020F0502020204030204" pitchFamily="34" charset="0"/>
                 <a:cs typeface="Times New Roman" panose="02020603050405020304" pitchFamily="18" charset="0"/>
               </a:rPr>
-              <a:t>﻿Разработка и реализация клиент-серверной системы на </a:t>
-            </a:r>
-            <a:r>
-              <a:rPr lang="en" sz="2600" dirty="0">
-                <a:latin typeface="Times New Roman" panose="02020603050405020304" pitchFamily="18" charset="0"/>
-                <a:cs typeface="Times New Roman" panose="02020603050405020304" pitchFamily="18" charset="0"/>
-              </a:rPr>
-              <a:t>Python </a:t>
-            </a:r>
-            <a:r>
-              <a:rPr lang="ru-RU" sz="2600" dirty="0">
-                <a:latin typeface="Times New Roman" panose="02020603050405020304" pitchFamily="18" charset="0"/>
-                <a:cs typeface="Times New Roman" panose="02020603050405020304" pitchFamily="18" charset="0"/>
-              </a:rPr>
-              <a:t>для передачи данных большого объема.</a:t>
-            </a:r>
-          </a:p>
-          <a:p>
-            <a:pPr algn="just">
-              <a:lnSpc>
-                <a:spcPct val="120000"/>
-              </a:lnSpc>
-            </a:pPr>
-            <a:r>
-              <a:rPr lang="ru-RU" sz="2600" dirty="0">
-                <a:latin typeface="Times New Roman" panose="02020603050405020304" pitchFamily="18" charset="0"/>
-                <a:cs typeface="Times New Roman" panose="02020603050405020304" pitchFamily="18" charset="0"/>
-              </a:rPr>
-              <a:t>﻿Сравнение производительности различных методов передачи данных.</a:t>
-            </a:r>
-          </a:p>
-          <a:p>
-            <a:pPr marL="0" indent="0" algn="just">
-              <a:buNone/>
-            </a:pPr>
-            <a:endParaRPr lang="ru-RU" sz="2600" dirty="0">
-              <a:latin typeface="Times New Roman" panose="02020603050405020304" pitchFamily="18" charset="0"/>
-              <a:cs typeface="Times New Roman" panose="02020603050405020304" pitchFamily="18" charset="0"/>
-            </a:endParaRPr>
-          </a:p>
-        </p:txBody>
-      </p:sp>
-      <p:sp>
-        <p:nvSpPr>
-          <p:cNvPr id="4" name="Объект 2"/>
+              <a:t>Данная работа направлена на изучение и оптимизацию этого аспекта.</a:t>
+            </a:r>
+          </a:p>
+          <a:p>
+            <a:endParaRPr lang="ru-RU" dirty="0"/>
+          </a:p>
+        </p:txBody>
+      </p:sp>
+      <p:sp>
+        <p:nvSpPr>
+          <p:cNvPr id="4" name="Объект 2">
+            <a:extLst>
+              <a:ext uri="{FF2B5EF4-FFF2-40B4-BE49-F238E27FC236}">
+                <a16:creationId xmlns:a16="http://schemas.microsoft.com/office/drawing/2014/main" id="{D46E95C5-DF54-3E85-70B3-E2AA17203DC7}"/>
+              </a:ext>
+            </a:extLst>
+          </p:cNvPr>
           <p:cNvSpPr txBox="1">
             <a:spLocks/>
           </p:cNvSpPr>
@@ -8716,7 +9137,7 @@
         </p:nvSpPr>
         <p:spPr>
           <a:xfrm>
-            <a:off x="4134780" y="4793292"/>
+            <a:off x="4355976" y="4794814"/>
             <a:ext cx="802432" cy="348686"/>
           </a:xfrm>
           <a:prstGeom prst="rect">
@@ -8906,7 +9327,7 @@
             </a:r>
             <a:r>
               <a:rPr lang="ru-RU" sz="1400" dirty="0"/>
-              <a:t>19</a:t>
+              <a:t>20</a:t>
             </a:r>
           </a:p>
         </p:txBody>
@@ -8914,7 +9335,7 @@
     </p:spTree>
     <p:extLst>
       <p:ext uri="{BB962C8B-B14F-4D97-AF65-F5344CB8AC3E}">
-        <p14:creationId xmlns:p14="http://schemas.microsoft.com/office/powerpoint/2010/main" val="2683272699"/>
+        <p14:creationId xmlns:p14="http://schemas.microsoft.com/office/powerpoint/2010/main" val="434456303"/>
       </p:ext>
     </p:extLst>
   </p:cSld>
@@ -8943,10 +9364,43 @@
       </p:grpSpPr>
       <p:sp>
         <p:nvSpPr>
-          <p:cNvPr id="3" name="Объект 2">
-            <a:extLst>
-              <a:ext uri="{FF2B5EF4-FFF2-40B4-BE49-F238E27FC236}">
-                <a16:creationId xmlns:a16="http://schemas.microsoft.com/office/drawing/2014/main" id="{4D44F085-ADEC-22A1-DF53-AFB6B18BA358}"/>
+          <p:cNvPr id="2" name="Заголовок 1">
+            <a:extLst>
+              <a:ext uri="{FF2B5EF4-FFF2-40B4-BE49-F238E27FC236}">
+                <a16:creationId xmlns:a16="http://schemas.microsoft.com/office/drawing/2014/main" id="{AAAE8B92-339C-77F9-5BA7-DC0AF3282216}"/>
+              </a:ext>
+            </a:extLst>
+          </p:cNvPr>
+          <p:cNvSpPr>
+            <a:spLocks noGrp="1"/>
+          </p:cNvSpPr>
+          <p:nvPr>
+            <p:ph type="title"/>
+          </p:nvPr>
+        </p:nvSpPr>
+        <p:spPr/>
+        <p:txBody>
+          <a:bodyPr>
+            <a:normAutofit/>
+          </a:bodyPr>
+          <a:lstStyle/>
+          <a:p>
+            <a:r>
+              <a:rPr lang="ru-RU" sz="3200" dirty="0">
+                <a:latin typeface="Times New Roman" panose="02020603050405020304" pitchFamily="18" charset="0"/>
+                <a:cs typeface="Times New Roman" panose="02020603050405020304" pitchFamily="18" charset="0"/>
+              </a:rPr>
+              <a:t>Цель и задачи</a:t>
+            </a:r>
+          </a:p>
+        </p:txBody>
+      </p:sp>
+      <p:sp>
+        <p:nvSpPr>
+          <p:cNvPr id="4" name="Объект 2">
+            <a:extLst>
+              <a:ext uri="{FF2B5EF4-FFF2-40B4-BE49-F238E27FC236}">
+                <a16:creationId xmlns:a16="http://schemas.microsoft.com/office/drawing/2014/main" id="{D1F7B716-5B1C-0A76-4DDF-66FEAE816042}"/>
               </a:ext>
             </a:extLst>
           </p:cNvPr>
@@ -8957,108 +9411,136 @@
             <p:ph idx="1"/>
           </p:nvPr>
         </p:nvSpPr>
-        <p:spPr>
-          <a:xfrm>
-            <a:off x="628650" y="939998"/>
-            <a:ext cx="7886700" cy="3263504"/>
-          </a:xfrm>
-        </p:spPr>
-        <p:txBody>
-          <a:bodyPr/>
+        <p:spPr/>
+        <p:txBody>
+          <a:bodyPr>
+            <a:noAutofit/>
+          </a:bodyPr>
           <a:lstStyle/>
+          <a:p>
+            <a:pPr marL="0" indent="0" algn="just">
+              <a:lnSpc>
+                <a:spcPct val="120000"/>
+              </a:lnSpc>
+              <a:buNone/>
+            </a:pPr>
+            <a:r>
+              <a:rPr lang="ru-RU" sz="1600" b="1" dirty="0">
+                <a:latin typeface="Times New Roman" panose="02020603050405020304" pitchFamily="18" charset="0"/>
+                <a:cs typeface="Times New Roman" panose="02020603050405020304" pitchFamily="18" charset="0"/>
+              </a:rPr>
+              <a:t>Цель работы:</a:t>
+            </a:r>
+            <a:r>
+              <a:rPr lang="ru-RU" sz="1600" dirty="0">
+                <a:latin typeface="Times New Roman" panose="02020603050405020304" pitchFamily="18" charset="0"/>
+                <a:cs typeface="Times New Roman" panose="02020603050405020304" pitchFamily="18" charset="0"/>
+              </a:rPr>
+              <a:t> определение наиболее эффективного и быстрого метода передачи данных большого объема в сервисно-ориентированной архитектуре.</a:t>
+            </a:r>
+          </a:p>
+          <a:p>
+            <a:pPr marL="0" indent="0" algn="just">
+              <a:lnSpc>
+                <a:spcPct val="120000"/>
+              </a:lnSpc>
+              <a:buNone/>
+            </a:pPr>
+            <a:r>
+              <a:rPr lang="ru-RU" sz="1600" dirty="0">
+                <a:latin typeface="Times New Roman" panose="02020603050405020304" pitchFamily="18" charset="0"/>
+                <a:cs typeface="Times New Roman" panose="02020603050405020304" pitchFamily="18" charset="0"/>
+              </a:rPr>
+              <a:t>Для достижения поставленной цели решались следующие </a:t>
+            </a:r>
+            <a:r>
+              <a:rPr lang="ru-RU" sz="1600" b="1" dirty="0">
+                <a:latin typeface="Times New Roman" panose="02020603050405020304" pitchFamily="18" charset="0"/>
+                <a:cs typeface="Times New Roman" panose="02020603050405020304" pitchFamily="18" charset="0"/>
+              </a:rPr>
+              <a:t>задачи</a:t>
+            </a:r>
+            <a:r>
+              <a:rPr lang="ru-RU" sz="1600" dirty="0">
+                <a:latin typeface="Times New Roman" panose="02020603050405020304" pitchFamily="18" charset="0"/>
+                <a:cs typeface="Times New Roman" panose="02020603050405020304" pitchFamily="18" charset="0"/>
+              </a:rPr>
+              <a:t>:</a:t>
+            </a:r>
+          </a:p>
+          <a:p>
+            <a:pPr algn="just">
+              <a:lnSpc>
+                <a:spcPct val="120000"/>
+              </a:lnSpc>
+            </a:pPr>
+            <a:r>
+              <a:rPr lang="ru-RU" sz="1600" dirty="0">
+                <a:latin typeface="Times New Roman" panose="02020603050405020304" pitchFamily="18" charset="0"/>
+                <a:cs typeface="Times New Roman" panose="02020603050405020304" pitchFamily="18" charset="0"/>
+              </a:rPr>
+              <a:t>﻿Изучение сервисно-ориентированных архитектур и протоколов НТТР/1.1 и НТТР/2.0.</a:t>
+            </a:r>
+          </a:p>
+          <a:p>
+            <a:pPr algn="just">
+              <a:lnSpc>
+                <a:spcPct val="120000"/>
+              </a:lnSpc>
+            </a:pPr>
+            <a:r>
+              <a:rPr lang="ru-RU" sz="1600" dirty="0">
+                <a:latin typeface="Times New Roman" panose="02020603050405020304" pitchFamily="18" charset="0"/>
+                <a:cs typeface="Times New Roman" panose="02020603050405020304" pitchFamily="18" charset="0"/>
+              </a:rPr>
+              <a:t>﻿Разработка и реализация клиент-серверной системы на </a:t>
+            </a:r>
+            <a:r>
+              <a:rPr lang="en" sz="1600" dirty="0">
+                <a:latin typeface="Times New Roman" panose="02020603050405020304" pitchFamily="18" charset="0"/>
+                <a:cs typeface="Times New Roman" panose="02020603050405020304" pitchFamily="18" charset="0"/>
+              </a:rPr>
+              <a:t>Python </a:t>
+            </a:r>
+            <a:r>
+              <a:rPr lang="ru-RU" sz="1600" dirty="0">
+                <a:latin typeface="Times New Roman" panose="02020603050405020304" pitchFamily="18" charset="0"/>
+                <a:cs typeface="Times New Roman" panose="02020603050405020304" pitchFamily="18" charset="0"/>
+              </a:rPr>
+              <a:t>для передачи данных большого объема.</a:t>
+            </a:r>
+          </a:p>
+          <a:p>
+            <a:pPr algn="just">
+              <a:lnSpc>
+                <a:spcPct val="120000"/>
+              </a:lnSpc>
+            </a:pPr>
+            <a:r>
+              <a:rPr lang="ru-RU" sz="1600" dirty="0">
+                <a:latin typeface="Times New Roman" panose="02020603050405020304" pitchFamily="18" charset="0"/>
+                <a:cs typeface="Times New Roman" panose="02020603050405020304" pitchFamily="18" charset="0"/>
+              </a:rPr>
+              <a:t>﻿Сравнение производительности различных методов передачи данных.</a:t>
+            </a:r>
+          </a:p>
           <a:p>
             <a:pPr marL="0" indent="0" algn="just">
               <a:buNone/>
             </a:pPr>
-            <a:r>
-              <a:rPr lang="ru-RU" sz="2400" b="1" dirty="0">
-                <a:latin typeface="Times New Roman" panose="02020603050405020304" pitchFamily="18" charset="0"/>
-                <a:cs typeface="Times New Roman" panose="02020603050405020304" pitchFamily="18" charset="0"/>
-              </a:rPr>
-              <a:t>Объект исследования:</a:t>
-            </a:r>
-            <a:r>
-              <a:rPr lang="ru-RU" sz="2400" dirty="0">
-                <a:latin typeface="Times New Roman" panose="02020603050405020304" pitchFamily="18" charset="0"/>
-                <a:cs typeface="Times New Roman" panose="02020603050405020304" pitchFamily="18" charset="0"/>
-              </a:rPr>
-              <a:t> текст</a:t>
-            </a:r>
-          </a:p>
-          <a:p>
-            <a:pPr marL="0" indent="0" algn="just">
-              <a:buNone/>
-            </a:pPr>
-            <a:r>
-              <a:rPr lang="ru-RU" sz="2400" b="1" dirty="0">
-                <a:latin typeface="Times New Roman" panose="02020603050405020304" pitchFamily="18" charset="0"/>
-                <a:cs typeface="Times New Roman" panose="02020603050405020304" pitchFamily="18" charset="0"/>
-              </a:rPr>
-              <a:t>Предмет исследования:</a:t>
-            </a:r>
-            <a:r>
-              <a:rPr lang="ru-RU" sz="2400" dirty="0">
-                <a:latin typeface="Times New Roman" panose="02020603050405020304" pitchFamily="18" charset="0"/>
-                <a:cs typeface="Times New Roman" panose="02020603050405020304" pitchFamily="18" charset="0"/>
-              </a:rPr>
-              <a:t> текст</a:t>
-            </a:r>
-          </a:p>
-          <a:p>
-            <a:pPr marL="0" indent="0">
-              <a:buNone/>
-            </a:pPr>
-            <a:r>
-              <a:rPr lang="ru-RU" sz="2000" b="1" dirty="0">
-                <a:latin typeface="Times New Roman" pitchFamily="18" charset="0"/>
-                <a:cs typeface="Times New Roman" pitchFamily="18" charset="0"/>
-              </a:rPr>
-              <a:t>Практическая значимость работы</a:t>
-            </a:r>
-            <a:r>
-              <a:rPr lang="ru-RU" sz="2000" dirty="0">
-                <a:latin typeface="Times New Roman" pitchFamily="18" charset="0"/>
-                <a:cs typeface="Times New Roman" pitchFamily="18" charset="0"/>
-              </a:rPr>
-              <a:t>: текст</a:t>
-            </a:r>
-          </a:p>
-          <a:p>
-            <a:pPr marL="0" indent="0">
-              <a:buNone/>
-            </a:pPr>
-            <a:r>
-              <a:rPr lang="ru-RU" sz="2000" b="1" dirty="0">
-                <a:latin typeface="Times New Roman" pitchFamily="18" charset="0"/>
-                <a:cs typeface="Times New Roman" pitchFamily="18" charset="0"/>
-              </a:rPr>
-              <a:t>Актуальность: </a:t>
-            </a:r>
-            <a:r>
-              <a:rPr lang="ru-RU" sz="2000" dirty="0">
-                <a:latin typeface="Times New Roman" pitchFamily="18" charset="0"/>
-                <a:cs typeface="Times New Roman" pitchFamily="18" charset="0"/>
-              </a:rPr>
-              <a:t>текст</a:t>
-            </a:r>
-          </a:p>
-          <a:p>
-            <a:pPr marL="0" indent="0">
-              <a:buNone/>
-            </a:pPr>
-            <a:endParaRPr lang="ru-RU" sz="2000" dirty="0">
-              <a:latin typeface="Times New Roman" pitchFamily="18" charset="0"/>
-              <a:cs typeface="Times New Roman" pitchFamily="18" charset="0"/>
+            <a:endParaRPr lang="ru-RU" sz="1600" dirty="0">
+              <a:latin typeface="Times New Roman" panose="02020603050405020304" pitchFamily="18" charset="0"/>
+              <a:cs typeface="Times New Roman" panose="02020603050405020304" pitchFamily="18" charset="0"/>
             </a:endParaRPr>
           </a:p>
         </p:txBody>
       </p:sp>
       <p:sp>
         <p:nvSpPr>
-          <p:cNvPr id="4" name="Объект 2">
-            <a:extLst>
-              <a:ext uri="{FF2B5EF4-FFF2-40B4-BE49-F238E27FC236}">
-                <a16:creationId xmlns:a16="http://schemas.microsoft.com/office/drawing/2014/main" id="{A2275155-5177-55FE-C56C-D1E35BB7228E}"/>
+          <p:cNvPr id="6" name="Объект 2">
+            <a:extLst>
+              <a:ext uri="{FF2B5EF4-FFF2-40B4-BE49-F238E27FC236}">
+                <a16:creationId xmlns:a16="http://schemas.microsoft.com/office/drawing/2014/main" id="{FA94D04D-CEA9-06F5-8E1A-77D2E64EF20B}"/>
               </a:ext>
             </a:extLst>
           </p:cNvPr>
@@ -9259,7 +9741,7 @@
             </a:r>
             <a:r>
               <a:rPr lang="ru-RU" sz="1400" dirty="0"/>
-              <a:t>19</a:t>
+              <a:t>20</a:t>
             </a:r>
           </a:p>
         </p:txBody>
@@ -9267,7 +9749,7 @@
     </p:spTree>
     <p:extLst>
       <p:ext uri="{BB962C8B-B14F-4D97-AF65-F5344CB8AC3E}">
-        <p14:creationId xmlns:p14="http://schemas.microsoft.com/office/powerpoint/2010/main" val="1662919325"/>
+        <p14:creationId xmlns:p14="http://schemas.microsoft.com/office/powerpoint/2010/main" val="970309328"/>
       </p:ext>
     </p:extLst>
   </p:cSld>
@@ -9299,7 +9781,7 @@
           <p:cNvPr id="2" name="Заголовок 1">
             <a:extLst>
               <a:ext uri="{FF2B5EF4-FFF2-40B4-BE49-F238E27FC236}">
-                <a16:creationId xmlns:a16="http://schemas.microsoft.com/office/drawing/2014/main" id="{99246984-865B-719D-8C28-C4F6C5008056}"/>
+                <a16:creationId xmlns:a16="http://schemas.microsoft.com/office/drawing/2014/main" id="{E8D3331B-03A5-BFD3-8C19-92354E22E62C}"/>
               </a:ext>
             </a:extLst>
           </p:cNvPr>
@@ -9312,62 +9794,150 @@
         </p:nvSpPr>
         <p:spPr/>
         <p:txBody>
-          <a:bodyPr/>
+          <a:bodyPr>
+            <a:normAutofit/>
+          </a:bodyPr>
           <a:lstStyle/>
           <a:p>
             <a:r>
-              <a:rPr lang="ru-RU" sz="1800" dirty="0">
-                <a:effectLst/>
+              <a:rPr lang="ru-RU" sz="3200" dirty="0">
                 <a:latin typeface="Times New Roman" panose="02020603050405020304" pitchFamily="18" charset="0"/>
-                <a:ea typeface="Calibri" panose="020F0502020204030204" pitchFamily="34" charset="0"/>
-              </a:rPr>
-              <a:t>Сравнение архитектурных стилей АРІ</a:t>
-            </a:r>
-            <a:endParaRPr lang="ru-RU" dirty="0"/>
-          </a:p>
-        </p:txBody>
-      </p:sp>
-      <p:pic>
-        <p:nvPicPr>
-          <p:cNvPr id="7" name="Объект 6">
-            <a:extLst>
-              <a:ext uri="{FF2B5EF4-FFF2-40B4-BE49-F238E27FC236}">
-                <a16:creationId xmlns:a16="http://schemas.microsoft.com/office/drawing/2014/main" id="{2EAFFB5B-CFB1-5A26-B5E9-B73BF5CF101B}"/>
-              </a:ext>
-            </a:extLst>
-          </p:cNvPr>
-          <p:cNvPicPr>
-            <a:picLocks noGrp="1" noChangeAspect="1"/>
-          </p:cNvPicPr>
+                <a:cs typeface="Times New Roman" panose="02020603050405020304" pitchFamily="18" charset="0"/>
+              </a:rPr>
+              <a:t>Объект и предмет исследования</a:t>
+            </a:r>
+          </a:p>
+        </p:txBody>
+      </p:sp>
+      <p:sp>
+        <p:nvSpPr>
+          <p:cNvPr id="4" name="Объект 2">
+            <a:extLst>
+              <a:ext uri="{FF2B5EF4-FFF2-40B4-BE49-F238E27FC236}">
+                <a16:creationId xmlns:a16="http://schemas.microsoft.com/office/drawing/2014/main" id="{822F8659-A298-F5F5-53DB-69FA7543F498}"/>
+              </a:ext>
+            </a:extLst>
+          </p:cNvPr>
+          <p:cNvSpPr>
+            <a:spLocks noGrp="1"/>
+          </p:cNvSpPr>
           <p:nvPr>
             <p:ph idx="1"/>
           </p:nvPr>
-        </p:nvPicPr>
-        <p:blipFill>
-          <a:blip r:embed="rId2">
-            <a:extLst>
-              <a:ext uri="{28A0092B-C50C-407E-A947-70E740481C1C}">
-                <a14:useLocalDpi xmlns:a14="http://schemas.microsoft.com/office/drawing/2010/main" val="0"/>
-              </a:ext>
-            </a:extLst>
-          </a:blip>
-          <a:stretch>
-            <a:fillRect/>
-          </a:stretch>
-        </p:blipFill>
-        <p:spPr>
-          <a:xfrm>
-            <a:off x="1174047" y="1368425"/>
-            <a:ext cx="6795906" cy="3263900"/>
-          </a:xfrm>
-        </p:spPr>
-      </p:pic>
-      <p:sp>
-        <p:nvSpPr>
-          <p:cNvPr id="8" name="Объект 2">
-            <a:extLst>
-              <a:ext uri="{FF2B5EF4-FFF2-40B4-BE49-F238E27FC236}">
-                <a16:creationId xmlns:a16="http://schemas.microsoft.com/office/drawing/2014/main" id="{55618A54-BBD4-729C-CB24-3164C210C999}"/>
+        </p:nvSpPr>
+        <p:spPr/>
+        <p:txBody>
+          <a:bodyPr>
+            <a:normAutofit/>
+          </a:bodyPr>
+          <a:lstStyle/>
+          <a:p>
+            <a:pPr marL="0" indent="0" algn="just">
+              <a:buNone/>
+            </a:pPr>
+            <a:r>
+              <a:rPr lang="ru-RU" sz="2000" b="1" dirty="0">
+                <a:latin typeface="Times New Roman" panose="02020603050405020304" pitchFamily="18" charset="0"/>
+                <a:cs typeface="Times New Roman" panose="02020603050405020304" pitchFamily="18" charset="0"/>
+              </a:rPr>
+              <a:t>Объект исследования:</a:t>
+            </a:r>
+            <a:r>
+              <a:rPr lang="ru-RU" sz="2000" dirty="0">
+                <a:latin typeface="Times New Roman" panose="02020603050405020304" pitchFamily="18" charset="0"/>
+                <a:cs typeface="Times New Roman" panose="02020603050405020304" pitchFamily="18" charset="0"/>
+              </a:rPr>
+              <a:t> методы межсервисного взаимодействия.</a:t>
+            </a:r>
+          </a:p>
+          <a:p>
+            <a:pPr marL="0" indent="0" algn="just">
+              <a:buNone/>
+            </a:pPr>
+            <a:r>
+              <a:rPr lang="ru-RU" sz="2000" b="1" dirty="0">
+                <a:latin typeface="Times New Roman" panose="02020603050405020304" pitchFamily="18" charset="0"/>
+                <a:cs typeface="Times New Roman" panose="02020603050405020304" pitchFamily="18" charset="0"/>
+              </a:rPr>
+              <a:t>Предмет исследования:</a:t>
+            </a:r>
+            <a:r>
+              <a:rPr lang="ru-RU" sz="2000" dirty="0">
+                <a:latin typeface="Times New Roman" panose="02020603050405020304" pitchFamily="18" charset="0"/>
+                <a:cs typeface="Times New Roman" panose="02020603050405020304" pitchFamily="18" charset="0"/>
+              </a:rPr>
+              <a:t> алгоритм сравнения передачи данных большого объема в сервисно-ориентированной архитектуре.</a:t>
+            </a:r>
+          </a:p>
+          <a:p>
+            <a:pPr marL="0" indent="0">
+              <a:buNone/>
+            </a:pPr>
+            <a:r>
+              <a:rPr lang="ru-RU" sz="2000" b="1" dirty="0">
+                <a:latin typeface="Times New Roman" pitchFamily="18" charset="0"/>
+                <a:cs typeface="Times New Roman" pitchFamily="18" charset="0"/>
+              </a:rPr>
+              <a:t>Практическая значимость работы</a:t>
+            </a:r>
+            <a:r>
+              <a:rPr lang="ru-RU" sz="2000" dirty="0">
+                <a:latin typeface="Times New Roman" pitchFamily="18" charset="0"/>
+                <a:cs typeface="Times New Roman" pitchFamily="18" charset="0"/>
+              </a:rPr>
+              <a:t>: использование полученных результатов при разработке межсервисной системы взаимодействия.</a:t>
+            </a:r>
+          </a:p>
+          <a:p>
+            <a:pPr marL="0" indent="0">
+              <a:buNone/>
+            </a:pPr>
+            <a:r>
+              <a:rPr lang="ru-RU" sz="2000" b="1" dirty="0">
+                <a:latin typeface="Times New Roman" pitchFamily="18" charset="0"/>
+                <a:cs typeface="Times New Roman" pitchFamily="18" charset="0"/>
+              </a:rPr>
+              <a:t>Актуальность: </a:t>
+            </a:r>
+            <a:r>
+              <a:rPr lang="ru-RU" sz="2000" dirty="0">
+                <a:latin typeface="Times New Roman" pitchFamily="18" charset="0"/>
+                <a:cs typeface="Times New Roman" pitchFamily="18" charset="0"/>
+              </a:rPr>
+              <a:t>Ускорение</a:t>
+            </a:r>
+            <a:r>
+              <a:rPr lang="ru-RU" sz="2000" b="1" dirty="0">
+                <a:latin typeface="Times New Roman" pitchFamily="18" charset="0"/>
+                <a:cs typeface="Times New Roman" pitchFamily="18" charset="0"/>
+              </a:rPr>
+              <a:t> </a:t>
+            </a:r>
+            <a:r>
+              <a:rPr lang="ru-RU" sz="2000" dirty="0">
+                <a:latin typeface="Times New Roman" pitchFamily="18" charset="0"/>
+                <a:cs typeface="Times New Roman" pitchFamily="18" charset="0"/>
+              </a:rPr>
+              <a:t>межсервисного взаимодействия</a:t>
+            </a:r>
+          </a:p>
+          <a:p>
+            <a:pPr marL="0" indent="0">
+              <a:buNone/>
+            </a:pPr>
+            <a:endParaRPr lang="ru-RU" sz="2000" dirty="0">
+              <a:latin typeface="Times New Roman" pitchFamily="18" charset="0"/>
+              <a:cs typeface="Times New Roman" pitchFamily="18" charset="0"/>
+            </a:endParaRPr>
+          </a:p>
+        </p:txBody>
+      </p:sp>
+      <p:sp>
+        <p:nvSpPr>
+          <p:cNvPr id="5" name="Объект 2">
+            <a:extLst>
+              <a:ext uri="{FF2B5EF4-FFF2-40B4-BE49-F238E27FC236}">
+                <a16:creationId xmlns:a16="http://schemas.microsoft.com/office/drawing/2014/main" id="{F4E0182B-05E2-6910-7252-50EF88F96287}"/>
               </a:ext>
             </a:extLst>
           </p:cNvPr>
@@ -9378,7 +9948,7 @@
         </p:nvSpPr>
         <p:spPr>
           <a:xfrm>
-            <a:off x="4134780" y="4793292"/>
+            <a:off x="4170784" y="4794814"/>
             <a:ext cx="802432" cy="348686"/>
           </a:xfrm>
           <a:prstGeom prst="rect">
@@ -9568,7 +10138,7 @@
             </a:r>
             <a:r>
               <a:rPr lang="ru-RU" sz="1400" dirty="0"/>
-              <a:t>19</a:t>
+              <a:t>20</a:t>
             </a:r>
           </a:p>
         </p:txBody>
@@ -9576,7 +10146,7 @@
     </p:spTree>
     <p:extLst>
       <p:ext uri="{BB962C8B-B14F-4D97-AF65-F5344CB8AC3E}">
-        <p14:creationId xmlns:p14="http://schemas.microsoft.com/office/powerpoint/2010/main" val="1548285591"/>
+        <p14:creationId xmlns:p14="http://schemas.microsoft.com/office/powerpoint/2010/main" val="4138727197"/>
       </p:ext>
     </p:extLst>
   </p:cSld>
@@ -9608,7 +10178,7 @@
           <p:cNvPr id="2" name="Заголовок 1">
             <a:extLst>
               <a:ext uri="{FF2B5EF4-FFF2-40B4-BE49-F238E27FC236}">
-                <a16:creationId xmlns:a16="http://schemas.microsoft.com/office/drawing/2014/main" id="{782D0F4B-2EE8-572A-E896-F80E848A9D66}"/>
+                <a16:creationId xmlns:a16="http://schemas.microsoft.com/office/drawing/2014/main" id="{B5F41A40-2410-9F73-E0D1-29F1E7BAB951}"/>
               </a:ext>
             </a:extLst>
           </p:cNvPr>
@@ -9619,54 +10189,109 @@
             <p:ph type="title"/>
           </p:nvPr>
         </p:nvSpPr>
-        <p:spPr/>
-        <p:txBody>
-          <a:bodyPr/>
+        <p:spPr>
+          <a:xfrm>
+            <a:off x="628650" y="209426"/>
+            <a:ext cx="7886700" cy="994172"/>
+          </a:xfrm>
+        </p:spPr>
+        <p:txBody>
+          <a:bodyPr>
+            <a:normAutofit/>
+          </a:bodyPr>
           <a:lstStyle/>
           <a:p>
             <a:r>
-              <a:rPr lang="ru-RU" sz="1800" dirty="0">
+              <a:rPr lang="ru-RU" sz="3200" dirty="0">
                 <a:effectLst/>
                 <a:latin typeface="Times New Roman" panose="02020603050405020304" pitchFamily="18" charset="0"/>
                 <a:ea typeface="Calibri" panose="020F0502020204030204" pitchFamily="34" charset="0"/>
               </a:rPr>
-              <a:t>Синхронная передача данных</a:t>
-            </a:r>
-            <a:endParaRPr lang="ru-RU" dirty="0"/>
-          </a:p>
-        </p:txBody>
-      </p:sp>
-      <p:sp>
-        <p:nvSpPr>
-          <p:cNvPr id="3" name="Объект 2">
-            <a:extLst>
-              <a:ext uri="{FF2B5EF4-FFF2-40B4-BE49-F238E27FC236}">
-                <a16:creationId xmlns:a16="http://schemas.microsoft.com/office/drawing/2014/main" id="{44889AF4-3549-86A0-15E7-EE2BB6CEB475}"/>
-              </a:ext>
-            </a:extLst>
-          </p:cNvPr>
-          <p:cNvSpPr>
-            <a:spLocks noGrp="1"/>
-          </p:cNvSpPr>
+              <a:t>Сравнение архитектурных стилей АРІ</a:t>
+            </a:r>
+            <a:endParaRPr lang="ru-RU" sz="3200" dirty="0"/>
+          </a:p>
+        </p:txBody>
+      </p:sp>
+      <p:pic>
+        <p:nvPicPr>
+          <p:cNvPr id="4" name="Объект 6">
+            <a:extLst>
+              <a:ext uri="{FF2B5EF4-FFF2-40B4-BE49-F238E27FC236}">
+                <a16:creationId xmlns:a16="http://schemas.microsoft.com/office/drawing/2014/main" id="{9CDCE79F-367B-CEC5-D934-9AD51302F04A}"/>
+              </a:ext>
+            </a:extLst>
+          </p:cNvPr>
+          <p:cNvPicPr>
+            <a:picLocks noGrp="1" noChangeAspect="1"/>
+          </p:cNvPicPr>
           <p:nvPr>
             <p:ph idx="1"/>
           </p:nvPr>
-        </p:nvSpPr>
-        <p:spPr/>
-        <p:txBody>
-          <a:bodyPr/>
+        </p:nvPicPr>
+        <p:blipFill>
+          <a:blip r:embed="rId2">
+            <a:extLst>
+              <a:ext uri="{28A0092B-C50C-407E-A947-70E740481C1C}">
+                <a14:useLocalDpi xmlns:a14="http://schemas.microsoft.com/office/drawing/2010/main" val="0"/>
+              </a:ext>
+            </a:extLst>
+          </a:blip>
+          <a:stretch>
+            <a:fillRect/>
+          </a:stretch>
+        </p:blipFill>
+        <p:spPr>
+          <a:xfrm>
+            <a:off x="1226717" y="1128844"/>
+            <a:ext cx="6393714" cy="3070737"/>
+          </a:xfrm>
+        </p:spPr>
+      </p:pic>
+      <p:sp>
+        <p:nvSpPr>
+          <p:cNvPr id="5" name="TextBox 4">
+            <a:extLst>
+              <a:ext uri="{FF2B5EF4-FFF2-40B4-BE49-F238E27FC236}">
+                <a16:creationId xmlns:a16="http://schemas.microsoft.com/office/drawing/2014/main" id="{3A1FB497-614D-BFD6-B2B0-86735FE4B29C}"/>
+              </a:ext>
+            </a:extLst>
+          </p:cNvPr>
+          <p:cNvSpPr txBox="1"/>
+          <p:nvPr/>
+        </p:nvSpPr>
+        <p:spPr>
+          <a:xfrm>
+            <a:off x="1907705" y="4208189"/>
+            <a:ext cx="5832647" cy="307777"/>
+          </a:xfrm>
+          <a:prstGeom prst="rect">
+            <a:avLst/>
+          </a:prstGeom>
+          <a:noFill/>
+        </p:spPr>
+        <p:txBody>
+          <a:bodyPr wrap="square" rtlCol="0">
+            <a:spAutoFit/>
+          </a:bodyPr>
           <a:lstStyle/>
           <a:p>
-            <a:endParaRPr lang="ru-RU" dirty="0"/>
-          </a:p>
-        </p:txBody>
-      </p:sp>
-      <p:sp>
-        <p:nvSpPr>
-          <p:cNvPr id="4" name="Объект 2">
-            <a:extLst>
-              <a:ext uri="{FF2B5EF4-FFF2-40B4-BE49-F238E27FC236}">
-                <a16:creationId xmlns:a16="http://schemas.microsoft.com/office/drawing/2014/main" id="{467E956C-7391-68BB-1BB4-09E338DB6FF9}"/>
+            <a:r>
+              <a:rPr lang="ru-RU" sz="1400" dirty="0">
+                <a:latin typeface="Times New Roman" panose="02020603050405020304" pitchFamily="18" charset="0"/>
+                <a:cs typeface="Times New Roman" panose="02020603050405020304" pitchFamily="18" charset="0"/>
+              </a:rPr>
+              <a:t>Рисунок 1 – Критерии сравнения рассмотренных архитектур</a:t>
+            </a:r>
+          </a:p>
+        </p:txBody>
+      </p:sp>
+      <p:sp>
+        <p:nvSpPr>
+          <p:cNvPr id="6" name="Объект 2">
+            <a:extLst>
+              <a:ext uri="{FF2B5EF4-FFF2-40B4-BE49-F238E27FC236}">
+                <a16:creationId xmlns:a16="http://schemas.microsoft.com/office/drawing/2014/main" id="{C4033B7B-2A78-836F-A316-7C8D7DFA4EA1}"/>
               </a:ext>
             </a:extLst>
           </p:cNvPr>
@@ -9677,7 +10302,7 @@
         </p:nvSpPr>
         <p:spPr>
           <a:xfrm>
-            <a:off x="4134780" y="4793292"/>
+            <a:off x="4451317" y="4815352"/>
             <a:ext cx="802432" cy="348686"/>
           </a:xfrm>
           <a:prstGeom prst="rect">
@@ -9867,7 +10492,7 @@
             </a:r>
             <a:r>
               <a:rPr lang="ru-RU" sz="1400" dirty="0"/>
-              <a:t>19</a:t>
+              <a:t>20</a:t>
             </a:r>
           </a:p>
         </p:txBody>
@@ -9875,7 +10500,7 @@
     </p:spTree>
     <p:extLst>
       <p:ext uri="{BB962C8B-B14F-4D97-AF65-F5344CB8AC3E}">
-        <p14:creationId xmlns:p14="http://schemas.microsoft.com/office/powerpoint/2010/main" val="1912055160"/>
+        <p14:creationId xmlns:p14="http://schemas.microsoft.com/office/powerpoint/2010/main" val="2509899296"/>
       </p:ext>
     </p:extLst>
   </p:cSld>
@@ -9907,7 +10532,7 @@
           <p:cNvPr id="2" name="Заголовок 1">
             <a:extLst>
               <a:ext uri="{FF2B5EF4-FFF2-40B4-BE49-F238E27FC236}">
-                <a16:creationId xmlns:a16="http://schemas.microsoft.com/office/drawing/2014/main" id="{BFE36C50-F43D-4CF8-C1E5-12F464593151}"/>
+                <a16:creationId xmlns:a16="http://schemas.microsoft.com/office/drawing/2014/main" id="{782D0F4B-2EE8-572A-E896-F80E848A9D66}"/>
               </a:ext>
             </a:extLst>
           </p:cNvPr>
@@ -9920,97 +10545,141 @@
         </p:nvSpPr>
         <p:spPr/>
         <p:txBody>
-          <a:bodyPr/>
+          <a:bodyPr>
+            <a:normAutofit/>
+          </a:bodyPr>
           <a:lstStyle/>
           <a:p>
             <a:r>
-              <a:rPr lang="ru-RU" sz="1800" dirty="0" err="1">
+              <a:rPr lang="ru-RU" sz="3200" dirty="0">
                 <a:effectLst/>
                 <a:latin typeface="Times New Roman" panose="02020603050405020304" pitchFamily="18" charset="0"/>
                 <a:ea typeface="Calibri" panose="020F0502020204030204" pitchFamily="34" charset="0"/>
               </a:rPr>
-              <a:t>Многопроцессность</a:t>
-            </a:r>
-            <a:r>
-              <a:rPr lang="ru-RU" sz="1800" dirty="0">
-                <a:effectLst/>
+              <a:t>Методы передачи данных большого разме</a:t>
+            </a:r>
+            <a:r>
+              <a:rPr lang="ru-RU" sz="3200" dirty="0">
                 <a:latin typeface="Times New Roman" panose="02020603050405020304" pitchFamily="18" charset="0"/>
                 <a:ea typeface="Calibri" panose="020F0502020204030204" pitchFamily="34" charset="0"/>
               </a:rPr>
-              <a:t> и многопоточность</a:t>
-            </a:r>
-            <a:endParaRPr lang="ru-RU" dirty="0"/>
-          </a:p>
-        </p:txBody>
-      </p:sp>
-      <p:pic>
-        <p:nvPicPr>
-          <p:cNvPr id="4" name="Объект 3">
-            <a:extLst>
-              <a:ext uri="{FF2B5EF4-FFF2-40B4-BE49-F238E27FC236}">
-                <a16:creationId xmlns:a16="http://schemas.microsoft.com/office/drawing/2014/main" id="{370A4EE8-153F-6135-30DB-10C5EED2FDFA}"/>
-              </a:ext>
-            </a:extLst>
-          </p:cNvPr>
-          <p:cNvPicPr>
-            <a:picLocks noGrp="1" noChangeAspect="1"/>
-          </p:cNvPicPr>
+              <a:t>ра в клиент - серверной архитектуре на </a:t>
+            </a:r>
+            <a:r>
+              <a:rPr lang="en-US" sz="3200" dirty="0">
+                <a:latin typeface="Times New Roman" panose="02020603050405020304" pitchFamily="18" charset="0"/>
+                <a:ea typeface="Calibri" panose="020F0502020204030204" pitchFamily="34" charset="0"/>
+              </a:rPr>
+              <a:t>Python</a:t>
+            </a:r>
+            <a:endParaRPr lang="ru-RU" sz="3200" dirty="0"/>
+          </a:p>
+        </p:txBody>
+      </p:sp>
+      <p:sp>
+        <p:nvSpPr>
+          <p:cNvPr id="3" name="Объект 2">
+            <a:extLst>
+              <a:ext uri="{FF2B5EF4-FFF2-40B4-BE49-F238E27FC236}">
+                <a16:creationId xmlns:a16="http://schemas.microsoft.com/office/drawing/2014/main" id="{44889AF4-3549-86A0-15E7-EE2BB6CEB475}"/>
+              </a:ext>
+            </a:extLst>
+          </p:cNvPr>
+          <p:cNvSpPr>
+            <a:spLocks noGrp="1"/>
+          </p:cNvSpPr>
           <p:nvPr>
             <p:ph idx="1"/>
           </p:nvPr>
-        </p:nvPicPr>
-        <p:blipFill>
-          <a:blip r:embed="rId2"/>
-          <a:stretch>
-            <a:fillRect/>
-          </a:stretch>
-        </p:blipFill>
+        </p:nvSpPr>
         <p:spPr>
           <a:xfrm>
-            <a:off x="628650" y="1241350"/>
-            <a:ext cx="3445596" cy="2119097"/>
+            <a:off x="628650" y="1530772"/>
+            <a:ext cx="7886700" cy="3263504"/>
           </a:xfrm>
-          <a:prstGeom prst="rect">
-            <a:avLst/>
-          </a:prstGeom>
         </p:spPr>
-      </p:pic>
-      <p:pic>
-        <p:nvPicPr>
-          <p:cNvPr id="5" name="Рисунок 4">
-            <a:extLst>
-              <a:ext uri="{FF2B5EF4-FFF2-40B4-BE49-F238E27FC236}">
-                <a16:creationId xmlns:a16="http://schemas.microsoft.com/office/drawing/2014/main" id="{40B9502B-76E3-3D76-16A2-ACFFD63C52E9}"/>
-              </a:ext>
-            </a:extLst>
-          </p:cNvPr>
-          <p:cNvPicPr>
-            <a:picLocks noChangeAspect="1"/>
-          </p:cNvPicPr>
-          <p:nvPr/>
-        </p:nvPicPr>
-        <p:blipFill>
-          <a:blip r:embed="rId3"/>
-          <a:stretch>
-            <a:fillRect/>
-          </a:stretch>
-        </p:blipFill>
-        <p:spPr>
-          <a:xfrm>
-            <a:off x="5230862" y="1131590"/>
-            <a:ext cx="2630939" cy="2584908"/>
-          </a:xfrm>
-          <a:prstGeom prst="rect">
-            <a:avLst/>
-          </a:prstGeom>
-        </p:spPr>
-      </p:pic>
-      <p:sp>
-        <p:nvSpPr>
-          <p:cNvPr id="6" name="Объект 2">
-            <a:extLst>
-              <a:ext uri="{FF2B5EF4-FFF2-40B4-BE49-F238E27FC236}">
-                <a16:creationId xmlns:a16="http://schemas.microsoft.com/office/drawing/2014/main" id="{389FE120-E713-F0F3-CB12-6AD1FD60848E}"/>
+        <p:txBody>
+          <a:bodyPr>
+            <a:normAutofit/>
+          </a:bodyPr>
+          <a:lstStyle/>
+          <a:p>
+            <a:r>
+              <a:rPr lang="ru-RU" sz="2000" dirty="0">
+                <a:latin typeface="Times New Roman" panose="02020603050405020304" pitchFamily="18" charset="0"/>
+                <a:cs typeface="Times New Roman" panose="02020603050405020304" pitchFamily="18" charset="0"/>
+              </a:rPr>
+              <a:t>Синхронная передача данных</a:t>
+            </a:r>
+            <a:endParaRPr lang="en-US" sz="2000" dirty="0">
+              <a:latin typeface="Times New Roman" panose="02020603050405020304" pitchFamily="18" charset="0"/>
+              <a:cs typeface="Times New Roman" panose="02020603050405020304" pitchFamily="18" charset="0"/>
+            </a:endParaRPr>
+          </a:p>
+          <a:p>
+            <a:r>
+              <a:rPr lang="ru-RU" sz="2000" dirty="0" err="1">
+                <a:latin typeface="Times New Roman" panose="02020603050405020304" pitchFamily="18" charset="0"/>
+                <a:cs typeface="Times New Roman" panose="02020603050405020304" pitchFamily="18" charset="0"/>
+              </a:rPr>
+              <a:t>Многопроцессонсть</a:t>
+            </a:r>
+            <a:r>
+              <a:rPr lang="ru-RU" sz="2000" dirty="0">
+                <a:latin typeface="Times New Roman" panose="02020603050405020304" pitchFamily="18" charset="0"/>
+                <a:cs typeface="Times New Roman" panose="02020603050405020304" pitchFamily="18" charset="0"/>
+              </a:rPr>
+              <a:t> и многопоточность</a:t>
+            </a:r>
+          </a:p>
+          <a:p>
+            <a:r>
+              <a:rPr lang="ru-RU" sz="2000" dirty="0">
+                <a:latin typeface="Times New Roman" panose="02020603050405020304" pitchFamily="18" charset="0"/>
+                <a:cs typeface="Times New Roman" panose="02020603050405020304" pitchFamily="18" charset="0"/>
+              </a:rPr>
+              <a:t>Асинхронная передача данных</a:t>
+            </a:r>
+          </a:p>
+          <a:p>
+            <a:r>
+              <a:rPr lang="ru-RU" sz="2000" dirty="0">
+                <a:latin typeface="Times New Roman" panose="02020603050405020304" pitchFamily="18" charset="0"/>
+                <a:cs typeface="Times New Roman" panose="02020603050405020304" pitchFamily="18" charset="0"/>
+              </a:rPr>
+              <a:t>Сокеты</a:t>
+            </a:r>
+          </a:p>
+          <a:p>
+            <a:r>
+              <a:rPr lang="en-US" sz="2000" dirty="0" err="1">
+                <a:latin typeface="Times New Roman" panose="02020603050405020304" pitchFamily="18" charset="0"/>
+                <a:cs typeface="Times New Roman" panose="02020603050405020304" pitchFamily="18" charset="0"/>
+              </a:rPr>
+              <a:t>gRPC</a:t>
+            </a:r>
+            <a:endParaRPr lang="ru-RU" sz="2000" dirty="0">
+              <a:latin typeface="Times New Roman" panose="02020603050405020304" pitchFamily="18" charset="0"/>
+              <a:cs typeface="Times New Roman" panose="02020603050405020304" pitchFamily="18" charset="0"/>
+            </a:endParaRPr>
+          </a:p>
+          <a:p>
+            <a:pPr marL="0" indent="0">
+              <a:buNone/>
+            </a:pPr>
+            <a:endParaRPr lang="ru-RU" sz="2000" dirty="0">
+              <a:latin typeface="Times New Roman" panose="02020603050405020304" pitchFamily="18" charset="0"/>
+              <a:cs typeface="Times New Roman" panose="02020603050405020304" pitchFamily="18" charset="0"/>
+            </a:endParaRPr>
+          </a:p>
+        </p:txBody>
+      </p:sp>
+      <p:sp>
+        <p:nvSpPr>
+          <p:cNvPr id="4" name="Объект 2">
+            <a:extLst>
+              <a:ext uri="{FF2B5EF4-FFF2-40B4-BE49-F238E27FC236}">
+                <a16:creationId xmlns:a16="http://schemas.microsoft.com/office/drawing/2014/main" id="{467E956C-7391-68BB-1BB4-09E338DB6FF9}"/>
               </a:ext>
             </a:extLst>
           </p:cNvPr>
@@ -10211,7 +10880,7 @@
             </a:r>
             <a:r>
               <a:rPr lang="ru-RU" sz="1400" dirty="0"/>
-              <a:t>19</a:t>
+              <a:t>20</a:t>
             </a:r>
           </a:p>
         </p:txBody>
@@ -10219,7 +10888,7 @@
     </p:spTree>
     <p:extLst>
       <p:ext uri="{BB962C8B-B14F-4D97-AF65-F5344CB8AC3E}">
-        <p14:creationId xmlns:p14="http://schemas.microsoft.com/office/powerpoint/2010/main" val="3338138322"/>
+        <p14:creationId xmlns:p14="http://schemas.microsoft.com/office/powerpoint/2010/main" val="1912055160"/>
       </p:ext>
     </p:extLst>
   </p:cSld>
@@ -10251,7 +10920,7 @@
           <p:cNvPr id="2" name="Заголовок 1">
             <a:extLst>
               <a:ext uri="{FF2B5EF4-FFF2-40B4-BE49-F238E27FC236}">
-                <a16:creationId xmlns:a16="http://schemas.microsoft.com/office/drawing/2014/main" id="{9948586C-4D12-7A20-82D1-A5CD17F971F3}"/>
+                <a16:creationId xmlns:a16="http://schemas.microsoft.com/office/drawing/2014/main" id="{BFE36C50-F43D-4CF8-C1E5-12F464593151}"/>
               </a:ext>
             </a:extLst>
           </p:cNvPr>
@@ -10264,148 +10933,67 @@
         </p:nvSpPr>
         <p:spPr/>
         <p:txBody>
-          <a:bodyPr/>
+          <a:bodyPr>
+            <a:normAutofit/>
+          </a:bodyPr>
           <a:lstStyle/>
           <a:p>
             <a:r>
-              <a:rPr lang="ru-RU" sz="1800" dirty="0">
+              <a:rPr lang="ru-RU" sz="3200" dirty="0" err="1">
                 <a:effectLst/>
                 <a:latin typeface="Times New Roman" panose="02020603050405020304" pitchFamily="18" charset="0"/>
                 <a:ea typeface="Calibri" panose="020F0502020204030204" pitchFamily="34" charset="0"/>
               </a:rPr>
-              <a:t>Проблемы многозадачности</a:t>
-            </a:r>
-            <a:endParaRPr lang="ru-RU" dirty="0"/>
+              <a:t>Многопроцессность</a:t>
+            </a:r>
+            <a:r>
+              <a:rPr lang="ru-RU" sz="3200" dirty="0">
+                <a:effectLst/>
+                <a:latin typeface="Times New Roman" panose="02020603050405020304" pitchFamily="18" charset="0"/>
+                <a:ea typeface="Calibri" panose="020F0502020204030204" pitchFamily="34" charset="0"/>
+              </a:rPr>
+              <a:t> и многопоточность</a:t>
+            </a:r>
+            <a:endParaRPr lang="ru-RU" sz="3200" dirty="0"/>
           </a:p>
         </p:txBody>
       </p:sp>
       <p:pic>
         <p:nvPicPr>
-          <p:cNvPr id="5" name="Объект 4">
-            <a:extLst>
-              <a:ext uri="{FF2B5EF4-FFF2-40B4-BE49-F238E27FC236}">
-                <a16:creationId xmlns:a16="http://schemas.microsoft.com/office/drawing/2014/main" id="{1A5ED7F4-90A1-2250-1EF9-8D7FA0C5D968}"/>
+          <p:cNvPr id="5" name="Рисунок 4">
+            <a:extLst>
+              <a:ext uri="{FF2B5EF4-FFF2-40B4-BE49-F238E27FC236}">
+                <a16:creationId xmlns:a16="http://schemas.microsoft.com/office/drawing/2014/main" id="{40B9502B-76E3-3D76-16A2-ACFFD63C52E9}"/>
               </a:ext>
             </a:extLst>
           </p:cNvPr>
           <p:cNvPicPr>
-            <a:picLocks noGrp="1" noChangeAspect="1"/>
+            <a:picLocks noChangeAspect="1"/>
           </p:cNvPicPr>
-          <p:nvPr>
-            <p:ph idx="1"/>
-          </p:nvPr>
+          <p:nvPr/>
         </p:nvPicPr>
         <p:blipFill>
-          <a:blip r:embed="rId2">
-            <a:extLst>
-              <a:ext uri="{28A0092B-C50C-407E-A947-70E740481C1C}">
-                <a14:useLocalDpi xmlns:a14="http://schemas.microsoft.com/office/drawing/2010/main" val="0"/>
-              </a:ext>
-            </a:extLst>
-          </a:blip>
+          <a:blip r:embed="rId2"/>
           <a:stretch>
             <a:fillRect/>
           </a:stretch>
         </p:blipFill>
         <p:spPr>
           <a:xfrm>
-            <a:off x="539552" y="987574"/>
-            <a:ext cx="3778117" cy="2832082"/>
-          </a:xfrm>
-        </p:spPr>
-      </p:pic>
-      <p:sp>
-        <p:nvSpPr>
-          <p:cNvPr id="6" name="TextBox 5">
-            <a:extLst>
-              <a:ext uri="{FF2B5EF4-FFF2-40B4-BE49-F238E27FC236}">
-                <a16:creationId xmlns:a16="http://schemas.microsoft.com/office/drawing/2014/main" id="{090FA259-59AE-E294-5F14-A0CBDA5C393D}"/>
-              </a:ext>
-            </a:extLst>
-          </p:cNvPr>
-          <p:cNvSpPr txBox="1"/>
-          <p:nvPr/>
-        </p:nvSpPr>
-        <p:spPr>
-          <a:xfrm>
-            <a:off x="4716016" y="1268016"/>
-            <a:ext cx="2880320" cy="1754326"/>
+            <a:off x="5230862" y="1131590"/>
+            <a:ext cx="2630939" cy="2584908"/>
           </a:xfrm>
           <a:prstGeom prst="rect">
             <a:avLst/>
           </a:prstGeom>
-          <a:noFill/>
         </p:spPr>
-        <p:txBody>
-          <a:bodyPr wrap="square" rtlCol="0">
-            <a:spAutoFit/>
-          </a:bodyPr>
-          <a:lstStyle/>
-          <a:p>
-            <a:pPr marL="285750" indent="-285750">
-              <a:buFont typeface="Arial" panose="020B0604020202020204" pitchFamily="34" charset="0"/>
-              <a:buChar char="•"/>
-            </a:pPr>
-            <a:r>
-              <a:rPr lang="en-US" dirty="0"/>
-              <a:t>Gil</a:t>
-            </a:r>
-          </a:p>
-          <a:p>
-            <a:pPr marL="285750" indent="-285750">
-              <a:buFont typeface="Arial" panose="020B0604020202020204" pitchFamily="34" charset="0"/>
-              <a:buChar char="•"/>
-            </a:pPr>
-            <a:r>
-              <a:rPr lang="ru-RU" dirty="0"/>
-              <a:t>Состояние гонки</a:t>
-            </a:r>
-          </a:p>
-          <a:p>
-            <a:pPr marL="285750" indent="-285750">
-              <a:buFont typeface="Arial" panose="020B0604020202020204" pitchFamily="34" charset="0"/>
-              <a:buChar char="•"/>
-            </a:pPr>
-            <a:r>
-              <a:rPr lang="ru-RU" dirty="0"/>
-              <a:t>Взаимная блокировка</a:t>
-            </a:r>
-          </a:p>
-          <a:p>
-            <a:pPr marL="285750" indent="-285750">
-              <a:buFont typeface="Arial" panose="020B0604020202020204" pitchFamily="34" charset="0"/>
-              <a:buChar char="•"/>
-            </a:pPr>
-            <a:r>
-              <a:rPr lang="ru-RU" dirty="0"/>
-              <a:t>Лайвлок </a:t>
-            </a:r>
-          </a:p>
-          <a:p>
-            <a:pPr marL="285750" indent="-285750">
-              <a:buFont typeface="Arial" panose="020B0604020202020204" pitchFamily="34" charset="0"/>
-              <a:buChar char="•"/>
-            </a:pPr>
-            <a:r>
-              <a:rPr lang="ru-RU" dirty="0"/>
-              <a:t>Голодание</a:t>
-            </a:r>
-          </a:p>
-          <a:p>
-            <a:pPr marL="285750" indent="-285750">
-              <a:buFont typeface="Arial" panose="020B0604020202020204" pitchFamily="34" charset="0"/>
-              <a:buChar char="•"/>
-            </a:pPr>
-            <a:endParaRPr lang="ru-RU" dirty="0"/>
-          </a:p>
-        </p:txBody>
-      </p:sp>
-      <p:sp>
-        <p:nvSpPr>
-          <p:cNvPr id="7" name="Объект 2">
-            <a:extLst>
-              <a:ext uri="{FF2B5EF4-FFF2-40B4-BE49-F238E27FC236}">
-                <a16:creationId xmlns:a16="http://schemas.microsoft.com/office/drawing/2014/main" id="{254935BB-B2BE-BFD6-4E03-A8AB152DA00D}"/>
+      </p:pic>
+      <p:sp>
+        <p:nvSpPr>
+          <p:cNvPr id="6" name="Объект 2">
+            <a:extLst>
+              <a:ext uri="{FF2B5EF4-FFF2-40B4-BE49-F238E27FC236}">
+                <a16:creationId xmlns:a16="http://schemas.microsoft.com/office/drawing/2014/main" id="{389FE120-E713-F0F3-CB12-6AD1FD60848E}"/>
               </a:ext>
             </a:extLst>
           </p:cNvPr>
@@ -10606,15 +11194,122 @@
             </a:r>
             <a:r>
               <a:rPr lang="ru-RU" sz="1400" dirty="0"/>
-              <a:t>19</a:t>
-            </a:r>
+              <a:t>20</a:t>
+            </a:r>
+          </a:p>
+        </p:txBody>
+      </p:sp>
+      <p:sp>
+        <p:nvSpPr>
+          <p:cNvPr id="7" name="TextBox 6">
+            <a:extLst>
+              <a:ext uri="{FF2B5EF4-FFF2-40B4-BE49-F238E27FC236}">
+                <a16:creationId xmlns:a16="http://schemas.microsoft.com/office/drawing/2014/main" id="{7A3B3DC7-F9D8-F2A5-FE46-C66FA28D3B13}"/>
+              </a:ext>
+            </a:extLst>
+          </p:cNvPr>
+          <p:cNvSpPr txBox="1"/>
+          <p:nvPr/>
+        </p:nvSpPr>
+        <p:spPr>
+          <a:xfrm>
+            <a:off x="5148064" y="3818873"/>
+            <a:ext cx="3163180" cy="738664"/>
+          </a:xfrm>
+          <a:prstGeom prst="rect">
+            <a:avLst/>
+          </a:prstGeom>
+          <a:noFill/>
+        </p:spPr>
+        <p:txBody>
+          <a:bodyPr wrap="square" rtlCol="0">
+            <a:spAutoFit/>
+          </a:bodyPr>
+          <a:lstStyle/>
+          <a:p>
+            <a:r>
+              <a:rPr lang="ru-RU" sz="1400" dirty="0">
+                <a:latin typeface="Times New Roman" panose="02020603050405020304" pitchFamily="18" charset="0"/>
+                <a:cs typeface="Times New Roman" panose="02020603050405020304" pitchFamily="18" charset="0"/>
+              </a:rPr>
+              <a:t>Рисунок 3 – Многопоточная программа с двумя рабочими потоками и одним главным</a:t>
+            </a:r>
+          </a:p>
+        </p:txBody>
+      </p:sp>
+      <p:sp>
+        <p:nvSpPr>
+          <p:cNvPr id="9" name="Объект 8">
+            <a:extLst>
+              <a:ext uri="{FF2B5EF4-FFF2-40B4-BE49-F238E27FC236}">
+                <a16:creationId xmlns:a16="http://schemas.microsoft.com/office/drawing/2014/main" id="{DA685175-437D-D0CC-9BB0-711F42300154}"/>
+              </a:ext>
+            </a:extLst>
+          </p:cNvPr>
+          <p:cNvSpPr>
+            <a:spLocks noGrp="1"/>
+          </p:cNvSpPr>
+          <p:nvPr>
+            <p:ph idx="1"/>
+          </p:nvPr>
+        </p:nvSpPr>
+        <p:spPr>
+          <a:xfrm>
+            <a:off x="628650" y="1369218"/>
+            <a:ext cx="4159374" cy="3002732"/>
+          </a:xfrm>
+        </p:spPr>
+        <p:txBody>
+          <a:bodyPr>
+            <a:normAutofit/>
+          </a:bodyPr>
+          <a:lstStyle/>
+          <a:p>
+            <a:r>
+              <a:rPr lang="ru-RU" sz="1800" dirty="0">
+                <a:effectLst/>
+                <a:latin typeface="Times New Roman" panose="02020603050405020304" pitchFamily="18" charset="0"/>
+                <a:ea typeface="Calibri" panose="020F0502020204030204" pitchFamily="34" charset="0"/>
+              </a:rPr>
+              <a:t>Потоки в основном используют при выполнении </a:t>
+            </a:r>
+            <a:r>
+              <a:rPr lang="en-US" sz="1800" dirty="0">
+                <a:effectLst/>
+                <a:latin typeface="Times New Roman" panose="02020603050405020304" pitchFamily="18" charset="0"/>
+                <a:ea typeface="Calibri" panose="020F0502020204030204" pitchFamily="34" charset="0"/>
+              </a:rPr>
+              <a:t>IO</a:t>
+            </a:r>
+            <a:r>
+              <a:rPr lang="ru-RU" sz="1800" dirty="0">
+                <a:effectLst/>
+                <a:latin typeface="Times New Roman" panose="02020603050405020304" pitchFamily="18" charset="0"/>
+                <a:ea typeface="Calibri" panose="020F0502020204030204" pitchFamily="34" charset="0"/>
+              </a:rPr>
+              <a:t> – операций – операций, ограниченных производительностью ввода-вывода, например запросы к серверу или базе данных.</a:t>
+            </a:r>
+          </a:p>
+          <a:p>
+            <a:r>
+              <a:rPr lang="ru-RU" sz="1800" dirty="0">
+                <a:effectLst/>
+                <a:latin typeface="Times New Roman" panose="02020603050405020304" pitchFamily="18" charset="0"/>
+                <a:ea typeface="Calibri" panose="020F0502020204030204" pitchFamily="34" charset="0"/>
+                <a:cs typeface="Times New Roman" panose="02020603050405020304" pitchFamily="18" charset="0"/>
+              </a:rPr>
+              <a:t>Пока выполняется что-либо не зависящее от нас, мы переходим к выполнению следующей задачи, в то время как предыдущая задача ожидает ответа.</a:t>
+            </a:r>
+          </a:p>
+          <a:p>
+            <a:endParaRPr lang="ru-RU" dirty="0"/>
           </a:p>
         </p:txBody>
       </p:sp>
     </p:spTree>
     <p:extLst>
       <p:ext uri="{BB962C8B-B14F-4D97-AF65-F5344CB8AC3E}">
-        <p14:creationId xmlns:p14="http://schemas.microsoft.com/office/powerpoint/2010/main" val="1916456209"/>
+        <p14:creationId xmlns:p14="http://schemas.microsoft.com/office/powerpoint/2010/main" val="3338138322"/>
       </p:ext>
     </p:extLst>
   </p:cSld>
@@ -10641,45 +11336,12 @@
           <a:chExt cx="0" cy="0"/>
         </a:xfrm>
       </p:grpSpPr>
-      <p:sp>
-        <p:nvSpPr>
-          <p:cNvPr id="2" name="Заголовок 1">
-            <a:extLst>
-              <a:ext uri="{FF2B5EF4-FFF2-40B4-BE49-F238E27FC236}">
-                <a16:creationId xmlns:a16="http://schemas.microsoft.com/office/drawing/2014/main" id="{FAD95F48-CD48-FAF8-99B2-6BAB9D26BBF0}"/>
-              </a:ext>
-            </a:extLst>
-          </p:cNvPr>
-          <p:cNvSpPr>
-            <a:spLocks noGrp="1"/>
-          </p:cNvSpPr>
-          <p:nvPr>
-            <p:ph type="title"/>
-          </p:nvPr>
-        </p:nvSpPr>
-        <p:spPr/>
-        <p:txBody>
-          <a:bodyPr/>
-          <a:lstStyle/>
-          <a:p>
-            <a:r>
-              <a:rPr lang="ru-RU" sz="1800" dirty="0">
-                <a:effectLst/>
-                <a:latin typeface="Times New Roman" panose="02020603050405020304" pitchFamily="18" charset="0"/>
-                <a:ea typeface="Calibri" panose="020F0502020204030204" pitchFamily="34" charset="0"/>
-              </a:rPr>
-              <a:t>Асинхронная передача данных</a:t>
-            </a:r>
-            <a:endParaRPr lang="ru-RU" dirty="0"/>
-          </a:p>
-        </p:txBody>
-      </p:sp>
       <p:pic>
         <p:nvPicPr>
-          <p:cNvPr id="4" name="Объект 3">
-            <a:extLst>
-              <a:ext uri="{FF2B5EF4-FFF2-40B4-BE49-F238E27FC236}">
-                <a16:creationId xmlns:a16="http://schemas.microsoft.com/office/drawing/2014/main" id="{A2584F3A-A45C-8C6B-2753-BC458384B1D9}"/>
+          <p:cNvPr id="5" name="Объект 4">
+            <a:extLst>
+              <a:ext uri="{FF2B5EF4-FFF2-40B4-BE49-F238E27FC236}">
+                <a16:creationId xmlns:a16="http://schemas.microsoft.com/office/drawing/2014/main" id="{1A5ED7F4-90A1-2250-1EF9-8D7FA0C5D968}"/>
               </a:ext>
             </a:extLst>
           </p:cNvPr>
@@ -10691,57 +11353,98 @@
           </p:nvPr>
         </p:nvPicPr>
         <p:blipFill>
-          <a:blip r:embed="rId2"/>
+          <a:blip r:embed="rId2">
+            <a:extLst>
+              <a:ext uri="{28A0092B-C50C-407E-A947-70E740481C1C}">
+                <a14:useLocalDpi xmlns:a14="http://schemas.microsoft.com/office/drawing/2010/main" val="0"/>
+              </a:ext>
+            </a:extLst>
+          </a:blip>
           <a:stretch>
             <a:fillRect/>
           </a:stretch>
         </p:blipFill>
         <p:spPr>
           <a:xfrm>
-            <a:off x="628650" y="1491630"/>
-            <a:ext cx="3620479" cy="1971205"/>
+            <a:off x="645705" y="1471664"/>
+            <a:ext cx="3490085" cy="2616173"/>
+          </a:xfrm>
+        </p:spPr>
+      </p:pic>
+      <p:sp>
+        <p:nvSpPr>
+          <p:cNvPr id="6" name="TextBox 5">
+            <a:extLst>
+              <a:ext uri="{FF2B5EF4-FFF2-40B4-BE49-F238E27FC236}">
+                <a16:creationId xmlns:a16="http://schemas.microsoft.com/office/drawing/2014/main" id="{090FA259-59AE-E294-5F14-A0CBDA5C393D}"/>
+              </a:ext>
+            </a:extLst>
+          </p:cNvPr>
+          <p:cNvSpPr txBox="1"/>
+          <p:nvPr/>
+        </p:nvSpPr>
+        <p:spPr>
+          <a:xfrm>
+            <a:off x="4716016" y="1628056"/>
+            <a:ext cx="2880320" cy="923330"/>
           </a:xfrm>
           <a:prstGeom prst="rect">
             <a:avLst/>
           </a:prstGeom>
+          <a:noFill/>
         </p:spPr>
-      </p:pic>
-      <p:pic>
-        <p:nvPicPr>
-          <p:cNvPr id="5" name="Рисунок 4">
-            <a:extLst>
-              <a:ext uri="{FF2B5EF4-FFF2-40B4-BE49-F238E27FC236}">
-                <a16:creationId xmlns:a16="http://schemas.microsoft.com/office/drawing/2014/main" id="{7B49923B-422B-B18D-CDAE-7AE001B38162}"/>
-              </a:ext>
-            </a:extLst>
-          </p:cNvPr>
-          <p:cNvPicPr>
-            <a:picLocks noChangeAspect="1"/>
-          </p:cNvPicPr>
-          <p:nvPr/>
-        </p:nvPicPr>
-        <p:blipFill>
-          <a:blip r:embed="rId3"/>
-          <a:stretch>
-            <a:fillRect/>
-          </a:stretch>
-        </p:blipFill>
-        <p:spPr>
-          <a:xfrm>
-            <a:off x="4644008" y="1491630"/>
-            <a:ext cx="4137212" cy="1464712"/>
-          </a:xfrm>
-          <a:prstGeom prst="rect">
-            <a:avLst/>
-          </a:prstGeom>
-        </p:spPr>
-      </p:pic>
-      <p:sp>
-        <p:nvSpPr>
-          <p:cNvPr id="6" name="Объект 2">
-            <a:extLst>
-              <a:ext uri="{FF2B5EF4-FFF2-40B4-BE49-F238E27FC236}">
-                <a16:creationId xmlns:a16="http://schemas.microsoft.com/office/drawing/2014/main" id="{F97A5A59-FBDC-4192-9977-E00726B5CE67}"/>
+        <p:txBody>
+          <a:bodyPr wrap="square" rtlCol="0">
+            <a:spAutoFit/>
+          </a:bodyPr>
+          <a:lstStyle/>
+          <a:p>
+            <a:pPr marL="285750" indent="-285750">
+              <a:buFont typeface="Arial" panose="020B0604020202020204" pitchFamily="34" charset="0"/>
+              <a:buChar char="•"/>
+            </a:pPr>
+            <a:r>
+              <a:rPr lang="en-US" dirty="0">
+                <a:latin typeface="Times New Roman" panose="02020603050405020304" pitchFamily="18" charset="0"/>
+                <a:cs typeface="Times New Roman" panose="02020603050405020304" pitchFamily="18" charset="0"/>
+              </a:rPr>
+              <a:t>Gil</a:t>
+            </a:r>
+          </a:p>
+          <a:p>
+            <a:pPr marL="285750" indent="-285750">
+              <a:buFont typeface="Arial" panose="020B0604020202020204" pitchFamily="34" charset="0"/>
+              <a:buChar char="•"/>
+            </a:pPr>
+            <a:r>
+              <a:rPr lang="ru-RU" dirty="0">
+                <a:latin typeface="Times New Roman" panose="02020603050405020304" pitchFamily="18" charset="0"/>
+                <a:cs typeface="Times New Roman" panose="02020603050405020304" pitchFamily="18" charset="0"/>
+              </a:rPr>
+              <a:t>Состояние гонки</a:t>
+            </a:r>
+          </a:p>
+          <a:p>
+            <a:pPr marL="285750" indent="-285750">
+              <a:buFont typeface="Arial" panose="020B0604020202020204" pitchFamily="34" charset="0"/>
+              <a:buChar char="•"/>
+            </a:pPr>
+            <a:r>
+              <a:rPr lang="ru-RU" dirty="0">
+                <a:latin typeface="Times New Roman" panose="02020603050405020304" pitchFamily="18" charset="0"/>
+                <a:cs typeface="Times New Roman" panose="02020603050405020304" pitchFamily="18" charset="0"/>
+              </a:rPr>
+              <a:t>Взаимная блокировка</a:t>
+            </a:r>
+          </a:p>
+        </p:txBody>
+      </p:sp>
+      <p:sp>
+        <p:nvSpPr>
+          <p:cNvPr id="7" name="Объект 2">
+            <a:extLst>
+              <a:ext uri="{FF2B5EF4-FFF2-40B4-BE49-F238E27FC236}">
+                <a16:creationId xmlns:a16="http://schemas.microsoft.com/office/drawing/2014/main" id="{254935BB-B2BE-BFD6-4E03-A8AB152DA00D}"/>
               </a:ext>
             </a:extLst>
           </p:cNvPr>
@@ -10942,7 +11645,92 @@
             </a:r>
             <a:r>
               <a:rPr lang="ru-RU" sz="1400" dirty="0"/>
-              <a:t>19</a:t>
+              <a:t>20</a:t>
+            </a:r>
+          </a:p>
+        </p:txBody>
+      </p:sp>
+      <p:sp>
+        <p:nvSpPr>
+          <p:cNvPr id="3" name="TextBox 2">
+            <a:extLst>
+              <a:ext uri="{FF2B5EF4-FFF2-40B4-BE49-F238E27FC236}">
+                <a16:creationId xmlns:a16="http://schemas.microsoft.com/office/drawing/2014/main" id="{AAF58997-BFC5-A683-4924-C9877CD43589}"/>
+              </a:ext>
+            </a:extLst>
+          </p:cNvPr>
+          <p:cNvSpPr txBox="1"/>
+          <p:nvPr/>
+        </p:nvSpPr>
+        <p:spPr>
+          <a:xfrm>
+            <a:off x="539552" y="4158009"/>
+            <a:ext cx="3965611" cy="523220"/>
+          </a:xfrm>
+          <a:prstGeom prst="rect">
+            <a:avLst/>
+          </a:prstGeom>
+          <a:noFill/>
+        </p:spPr>
+        <p:txBody>
+          <a:bodyPr wrap="square" rtlCol="0">
+            <a:spAutoFit/>
+          </a:bodyPr>
+          <a:lstStyle/>
+          <a:p>
+            <a:r>
+              <a:rPr lang="ru-RU" sz="1400" dirty="0">
+                <a:latin typeface="Times New Roman" panose="02020603050405020304" pitchFamily="18" charset="0"/>
+                <a:cs typeface="Times New Roman" panose="02020603050405020304" pitchFamily="18" charset="0"/>
+              </a:rPr>
+              <a:t>Рисунок 4 – Схема влияния </a:t>
+            </a:r>
+            <a:r>
+              <a:rPr lang="en-US" sz="1400" dirty="0">
+                <a:latin typeface="Times New Roman" panose="02020603050405020304" pitchFamily="18" charset="0"/>
+                <a:cs typeface="Times New Roman" panose="02020603050405020304" pitchFamily="18" charset="0"/>
+              </a:rPr>
+              <a:t>GIL </a:t>
+            </a:r>
+            <a:r>
+              <a:rPr lang="ru-RU" sz="1400" dirty="0">
+                <a:latin typeface="Times New Roman" panose="02020603050405020304" pitchFamily="18" charset="0"/>
+                <a:cs typeface="Times New Roman" panose="02020603050405020304" pitchFamily="18" charset="0"/>
+              </a:rPr>
+              <a:t>и конец его владений</a:t>
+            </a:r>
+          </a:p>
+        </p:txBody>
+      </p:sp>
+      <p:sp>
+        <p:nvSpPr>
+          <p:cNvPr id="8" name="Заголовок 7">
+            <a:extLst>
+              <a:ext uri="{FF2B5EF4-FFF2-40B4-BE49-F238E27FC236}">
+                <a16:creationId xmlns:a16="http://schemas.microsoft.com/office/drawing/2014/main" id="{CFA5CC19-9ECF-75BF-5D6C-3AACE05E5767}"/>
+              </a:ext>
+            </a:extLst>
+          </p:cNvPr>
+          <p:cNvSpPr>
+            <a:spLocks noGrp="1"/>
+          </p:cNvSpPr>
+          <p:nvPr>
+            <p:ph type="title"/>
+          </p:nvPr>
+        </p:nvSpPr>
+        <p:spPr/>
+        <p:txBody>
+          <a:bodyPr>
+            <a:normAutofit/>
+          </a:bodyPr>
+          <a:lstStyle/>
+          <a:p>
+            <a:r>
+              <a:rPr lang="ru-RU" sz="3200" dirty="0">
+                <a:latin typeface="Times New Roman" panose="02020603050405020304" pitchFamily="18" charset="0"/>
+                <a:cs typeface="Times New Roman" panose="02020603050405020304" pitchFamily="18" charset="0"/>
+              </a:rPr>
+              <a:t>Проблемы многозадачности</a:t>
             </a:r>
           </a:p>
         </p:txBody>
@@ -10950,7 +11738,7 @@
     </p:spTree>
     <p:extLst>
       <p:ext uri="{BB962C8B-B14F-4D97-AF65-F5344CB8AC3E}">
-        <p14:creationId xmlns:p14="http://schemas.microsoft.com/office/powerpoint/2010/main" val="4198449002"/>
+        <p14:creationId xmlns:p14="http://schemas.microsoft.com/office/powerpoint/2010/main" val="1916456209"/>
       </p:ext>
     </p:extLst>
   </p:cSld>
@@ -10977,40 +11765,12 @@
           <a:chExt cx="0" cy="0"/>
         </a:xfrm>
       </p:grpSpPr>
-      <p:sp>
-        <p:nvSpPr>
-          <p:cNvPr id="2" name="Заголовок 1">
-            <a:extLst>
-              <a:ext uri="{FF2B5EF4-FFF2-40B4-BE49-F238E27FC236}">
-                <a16:creationId xmlns:a16="http://schemas.microsoft.com/office/drawing/2014/main" id="{F4857D1F-4BFD-EDB3-0611-3473C0BF071E}"/>
-              </a:ext>
-            </a:extLst>
-          </p:cNvPr>
-          <p:cNvSpPr>
-            <a:spLocks noGrp="1"/>
-          </p:cNvSpPr>
-          <p:nvPr>
-            <p:ph type="title"/>
-          </p:nvPr>
-        </p:nvSpPr>
-        <p:spPr/>
-        <p:txBody>
-          <a:bodyPr/>
-          <a:lstStyle/>
-          <a:p>
-            <a:r>
-              <a:rPr lang="ru-RU" dirty="0"/>
-              <a:t>Сокеты</a:t>
-            </a:r>
-          </a:p>
-        </p:txBody>
-      </p:sp>
       <p:pic>
         <p:nvPicPr>
           <p:cNvPr id="4" name="Объект 3">
             <a:extLst>
               <a:ext uri="{FF2B5EF4-FFF2-40B4-BE49-F238E27FC236}">
-                <a16:creationId xmlns:a16="http://schemas.microsoft.com/office/drawing/2014/main" id="{F4B1B340-6F2B-95EE-9727-A03FCA15F9AC}"/>
+                <a16:creationId xmlns:a16="http://schemas.microsoft.com/office/drawing/2014/main" id="{A2584F3A-A45C-8C6B-2753-BC458384B1D9}"/>
               </a:ext>
             </a:extLst>
           </p:cNvPr>
@@ -11029,50 +11789,20 @@
         </p:blipFill>
         <p:spPr>
           <a:xfrm>
-            <a:off x="628650" y="1203598"/>
-            <a:ext cx="4015358" cy="860035"/>
+            <a:off x="708082" y="1189658"/>
+            <a:ext cx="5448094" cy="2966268"/>
           </a:xfrm>
           <a:prstGeom prst="rect">
             <a:avLst/>
           </a:prstGeom>
         </p:spPr>
       </p:pic>
-      <p:pic>
-        <p:nvPicPr>
-          <p:cNvPr id="5" name="Рисунок 4">
-            <a:extLst>
-              <a:ext uri="{FF2B5EF4-FFF2-40B4-BE49-F238E27FC236}">
-                <a16:creationId xmlns:a16="http://schemas.microsoft.com/office/drawing/2014/main" id="{5DE8338C-306F-8161-4C73-22F41133F103}"/>
-              </a:ext>
-            </a:extLst>
-          </p:cNvPr>
-          <p:cNvPicPr>
-            <a:picLocks noChangeAspect="1"/>
-          </p:cNvPicPr>
-          <p:nvPr/>
-        </p:nvPicPr>
-        <p:blipFill>
-          <a:blip r:embed="rId3"/>
-          <a:stretch>
-            <a:fillRect/>
-          </a:stretch>
-        </p:blipFill>
-        <p:spPr>
-          <a:xfrm>
-            <a:off x="467544" y="2355726"/>
-            <a:ext cx="2783954" cy="1917676"/>
-          </a:xfrm>
-          <a:prstGeom prst="rect">
-            <a:avLst/>
-          </a:prstGeom>
-        </p:spPr>
-      </p:pic>
       <p:sp>
         <p:nvSpPr>
           <p:cNvPr id="6" name="Объект 2">
             <a:extLst>
               <a:ext uri="{FF2B5EF4-FFF2-40B4-BE49-F238E27FC236}">
-                <a16:creationId xmlns:a16="http://schemas.microsoft.com/office/drawing/2014/main" id="{5D645037-2ED0-39F2-F97F-37824EC8B180}"/>
+                <a16:creationId xmlns:a16="http://schemas.microsoft.com/office/drawing/2014/main" id="{F97A5A59-FBDC-4192-9977-E00726B5CE67}"/>
               </a:ext>
             </a:extLst>
           </p:cNvPr>
@@ -11273,15 +12003,167 @@
             </a:r>
             <a:r>
               <a:rPr lang="ru-RU" sz="1400" dirty="0"/>
-              <a:t>19</a:t>
-            </a:r>
+              <a:t>20</a:t>
+            </a:r>
+          </a:p>
+        </p:txBody>
+      </p:sp>
+      <p:sp>
+        <p:nvSpPr>
+          <p:cNvPr id="3" name="TextBox 2">
+            <a:extLst>
+              <a:ext uri="{FF2B5EF4-FFF2-40B4-BE49-F238E27FC236}">
+                <a16:creationId xmlns:a16="http://schemas.microsoft.com/office/drawing/2014/main" id="{C785B82D-FC6C-902C-216B-6355A1A155AC}"/>
+              </a:ext>
+            </a:extLst>
+          </p:cNvPr>
+          <p:cNvSpPr txBox="1"/>
+          <p:nvPr/>
+        </p:nvSpPr>
+        <p:spPr>
+          <a:xfrm>
+            <a:off x="627973" y="4208770"/>
+            <a:ext cx="4104455" cy="523220"/>
+          </a:xfrm>
+          <a:prstGeom prst="rect">
+            <a:avLst/>
+          </a:prstGeom>
+          <a:noFill/>
+        </p:spPr>
+        <p:txBody>
+          <a:bodyPr wrap="square" rtlCol="0">
+            <a:spAutoFit/>
+          </a:bodyPr>
+          <a:lstStyle/>
+          <a:p>
+            <a:r>
+              <a:rPr lang="ru-RU" sz="1400" dirty="0">
+                <a:latin typeface="Times New Roman" panose="02020603050405020304" pitchFamily="18" charset="0"/>
+                <a:cs typeface="Times New Roman" panose="02020603050405020304" pitchFamily="18" charset="0"/>
+              </a:rPr>
+              <a:t>Рисунок 5 – Пример потока поставляющего задачи циклу событий</a:t>
+            </a:r>
+          </a:p>
+        </p:txBody>
+      </p:sp>
+      <p:sp>
+        <p:nvSpPr>
+          <p:cNvPr id="7" name="TextBox 6">
+            <a:extLst>
+              <a:ext uri="{FF2B5EF4-FFF2-40B4-BE49-F238E27FC236}">
+                <a16:creationId xmlns:a16="http://schemas.microsoft.com/office/drawing/2014/main" id="{3F7DCB64-F486-B2E2-FF1A-E288BECE3703}"/>
+              </a:ext>
+            </a:extLst>
+          </p:cNvPr>
+          <p:cNvSpPr txBox="1"/>
+          <p:nvPr/>
+        </p:nvSpPr>
+        <p:spPr>
+          <a:xfrm>
+            <a:off x="6228184" y="1547830"/>
+            <a:ext cx="1944216" cy="1169551"/>
+          </a:xfrm>
+          <a:prstGeom prst="rect">
+            <a:avLst/>
+          </a:prstGeom>
+          <a:noFill/>
+        </p:spPr>
+        <p:txBody>
+          <a:bodyPr wrap="square" rtlCol="0">
+            <a:spAutoFit/>
+          </a:bodyPr>
+          <a:lstStyle/>
+          <a:p>
+            <a:pPr marL="285750" indent="-285750">
+              <a:buFont typeface="Arial" panose="020B0604020202020204" pitchFamily="34" charset="0"/>
+              <a:buChar char="•"/>
+            </a:pPr>
+            <a:r>
+              <a:rPr lang="ru-RU" sz="1400" dirty="0">
+                <a:latin typeface="Times New Roman" panose="02020603050405020304" pitchFamily="18" charset="0"/>
+                <a:cs typeface="Times New Roman" panose="02020603050405020304" pitchFamily="18" charset="0"/>
+              </a:rPr>
+              <a:t>Конкурентность в одном потоке</a:t>
+            </a:r>
+          </a:p>
+          <a:p>
+            <a:pPr marL="285750" indent="-285750">
+              <a:buFont typeface="Arial" panose="020B0604020202020204" pitchFamily="34" charset="0"/>
+              <a:buChar char="•"/>
+            </a:pPr>
+            <a:r>
+              <a:rPr lang="ru-RU" sz="1400" dirty="0">
+                <a:latin typeface="Times New Roman" panose="02020603050405020304" pitchFamily="18" charset="0"/>
+                <a:cs typeface="Times New Roman" panose="02020603050405020304" pitchFamily="18" charset="0"/>
+              </a:rPr>
+              <a:t>Сопрограммы</a:t>
+            </a:r>
+          </a:p>
+          <a:p>
+            <a:pPr marL="285750" indent="-285750">
+              <a:buFont typeface="Arial" panose="020B0604020202020204" pitchFamily="34" charset="0"/>
+              <a:buChar char="•"/>
+            </a:pPr>
+            <a:r>
+              <a:rPr lang="ru-RU" sz="1400" dirty="0">
+                <a:latin typeface="Times New Roman" panose="02020603050405020304" pitchFamily="18" charset="0"/>
+                <a:cs typeface="Times New Roman" panose="02020603050405020304" pitchFamily="18" charset="0"/>
+              </a:rPr>
+              <a:t>Цикл событий</a:t>
+            </a:r>
+          </a:p>
+          <a:p>
+            <a:pPr marL="285750" indent="-285750">
+              <a:buFont typeface="Arial" panose="020B0604020202020204" pitchFamily="34" charset="0"/>
+              <a:buChar char="•"/>
+            </a:pPr>
+            <a:r>
+              <a:rPr lang="ru-RU" sz="1400" dirty="0">
+                <a:latin typeface="Times New Roman" panose="02020603050405020304" pitchFamily="18" charset="0"/>
+                <a:cs typeface="Times New Roman" panose="02020603050405020304" pitchFamily="18" charset="0"/>
+              </a:rPr>
+              <a:t>Задачи</a:t>
+            </a:r>
+          </a:p>
+        </p:txBody>
+      </p:sp>
+      <p:sp>
+        <p:nvSpPr>
+          <p:cNvPr id="9" name="Заголовок 8">
+            <a:extLst>
+              <a:ext uri="{FF2B5EF4-FFF2-40B4-BE49-F238E27FC236}">
+                <a16:creationId xmlns:a16="http://schemas.microsoft.com/office/drawing/2014/main" id="{97A7A6C2-EB4B-FC5A-6591-0EED3EC1C451}"/>
+              </a:ext>
+            </a:extLst>
+          </p:cNvPr>
+          <p:cNvSpPr>
+            <a:spLocks noGrp="1"/>
+          </p:cNvSpPr>
+          <p:nvPr>
+            <p:ph type="title"/>
+          </p:nvPr>
+        </p:nvSpPr>
+        <p:spPr/>
+        <p:txBody>
+          <a:bodyPr/>
+          <a:lstStyle/>
+          <a:p>
+            <a:r>
+              <a:rPr lang="ru-RU" sz="3600" dirty="0">
+                <a:effectLst/>
+                <a:latin typeface="Times New Roman" panose="02020603050405020304" pitchFamily="18" charset="0"/>
+                <a:ea typeface="Calibri" panose="020F0502020204030204" pitchFamily="34" charset="0"/>
+              </a:rPr>
+              <a:t>Асинхронная передача данных</a:t>
+            </a:r>
+            <a:endParaRPr lang="ru-RU" dirty="0"/>
           </a:p>
         </p:txBody>
       </p:sp>
     </p:spTree>
     <p:extLst>
       <p:ext uri="{BB962C8B-B14F-4D97-AF65-F5344CB8AC3E}">
-        <p14:creationId xmlns:p14="http://schemas.microsoft.com/office/powerpoint/2010/main" val="268411687"/>
+        <p14:creationId xmlns:p14="http://schemas.microsoft.com/office/powerpoint/2010/main" val="4198449002"/>
       </p:ext>
     </p:extLst>
   </p:cSld>
